--- a/documents/Assignment3_Demo.pptx
+++ b/documents/Assignment3_Demo.pptx
@@ -5,12 +5,16 @@
     <p:sldMasterId id="2147483648" r:id="rId1"/>
   </p:sldMasterIdLst>
   <p:notesMasterIdLst>
-    <p:notesMasterId r:id="rId5"/>
+    <p:notesMasterId r:id="rId9"/>
   </p:notesMasterIdLst>
   <p:sldIdLst>
     <p:sldId id="256" r:id="rId2"/>
     <p:sldId id="257" r:id="rId3"/>
     <p:sldId id="258" r:id="rId4"/>
+    <p:sldId id="259" r:id="rId5"/>
+    <p:sldId id="260" r:id="rId6"/>
+    <p:sldId id="261" r:id="rId7"/>
+    <p:sldId id="262" r:id="rId8"/>
   </p:sldIdLst>
   <p:sldSz cx="12192000" cy="6858000"/>
   <p:notesSz cx="6858000" cy="9144000"/>
@@ -109,6 +113,11 @@
       </a:defRPr>
     </a:lvl9pPr>
   </p:defaultTextStyle>
+  <p:extLst>
+    <p:ext uri="{EFAFB233-063F-42B5-8137-9DF3F51BA10A}">
+      <p15:sldGuideLst xmlns:p15="http://schemas.microsoft.com/office/powerpoint/2012/main"/>
+    </p:ext>
+  </p:extLst>
 </p:presentation>
 </file>
 
@@ -695,7 +704,7 @@
           <a:p>
             <a:fld id="{D32BF562-B9D6-42F5-908D-B01147E363B1}" type="datetimeFigureOut">
               <a:rPr lang="en-CA" smtClean="0"/>
-              <a:t>2022-12-04</a:t>
+              <a:t>2022-12-05</a:t>
             </a:fld>
             <a:endParaRPr lang="en-CA"/>
           </a:p>
@@ -895,7 +904,7 @@
           <a:p>
             <a:fld id="{D32BF562-B9D6-42F5-908D-B01147E363B1}" type="datetimeFigureOut">
               <a:rPr lang="en-CA" smtClean="0"/>
-              <a:t>2022-12-04</a:t>
+              <a:t>2022-12-05</a:t>
             </a:fld>
             <a:endParaRPr lang="en-CA"/>
           </a:p>
@@ -1105,7 +1114,7 @@
           <a:p>
             <a:fld id="{D32BF562-B9D6-42F5-908D-B01147E363B1}" type="datetimeFigureOut">
               <a:rPr lang="en-CA" smtClean="0"/>
-              <a:t>2022-12-04</a:t>
+              <a:t>2022-12-05</a:t>
             </a:fld>
             <a:endParaRPr lang="en-CA"/>
           </a:p>
@@ -1305,7 +1314,7 @@
           <a:p>
             <a:fld id="{D32BF562-B9D6-42F5-908D-B01147E363B1}" type="datetimeFigureOut">
               <a:rPr lang="en-CA" smtClean="0"/>
-              <a:t>2022-12-04</a:t>
+              <a:t>2022-12-05</a:t>
             </a:fld>
             <a:endParaRPr lang="en-CA"/>
           </a:p>
@@ -1581,7 +1590,7 @@
           <a:p>
             <a:fld id="{D32BF562-B9D6-42F5-908D-B01147E363B1}" type="datetimeFigureOut">
               <a:rPr lang="en-CA" smtClean="0"/>
-              <a:t>2022-12-04</a:t>
+              <a:t>2022-12-05</a:t>
             </a:fld>
             <a:endParaRPr lang="en-CA"/>
           </a:p>
@@ -1849,7 +1858,7 @@
           <a:p>
             <a:fld id="{D32BF562-B9D6-42F5-908D-B01147E363B1}" type="datetimeFigureOut">
               <a:rPr lang="en-CA" smtClean="0"/>
-              <a:t>2022-12-04</a:t>
+              <a:t>2022-12-05</a:t>
             </a:fld>
             <a:endParaRPr lang="en-CA"/>
           </a:p>
@@ -2264,7 +2273,7 @@
           <a:p>
             <a:fld id="{D32BF562-B9D6-42F5-908D-B01147E363B1}" type="datetimeFigureOut">
               <a:rPr lang="en-CA" smtClean="0"/>
-              <a:t>2022-12-04</a:t>
+              <a:t>2022-12-05</a:t>
             </a:fld>
             <a:endParaRPr lang="en-CA"/>
           </a:p>
@@ -2406,7 +2415,7 @@
           <a:p>
             <a:fld id="{D32BF562-B9D6-42F5-908D-B01147E363B1}" type="datetimeFigureOut">
               <a:rPr lang="en-CA" smtClean="0"/>
-              <a:t>2022-12-04</a:t>
+              <a:t>2022-12-05</a:t>
             </a:fld>
             <a:endParaRPr lang="en-CA"/>
           </a:p>
@@ -2519,7 +2528,7 @@
           <a:p>
             <a:fld id="{D32BF562-B9D6-42F5-908D-B01147E363B1}" type="datetimeFigureOut">
               <a:rPr lang="en-CA" smtClean="0"/>
-              <a:t>2022-12-04</a:t>
+              <a:t>2022-12-05</a:t>
             </a:fld>
             <a:endParaRPr lang="en-CA"/>
           </a:p>
@@ -2832,7 +2841,7 @@
           <a:p>
             <a:fld id="{D32BF562-B9D6-42F5-908D-B01147E363B1}" type="datetimeFigureOut">
               <a:rPr lang="en-CA" smtClean="0"/>
-              <a:t>2022-12-04</a:t>
+              <a:t>2022-12-05</a:t>
             </a:fld>
             <a:endParaRPr lang="en-CA"/>
           </a:p>
@@ -3121,7 +3130,7 @@
           <a:p>
             <a:fld id="{D32BF562-B9D6-42F5-908D-B01147E363B1}" type="datetimeFigureOut">
               <a:rPr lang="en-CA" smtClean="0"/>
-              <a:t>2022-12-04</a:t>
+              <a:t>2022-12-05</a:t>
             </a:fld>
             <a:endParaRPr lang="en-CA"/>
           </a:p>
@@ -3364,7 +3373,7 @@
           <a:p>
             <a:fld id="{D32BF562-B9D6-42F5-908D-B01147E363B1}" type="datetimeFigureOut">
               <a:rPr lang="en-CA" smtClean="0"/>
-              <a:t>2022-12-04</a:t>
+              <a:t>2022-12-05</a:t>
             </a:fld>
             <a:endParaRPr lang="en-CA"/>
           </a:p>
@@ -4322,6 +4331,3647 @@
     <p:extLst>
       <p:ext uri="{BB962C8B-B14F-4D97-AF65-F5344CB8AC3E}">
         <p14:creationId xmlns:p14="http://schemas.microsoft.com/office/powerpoint/2010/main" val="110571273"/>
+      </p:ext>
+    </p:extLst>
+  </p:cSld>
+  <p:clrMapOvr>
+    <a:masterClrMapping/>
+  </p:clrMapOvr>
+</p:sld>
+</file>
+
+<file path=ppt/slides/slide4.xml><?xml version="1.0" encoding="utf-8"?>
+<p:sld xmlns:a="http://schemas.openxmlformats.org/drawingml/2006/main" xmlns:r="http://schemas.openxmlformats.org/officeDocument/2006/relationships" xmlns:p="http://schemas.openxmlformats.org/presentationml/2006/main">
+  <p:cSld>
+    <p:spTree>
+      <p:nvGrpSpPr>
+        <p:cNvPr id="1" name=""/>
+        <p:cNvGrpSpPr/>
+        <p:nvPr/>
+      </p:nvGrpSpPr>
+      <p:grpSpPr>
+        <a:xfrm>
+          <a:off x="0" y="0"/>
+          <a:ext cx="0" cy="0"/>
+          <a:chOff x="0" y="0"/>
+          <a:chExt cx="0" cy="0"/>
+        </a:xfrm>
+      </p:grpSpPr>
+      <p:pic>
+        <p:nvPicPr>
+          <p:cNvPr id="5" name="Graphic 4" descr="User with solid fill">
+            <a:extLst>
+              <a:ext uri="{FF2B5EF4-FFF2-40B4-BE49-F238E27FC236}">
+                <a16:creationId xmlns:a16="http://schemas.microsoft.com/office/drawing/2014/main" id="{70E214F3-578E-0F09-0049-90F1C28F767B}"/>
+              </a:ext>
+            </a:extLst>
+          </p:cNvPr>
+          <p:cNvPicPr>
+            <a:picLocks noChangeAspect="1"/>
+          </p:cNvPicPr>
+          <p:nvPr/>
+        </p:nvPicPr>
+        <p:blipFill>
+          <a:blip r:embed="rId2">
+            <a:extLst>
+              <a:ext uri="{28A0092B-C50C-407E-A947-70E740481C1C}">
+                <a14:useLocalDpi xmlns:a14="http://schemas.microsoft.com/office/drawing/2010/main" val="0"/>
+              </a:ext>
+              <a:ext uri="{96DAC541-7B7A-43D3-8B79-37D633B846F1}">
+                <asvg:svgBlip xmlns:asvg="http://schemas.microsoft.com/office/drawing/2016/SVG/main" r:embed="rId3"/>
+              </a:ext>
+            </a:extLst>
+          </a:blip>
+          <a:stretch>
+            <a:fillRect/>
+          </a:stretch>
+        </p:blipFill>
+        <p:spPr>
+          <a:xfrm>
+            <a:off x="1304917" y="2876628"/>
+            <a:ext cx="914400" cy="914400"/>
+          </a:xfrm>
+          <a:prstGeom prst="rect">
+            <a:avLst/>
+          </a:prstGeom>
+        </p:spPr>
+      </p:pic>
+      <p:sp>
+        <p:nvSpPr>
+          <p:cNvPr id="6" name="TextBox 5">
+            <a:extLst>
+              <a:ext uri="{FF2B5EF4-FFF2-40B4-BE49-F238E27FC236}">
+                <a16:creationId xmlns:a16="http://schemas.microsoft.com/office/drawing/2014/main" id="{102A6B8C-E6E8-74ED-8C88-72FAE3CDDE00}"/>
+              </a:ext>
+            </a:extLst>
+          </p:cNvPr>
+          <p:cNvSpPr txBox="1"/>
+          <p:nvPr/>
+        </p:nvSpPr>
+        <p:spPr>
+          <a:xfrm>
+            <a:off x="1499616" y="3858768"/>
+            <a:ext cx="670376" cy="369332"/>
+          </a:xfrm>
+          <a:prstGeom prst="rect">
+            <a:avLst/>
+          </a:prstGeom>
+          <a:noFill/>
+        </p:spPr>
+        <p:txBody>
+          <a:bodyPr wrap="none" rtlCol="0">
+            <a:spAutoFit/>
+          </a:bodyPr>
+          <a:lstStyle/>
+          <a:p>
+            <a:r>
+              <a:rPr lang="en-US" dirty="0"/>
+              <a:t>User </a:t>
+            </a:r>
+            <a:endParaRPr lang="en-CA" dirty="0"/>
+          </a:p>
+        </p:txBody>
+      </p:sp>
+      <p:sp>
+        <p:nvSpPr>
+          <p:cNvPr id="8" name="Oval 7">
+            <a:extLst>
+              <a:ext uri="{FF2B5EF4-FFF2-40B4-BE49-F238E27FC236}">
+                <a16:creationId xmlns:a16="http://schemas.microsoft.com/office/drawing/2014/main" id="{40E4A88C-9F95-87DF-8FEC-D720ABA048D2}"/>
+              </a:ext>
+            </a:extLst>
+          </p:cNvPr>
+          <p:cNvSpPr/>
+          <p:nvPr/>
+        </p:nvSpPr>
+        <p:spPr>
+          <a:xfrm>
+            <a:off x="4069080" y="2953512"/>
+            <a:ext cx="768096" cy="764364"/>
+          </a:xfrm>
+          <a:prstGeom prst="ellipse">
+            <a:avLst/>
+          </a:prstGeom>
+        </p:spPr>
+        <p:style>
+          <a:lnRef idx="2">
+            <a:schemeClr val="accent1">
+              <a:shade val="50000"/>
+            </a:schemeClr>
+          </a:lnRef>
+          <a:fillRef idx="1">
+            <a:schemeClr val="accent1"/>
+          </a:fillRef>
+          <a:effectRef idx="0">
+            <a:schemeClr val="accent1"/>
+          </a:effectRef>
+          <a:fontRef idx="minor">
+            <a:schemeClr val="lt1"/>
+          </a:fontRef>
+        </p:style>
+        <p:txBody>
+          <a:bodyPr rtlCol="0" anchor="ctr"/>
+          <a:lstStyle/>
+          <a:p>
+            <a:pPr algn="ctr"/>
+            <a:endParaRPr lang="en-CA"/>
+          </a:p>
+        </p:txBody>
+      </p:sp>
+      <p:sp>
+        <p:nvSpPr>
+          <p:cNvPr id="9" name="TextBox 8">
+            <a:extLst>
+              <a:ext uri="{FF2B5EF4-FFF2-40B4-BE49-F238E27FC236}">
+                <a16:creationId xmlns:a16="http://schemas.microsoft.com/office/drawing/2014/main" id="{606D30A4-A5D5-0476-F4E0-7587FB180197}"/>
+              </a:ext>
+            </a:extLst>
+          </p:cNvPr>
+          <p:cNvSpPr txBox="1"/>
+          <p:nvPr/>
+        </p:nvSpPr>
+        <p:spPr>
+          <a:xfrm>
+            <a:off x="3929202" y="3785616"/>
+            <a:ext cx="1047851" cy="369332"/>
+          </a:xfrm>
+          <a:prstGeom prst="rect">
+            <a:avLst/>
+          </a:prstGeom>
+          <a:noFill/>
+        </p:spPr>
+        <p:txBody>
+          <a:bodyPr wrap="none" rtlCol="0">
+            <a:spAutoFit/>
+          </a:bodyPr>
+          <a:lstStyle/>
+          <a:p>
+            <a:r>
+              <a:rPr lang="en-US" dirty="0"/>
+              <a:t>UI Agent </a:t>
+            </a:r>
+            <a:endParaRPr lang="en-CA" dirty="0"/>
+          </a:p>
+        </p:txBody>
+      </p:sp>
+      <p:sp>
+        <p:nvSpPr>
+          <p:cNvPr id="10" name="Oval 9">
+            <a:extLst>
+              <a:ext uri="{FF2B5EF4-FFF2-40B4-BE49-F238E27FC236}">
+                <a16:creationId xmlns:a16="http://schemas.microsoft.com/office/drawing/2014/main" id="{990AEEE4-E520-8DF9-C22E-59D5333FEA23}"/>
+              </a:ext>
+            </a:extLst>
+          </p:cNvPr>
+          <p:cNvSpPr/>
+          <p:nvPr/>
+        </p:nvSpPr>
+        <p:spPr>
+          <a:xfrm>
+            <a:off x="7604760" y="2953512"/>
+            <a:ext cx="768096" cy="764364"/>
+          </a:xfrm>
+          <a:prstGeom prst="ellipse">
+            <a:avLst/>
+          </a:prstGeom>
+        </p:spPr>
+        <p:style>
+          <a:lnRef idx="2">
+            <a:schemeClr val="accent1">
+              <a:shade val="50000"/>
+            </a:schemeClr>
+          </a:lnRef>
+          <a:fillRef idx="1">
+            <a:schemeClr val="accent1"/>
+          </a:fillRef>
+          <a:effectRef idx="0">
+            <a:schemeClr val="accent1"/>
+          </a:effectRef>
+          <a:fontRef idx="minor">
+            <a:schemeClr val="lt1"/>
+          </a:fontRef>
+        </p:style>
+        <p:txBody>
+          <a:bodyPr rtlCol="0" anchor="ctr"/>
+          <a:lstStyle/>
+          <a:p>
+            <a:pPr algn="ctr"/>
+            <a:endParaRPr lang="en-CA"/>
+          </a:p>
+        </p:txBody>
+      </p:sp>
+      <p:sp>
+        <p:nvSpPr>
+          <p:cNvPr id="11" name="TextBox 10">
+            <a:extLst>
+              <a:ext uri="{FF2B5EF4-FFF2-40B4-BE49-F238E27FC236}">
+                <a16:creationId xmlns:a16="http://schemas.microsoft.com/office/drawing/2014/main" id="{9EF3FCF4-3877-F946-5B0A-4AD86DC093DC}"/>
+              </a:ext>
+            </a:extLst>
+          </p:cNvPr>
+          <p:cNvSpPr txBox="1"/>
+          <p:nvPr/>
+        </p:nvSpPr>
+        <p:spPr>
+          <a:xfrm>
+            <a:off x="7327722" y="3785616"/>
+            <a:ext cx="1451295" cy="369332"/>
+          </a:xfrm>
+          <a:prstGeom prst="rect">
+            <a:avLst/>
+          </a:prstGeom>
+          <a:noFill/>
+        </p:spPr>
+        <p:txBody>
+          <a:bodyPr wrap="none" rtlCol="0">
+            <a:spAutoFit/>
+          </a:bodyPr>
+          <a:lstStyle/>
+          <a:p>
+            <a:r>
+              <a:rPr lang="en-US" dirty="0"/>
+              <a:t>Profile Agent </a:t>
+            </a:r>
+            <a:endParaRPr lang="en-CA" dirty="0"/>
+          </a:p>
+        </p:txBody>
+      </p:sp>
+      <p:cxnSp>
+        <p:nvCxnSpPr>
+          <p:cNvPr id="13" name="Connector: Curved 12">
+            <a:extLst>
+              <a:ext uri="{FF2B5EF4-FFF2-40B4-BE49-F238E27FC236}">
+                <a16:creationId xmlns:a16="http://schemas.microsoft.com/office/drawing/2014/main" id="{F74A6DDA-2148-526F-BC23-20354C18E2A4}"/>
+              </a:ext>
+            </a:extLst>
+          </p:cNvPr>
+          <p:cNvCxnSpPr>
+            <a:cxnSpLocks/>
+            <a:stCxn id="8" idx="7"/>
+            <a:endCxn id="10" idx="1"/>
+          </p:cNvCxnSpPr>
+          <p:nvPr/>
+        </p:nvCxnSpPr>
+        <p:spPr>
+          <a:xfrm rot="5400000" flipH="1" flipV="1">
+            <a:off x="6220968" y="1569174"/>
+            <a:ext cx="12700" cy="2992554"/>
+          </a:xfrm>
+          <a:prstGeom prst="curvedConnector3">
+            <a:avLst>
+              <a:gd name="adj1" fmla="val 2681409"/>
+            </a:avLst>
+          </a:prstGeom>
+          <a:ln>
+            <a:tailEnd type="triangle"/>
+          </a:ln>
+        </p:spPr>
+        <p:style>
+          <a:lnRef idx="1">
+            <a:schemeClr val="accent1"/>
+          </a:lnRef>
+          <a:fillRef idx="0">
+            <a:schemeClr val="accent1"/>
+          </a:fillRef>
+          <a:effectRef idx="0">
+            <a:schemeClr val="accent1"/>
+          </a:effectRef>
+          <a:fontRef idx="minor">
+            <a:schemeClr val="tx1"/>
+          </a:fontRef>
+        </p:style>
+      </p:cxnSp>
+      <p:sp>
+        <p:nvSpPr>
+          <p:cNvPr id="19" name="TextBox 18">
+            <a:extLst>
+              <a:ext uri="{FF2B5EF4-FFF2-40B4-BE49-F238E27FC236}">
+                <a16:creationId xmlns:a16="http://schemas.microsoft.com/office/drawing/2014/main" id="{80E718C8-C98D-51B2-66DE-6D223D446E24}"/>
+              </a:ext>
+            </a:extLst>
+          </p:cNvPr>
+          <p:cNvSpPr txBox="1"/>
+          <p:nvPr/>
+        </p:nvSpPr>
+        <p:spPr>
+          <a:xfrm>
+            <a:off x="5805567" y="2346650"/>
+            <a:ext cx="896399" cy="369332"/>
+          </a:xfrm>
+          <a:prstGeom prst="rect">
+            <a:avLst/>
+          </a:prstGeom>
+          <a:noFill/>
+        </p:spPr>
+        <p:txBody>
+          <a:bodyPr wrap="none" rtlCol="0">
+            <a:spAutoFit/>
+          </a:bodyPr>
+          <a:lstStyle/>
+          <a:p>
+            <a:r>
+              <a:rPr lang="en-US" dirty="0"/>
+              <a:t>Sign Up</a:t>
+            </a:r>
+            <a:endParaRPr lang="en-CA" dirty="0"/>
+          </a:p>
+        </p:txBody>
+      </p:sp>
+      <p:sp>
+        <p:nvSpPr>
+          <p:cNvPr id="20" name="Rectangle: Rounded Corners 19">
+            <a:extLst>
+              <a:ext uri="{FF2B5EF4-FFF2-40B4-BE49-F238E27FC236}">
+                <a16:creationId xmlns:a16="http://schemas.microsoft.com/office/drawing/2014/main" id="{339DC56C-6352-10ED-2C5E-A1A10D1942B4}"/>
+              </a:ext>
+            </a:extLst>
+          </p:cNvPr>
+          <p:cNvSpPr/>
+          <p:nvPr/>
+        </p:nvSpPr>
+        <p:spPr>
+          <a:xfrm>
+            <a:off x="9848088" y="2953512"/>
+            <a:ext cx="1463040" cy="764364"/>
+          </a:xfrm>
+          <a:prstGeom prst="roundRect">
+            <a:avLst/>
+          </a:prstGeom>
+          <a:noFill/>
+          <a:ln w="9525" cap="flat" cmpd="sng" algn="ctr">
+            <a:solidFill>
+              <a:schemeClr val="accent1"/>
+            </a:solidFill>
+            <a:prstDash val="solid"/>
+            <a:round/>
+            <a:headEnd type="none" w="med" len="med"/>
+            <a:tailEnd type="none" w="med" len="med"/>
+          </a:ln>
+        </p:spPr>
+        <p:style>
+          <a:lnRef idx="0">
+            <a:scrgbClr r="0" g="0" b="0"/>
+          </a:lnRef>
+          <a:fillRef idx="0">
+            <a:scrgbClr r="0" g="0" b="0"/>
+          </a:fillRef>
+          <a:effectRef idx="0">
+            <a:scrgbClr r="0" g="0" b="0"/>
+          </a:effectRef>
+          <a:fontRef idx="minor">
+            <a:schemeClr val="accent1"/>
+          </a:fontRef>
+        </p:style>
+        <p:txBody>
+          <a:bodyPr rtlCol="0" anchor="ctr"/>
+          <a:lstStyle/>
+          <a:p>
+            <a:pPr algn="ctr"/>
+            <a:endParaRPr lang="en-CA"/>
+          </a:p>
+        </p:txBody>
+      </p:sp>
+      <p:sp>
+        <p:nvSpPr>
+          <p:cNvPr id="21" name="TextBox 20">
+            <a:extLst>
+              <a:ext uri="{FF2B5EF4-FFF2-40B4-BE49-F238E27FC236}">
+                <a16:creationId xmlns:a16="http://schemas.microsoft.com/office/drawing/2014/main" id="{F3814B79-69C7-E5C0-40DC-D7F815E824AB}"/>
+              </a:ext>
+            </a:extLst>
+          </p:cNvPr>
+          <p:cNvSpPr txBox="1"/>
+          <p:nvPr/>
+        </p:nvSpPr>
+        <p:spPr>
+          <a:xfrm>
+            <a:off x="9939849" y="3151028"/>
+            <a:ext cx="1279517" cy="369332"/>
+          </a:xfrm>
+          <a:prstGeom prst="rect">
+            <a:avLst/>
+          </a:prstGeom>
+          <a:noFill/>
+        </p:spPr>
+        <p:txBody>
+          <a:bodyPr wrap="none" rtlCol="0">
+            <a:spAutoFit/>
+          </a:bodyPr>
+          <a:lstStyle/>
+          <a:p>
+            <a:r>
+              <a:rPr lang="en-US" dirty="0"/>
+              <a:t>User Model</a:t>
+            </a:r>
+            <a:endParaRPr lang="en-CA" dirty="0"/>
+          </a:p>
+        </p:txBody>
+      </p:sp>
+      <p:cxnSp>
+        <p:nvCxnSpPr>
+          <p:cNvPr id="23" name="Straight Arrow Connector 22">
+            <a:extLst>
+              <a:ext uri="{FF2B5EF4-FFF2-40B4-BE49-F238E27FC236}">
+                <a16:creationId xmlns:a16="http://schemas.microsoft.com/office/drawing/2014/main" id="{C4538B44-8D01-A62B-E5F5-3575C20491C5}"/>
+              </a:ext>
+            </a:extLst>
+          </p:cNvPr>
+          <p:cNvCxnSpPr>
+            <a:cxnSpLocks/>
+            <a:stCxn id="10" idx="6"/>
+            <a:endCxn id="20" idx="1"/>
+          </p:cNvCxnSpPr>
+          <p:nvPr/>
+        </p:nvCxnSpPr>
+        <p:spPr>
+          <a:xfrm>
+            <a:off x="8372856" y="3335694"/>
+            <a:ext cx="1475232" cy="0"/>
+          </a:xfrm>
+          <a:prstGeom prst="straightConnector1">
+            <a:avLst/>
+          </a:prstGeom>
+          <a:ln>
+            <a:tailEnd type="triangle"/>
+          </a:ln>
+        </p:spPr>
+        <p:style>
+          <a:lnRef idx="1">
+            <a:schemeClr val="accent1"/>
+          </a:lnRef>
+          <a:fillRef idx="0">
+            <a:schemeClr val="accent1"/>
+          </a:fillRef>
+          <a:effectRef idx="0">
+            <a:schemeClr val="accent1"/>
+          </a:effectRef>
+          <a:fontRef idx="minor">
+            <a:schemeClr val="tx1"/>
+          </a:fontRef>
+        </p:style>
+      </p:cxnSp>
+      <p:cxnSp>
+        <p:nvCxnSpPr>
+          <p:cNvPr id="25" name="Straight Arrow Connector 24">
+            <a:extLst>
+              <a:ext uri="{FF2B5EF4-FFF2-40B4-BE49-F238E27FC236}">
+                <a16:creationId xmlns:a16="http://schemas.microsoft.com/office/drawing/2014/main" id="{B86DA005-AD44-98E2-3D95-E74B578E2DD0}"/>
+              </a:ext>
+            </a:extLst>
+          </p:cNvPr>
+          <p:cNvCxnSpPr>
+            <a:cxnSpLocks/>
+            <a:stCxn id="5" idx="3"/>
+            <a:endCxn id="8" idx="2"/>
+          </p:cNvCxnSpPr>
+          <p:nvPr/>
+        </p:nvCxnSpPr>
+        <p:spPr>
+          <a:xfrm>
+            <a:off x="2219317" y="3333828"/>
+            <a:ext cx="1849763" cy="1866"/>
+          </a:xfrm>
+          <a:prstGeom prst="straightConnector1">
+            <a:avLst/>
+          </a:prstGeom>
+          <a:ln>
+            <a:tailEnd type="triangle"/>
+          </a:ln>
+        </p:spPr>
+        <p:style>
+          <a:lnRef idx="1">
+            <a:schemeClr val="accent1"/>
+          </a:lnRef>
+          <a:fillRef idx="0">
+            <a:schemeClr val="accent1"/>
+          </a:fillRef>
+          <a:effectRef idx="0">
+            <a:schemeClr val="accent1"/>
+          </a:effectRef>
+          <a:fontRef idx="minor">
+            <a:schemeClr val="tx1"/>
+          </a:fontRef>
+        </p:style>
+      </p:cxnSp>
+      <p:sp>
+        <p:nvSpPr>
+          <p:cNvPr id="28" name="TextBox 27">
+            <a:extLst>
+              <a:ext uri="{FF2B5EF4-FFF2-40B4-BE49-F238E27FC236}">
+                <a16:creationId xmlns:a16="http://schemas.microsoft.com/office/drawing/2014/main" id="{17CE4B82-D26F-02DA-C181-3205F62C1979}"/>
+              </a:ext>
+            </a:extLst>
+          </p:cNvPr>
+          <p:cNvSpPr txBox="1"/>
+          <p:nvPr/>
+        </p:nvSpPr>
+        <p:spPr>
+          <a:xfrm>
+            <a:off x="2546571" y="2977266"/>
+            <a:ext cx="1243867" cy="369332"/>
+          </a:xfrm>
+          <a:prstGeom prst="rect">
+            <a:avLst/>
+          </a:prstGeom>
+          <a:noFill/>
+        </p:spPr>
+        <p:txBody>
+          <a:bodyPr wrap="none" rtlCol="0">
+            <a:spAutoFit/>
+          </a:bodyPr>
+          <a:lstStyle/>
+          <a:p>
+            <a:r>
+              <a:rPr lang="en-US" dirty="0"/>
+              <a:t>Enters Info </a:t>
+            </a:r>
+            <a:endParaRPr lang="en-CA" dirty="0"/>
+          </a:p>
+        </p:txBody>
+      </p:sp>
+      <p:cxnSp>
+        <p:nvCxnSpPr>
+          <p:cNvPr id="29" name="Connector: Curved 28">
+            <a:extLst>
+              <a:ext uri="{FF2B5EF4-FFF2-40B4-BE49-F238E27FC236}">
+                <a16:creationId xmlns:a16="http://schemas.microsoft.com/office/drawing/2014/main" id="{BB5EB47D-37C3-9818-D757-4501F0C19FA4}"/>
+              </a:ext>
+            </a:extLst>
+          </p:cNvPr>
+          <p:cNvCxnSpPr>
+            <a:cxnSpLocks/>
+            <a:stCxn id="10" idx="3"/>
+            <a:endCxn id="8" idx="5"/>
+          </p:cNvCxnSpPr>
+          <p:nvPr/>
+        </p:nvCxnSpPr>
+        <p:spPr>
+          <a:xfrm rot="5400000">
+            <a:off x="6220968" y="2109660"/>
+            <a:ext cx="12700" cy="2992554"/>
+          </a:xfrm>
+          <a:prstGeom prst="curvedConnector3">
+            <a:avLst>
+              <a:gd name="adj1" fmla="val 2681409"/>
+            </a:avLst>
+          </a:prstGeom>
+          <a:ln>
+            <a:tailEnd type="triangle"/>
+          </a:ln>
+        </p:spPr>
+        <p:style>
+          <a:lnRef idx="1">
+            <a:schemeClr val="accent1"/>
+          </a:lnRef>
+          <a:fillRef idx="0">
+            <a:schemeClr val="accent1"/>
+          </a:fillRef>
+          <a:effectRef idx="0">
+            <a:schemeClr val="accent1"/>
+          </a:effectRef>
+          <a:fontRef idx="minor">
+            <a:schemeClr val="tx1"/>
+          </a:fontRef>
+        </p:style>
+      </p:cxnSp>
+      <p:sp>
+        <p:nvSpPr>
+          <p:cNvPr id="32" name="TextBox 31">
+            <a:extLst>
+              <a:ext uri="{FF2B5EF4-FFF2-40B4-BE49-F238E27FC236}">
+                <a16:creationId xmlns:a16="http://schemas.microsoft.com/office/drawing/2014/main" id="{9AB93A4A-825C-3B58-A7DD-B7521422DD96}"/>
+              </a:ext>
+            </a:extLst>
+          </p:cNvPr>
+          <p:cNvSpPr txBox="1"/>
+          <p:nvPr/>
+        </p:nvSpPr>
+        <p:spPr>
+          <a:xfrm>
+            <a:off x="5790539" y="4021221"/>
+            <a:ext cx="870751" cy="369332"/>
+          </a:xfrm>
+          <a:prstGeom prst="rect">
+            <a:avLst/>
+          </a:prstGeom>
+          <a:noFill/>
+        </p:spPr>
+        <p:txBody>
+          <a:bodyPr wrap="none" rtlCol="0">
+            <a:spAutoFit/>
+          </a:bodyPr>
+          <a:lstStyle/>
+          <a:p>
+            <a:r>
+              <a:rPr lang="en-US" dirty="0"/>
+              <a:t>User ID</a:t>
+            </a:r>
+            <a:endParaRPr lang="en-CA" dirty="0"/>
+          </a:p>
+        </p:txBody>
+      </p:sp>
+    </p:spTree>
+    <p:extLst>
+      <p:ext uri="{BB962C8B-B14F-4D97-AF65-F5344CB8AC3E}">
+        <p14:creationId xmlns:p14="http://schemas.microsoft.com/office/powerpoint/2010/main" val="2318563753"/>
+      </p:ext>
+    </p:extLst>
+  </p:cSld>
+  <p:clrMapOvr>
+    <a:masterClrMapping/>
+  </p:clrMapOvr>
+</p:sld>
+</file>
+
+<file path=ppt/slides/slide5.xml><?xml version="1.0" encoding="utf-8"?>
+<p:sld xmlns:a="http://schemas.openxmlformats.org/drawingml/2006/main" xmlns:r="http://schemas.openxmlformats.org/officeDocument/2006/relationships" xmlns:p="http://schemas.openxmlformats.org/presentationml/2006/main">
+  <p:cSld>
+    <p:spTree>
+      <p:nvGrpSpPr>
+        <p:cNvPr id="1" name=""/>
+        <p:cNvGrpSpPr/>
+        <p:nvPr/>
+      </p:nvGrpSpPr>
+      <p:grpSpPr>
+        <a:xfrm>
+          <a:off x="0" y="0"/>
+          <a:ext cx="0" cy="0"/>
+          <a:chOff x="0" y="0"/>
+          <a:chExt cx="0" cy="0"/>
+        </a:xfrm>
+      </p:grpSpPr>
+      <p:pic>
+        <p:nvPicPr>
+          <p:cNvPr id="5" name="Picture 4">
+            <a:extLst>
+              <a:ext uri="{FF2B5EF4-FFF2-40B4-BE49-F238E27FC236}">
+                <a16:creationId xmlns:a16="http://schemas.microsoft.com/office/drawing/2014/main" id="{FCA5AFC2-75CA-543C-4167-342FAF019F37}"/>
+              </a:ext>
+            </a:extLst>
+          </p:cNvPr>
+          <p:cNvPicPr>
+            <a:picLocks noChangeAspect="1"/>
+          </p:cNvPicPr>
+          <p:nvPr/>
+        </p:nvPicPr>
+        <p:blipFill>
+          <a:blip r:embed="rId2"/>
+          <a:stretch>
+            <a:fillRect/>
+          </a:stretch>
+        </p:blipFill>
+        <p:spPr>
+          <a:xfrm>
+            <a:off x="670561" y="115582"/>
+            <a:ext cx="5425439" cy="6408130"/>
+          </a:xfrm>
+          <a:prstGeom prst="rect">
+            <a:avLst/>
+          </a:prstGeom>
+        </p:spPr>
+      </p:pic>
+      <p:pic>
+        <p:nvPicPr>
+          <p:cNvPr id="7" name="Picture 6">
+            <a:extLst>
+              <a:ext uri="{FF2B5EF4-FFF2-40B4-BE49-F238E27FC236}">
+                <a16:creationId xmlns:a16="http://schemas.microsoft.com/office/drawing/2014/main" id="{F732A356-EBE4-564C-77F1-601E03E35923}"/>
+              </a:ext>
+            </a:extLst>
+          </p:cNvPr>
+          <p:cNvPicPr>
+            <a:picLocks noChangeAspect="1"/>
+          </p:cNvPicPr>
+          <p:nvPr/>
+        </p:nvPicPr>
+        <p:blipFill>
+          <a:blip r:embed="rId3"/>
+          <a:stretch>
+            <a:fillRect/>
+          </a:stretch>
+        </p:blipFill>
+        <p:spPr>
+          <a:xfrm>
+            <a:off x="6571766" y="733890"/>
+            <a:ext cx="5296021" cy="2078979"/>
+          </a:xfrm>
+          <a:prstGeom prst="rect">
+            <a:avLst/>
+          </a:prstGeom>
+        </p:spPr>
+      </p:pic>
+      <p:pic>
+        <p:nvPicPr>
+          <p:cNvPr id="3" name="Graphic 2" descr="Checkbox Checked with solid fill">
+            <a:extLst>
+              <a:ext uri="{FF2B5EF4-FFF2-40B4-BE49-F238E27FC236}">
+                <a16:creationId xmlns:a16="http://schemas.microsoft.com/office/drawing/2014/main" id="{381CE9DD-A295-8B92-10C6-CE9050206B98}"/>
+              </a:ext>
+            </a:extLst>
+          </p:cNvPr>
+          <p:cNvPicPr>
+            <a:picLocks noChangeAspect="1"/>
+          </p:cNvPicPr>
+          <p:nvPr/>
+        </p:nvPicPr>
+        <p:blipFill>
+          <a:blip r:embed="rId4">
+            <a:extLst>
+              <a:ext uri="{28A0092B-C50C-407E-A947-70E740481C1C}">
+                <a14:useLocalDpi xmlns:a14="http://schemas.microsoft.com/office/drawing/2010/main" val="0"/>
+              </a:ext>
+              <a:ext uri="{96DAC541-7B7A-43D3-8B79-37D633B846F1}">
+                <asvg:svgBlip xmlns:asvg="http://schemas.microsoft.com/office/drawing/2016/SVG/main" r:embed="rId5"/>
+              </a:ext>
+            </a:extLst>
+          </a:blip>
+          <a:stretch>
+            <a:fillRect/>
+          </a:stretch>
+        </p:blipFill>
+        <p:spPr>
+          <a:xfrm>
+            <a:off x="886969" y="2102187"/>
+            <a:ext cx="319665" cy="319665"/>
+          </a:xfrm>
+          <a:prstGeom prst="rect">
+            <a:avLst/>
+          </a:prstGeom>
+        </p:spPr>
+      </p:pic>
+      <p:pic>
+        <p:nvPicPr>
+          <p:cNvPr id="4" name="Graphic 3" descr="Checkbox Checked with solid fill">
+            <a:extLst>
+              <a:ext uri="{FF2B5EF4-FFF2-40B4-BE49-F238E27FC236}">
+                <a16:creationId xmlns:a16="http://schemas.microsoft.com/office/drawing/2014/main" id="{D594745D-E419-8403-7783-5F1197E54E30}"/>
+              </a:ext>
+            </a:extLst>
+          </p:cNvPr>
+          <p:cNvPicPr>
+            <a:picLocks noChangeAspect="1"/>
+          </p:cNvPicPr>
+          <p:nvPr/>
+        </p:nvPicPr>
+        <p:blipFill>
+          <a:blip r:embed="rId4">
+            <a:extLst>
+              <a:ext uri="{28A0092B-C50C-407E-A947-70E740481C1C}">
+                <a14:useLocalDpi xmlns:a14="http://schemas.microsoft.com/office/drawing/2010/main" val="0"/>
+              </a:ext>
+              <a:ext uri="{96DAC541-7B7A-43D3-8B79-37D633B846F1}">
+                <asvg:svgBlip xmlns:asvg="http://schemas.microsoft.com/office/drawing/2016/SVG/main" r:embed="rId5"/>
+              </a:ext>
+            </a:extLst>
+          </a:blip>
+          <a:stretch>
+            <a:fillRect/>
+          </a:stretch>
+        </p:blipFill>
+        <p:spPr>
+          <a:xfrm>
+            <a:off x="877826" y="414225"/>
+            <a:ext cx="319665" cy="319665"/>
+          </a:xfrm>
+          <a:prstGeom prst="rect">
+            <a:avLst/>
+          </a:prstGeom>
+        </p:spPr>
+      </p:pic>
+      <p:pic>
+        <p:nvPicPr>
+          <p:cNvPr id="6" name="Graphic 5" descr="Checkbox Checked with solid fill">
+            <a:extLst>
+              <a:ext uri="{FF2B5EF4-FFF2-40B4-BE49-F238E27FC236}">
+                <a16:creationId xmlns:a16="http://schemas.microsoft.com/office/drawing/2014/main" id="{CB2E23FA-4128-4F01-8ED0-17F7D9D5C7CA}"/>
+              </a:ext>
+            </a:extLst>
+          </p:cNvPr>
+          <p:cNvPicPr>
+            <a:picLocks noChangeAspect="1"/>
+          </p:cNvPicPr>
+          <p:nvPr/>
+        </p:nvPicPr>
+        <p:blipFill>
+          <a:blip r:embed="rId4">
+            <a:extLst>
+              <a:ext uri="{28A0092B-C50C-407E-A947-70E740481C1C}">
+                <a14:useLocalDpi xmlns:a14="http://schemas.microsoft.com/office/drawing/2010/main" val="0"/>
+              </a:ext>
+              <a:ext uri="{96DAC541-7B7A-43D3-8B79-37D633B846F1}">
+                <asvg:svgBlip xmlns:asvg="http://schemas.microsoft.com/office/drawing/2016/SVG/main" r:embed="rId5"/>
+              </a:ext>
+            </a:extLst>
+          </a:blip>
+          <a:stretch>
+            <a:fillRect/>
+          </a:stretch>
+        </p:blipFill>
+        <p:spPr>
+          <a:xfrm>
+            <a:off x="877826" y="757312"/>
+            <a:ext cx="319665" cy="319665"/>
+          </a:xfrm>
+          <a:prstGeom prst="rect">
+            <a:avLst/>
+          </a:prstGeom>
+        </p:spPr>
+      </p:pic>
+      <p:pic>
+        <p:nvPicPr>
+          <p:cNvPr id="8" name="Graphic 7" descr="Checkbox Checked with solid fill">
+            <a:extLst>
+              <a:ext uri="{FF2B5EF4-FFF2-40B4-BE49-F238E27FC236}">
+                <a16:creationId xmlns:a16="http://schemas.microsoft.com/office/drawing/2014/main" id="{E63A4A2D-A4EB-EB22-DC9C-6DF0B6E90582}"/>
+              </a:ext>
+            </a:extLst>
+          </p:cNvPr>
+          <p:cNvPicPr>
+            <a:picLocks noChangeAspect="1"/>
+          </p:cNvPicPr>
+          <p:nvPr/>
+        </p:nvPicPr>
+        <p:blipFill>
+          <a:blip r:embed="rId4">
+            <a:extLst>
+              <a:ext uri="{28A0092B-C50C-407E-A947-70E740481C1C}">
+                <a14:useLocalDpi xmlns:a14="http://schemas.microsoft.com/office/drawing/2010/main" val="0"/>
+              </a:ext>
+              <a:ext uri="{96DAC541-7B7A-43D3-8B79-37D633B846F1}">
+                <asvg:svgBlip xmlns:asvg="http://schemas.microsoft.com/office/drawing/2016/SVG/main" r:embed="rId5"/>
+              </a:ext>
+            </a:extLst>
+          </a:blip>
+          <a:stretch>
+            <a:fillRect/>
+          </a:stretch>
+        </p:blipFill>
+        <p:spPr>
+          <a:xfrm>
+            <a:off x="886969" y="1764235"/>
+            <a:ext cx="319665" cy="319665"/>
+          </a:xfrm>
+          <a:prstGeom prst="rect">
+            <a:avLst/>
+          </a:prstGeom>
+        </p:spPr>
+      </p:pic>
+      <p:pic>
+        <p:nvPicPr>
+          <p:cNvPr id="9" name="Graphic 8" descr="Checkbox Checked with solid fill">
+            <a:extLst>
+              <a:ext uri="{FF2B5EF4-FFF2-40B4-BE49-F238E27FC236}">
+                <a16:creationId xmlns:a16="http://schemas.microsoft.com/office/drawing/2014/main" id="{ADBA8383-9868-65B0-FFC4-2077F804DF59}"/>
+              </a:ext>
+            </a:extLst>
+          </p:cNvPr>
+          <p:cNvPicPr>
+            <a:picLocks noChangeAspect="1"/>
+          </p:cNvPicPr>
+          <p:nvPr/>
+        </p:nvPicPr>
+        <p:blipFill>
+          <a:blip r:embed="rId4">
+            <a:extLst>
+              <a:ext uri="{28A0092B-C50C-407E-A947-70E740481C1C}">
+                <a14:useLocalDpi xmlns:a14="http://schemas.microsoft.com/office/drawing/2010/main" val="0"/>
+              </a:ext>
+              <a:ext uri="{96DAC541-7B7A-43D3-8B79-37D633B846F1}">
+                <asvg:svgBlip xmlns:asvg="http://schemas.microsoft.com/office/drawing/2016/SVG/main" r:embed="rId5"/>
+              </a:ext>
+            </a:extLst>
+          </a:blip>
+          <a:stretch>
+            <a:fillRect/>
+          </a:stretch>
+        </p:blipFill>
+        <p:spPr>
+          <a:xfrm>
+            <a:off x="883547" y="1942355"/>
+            <a:ext cx="319665" cy="319665"/>
+          </a:xfrm>
+          <a:prstGeom prst="rect">
+            <a:avLst/>
+          </a:prstGeom>
+        </p:spPr>
+      </p:pic>
+      <p:sp>
+        <p:nvSpPr>
+          <p:cNvPr id="15" name="Arrow: Right 14">
+            <a:extLst>
+              <a:ext uri="{FF2B5EF4-FFF2-40B4-BE49-F238E27FC236}">
+                <a16:creationId xmlns:a16="http://schemas.microsoft.com/office/drawing/2014/main" id="{676E59A6-1AC4-B9D5-14EF-FF76ABE5C41D}"/>
+              </a:ext>
+            </a:extLst>
+          </p:cNvPr>
+          <p:cNvSpPr/>
+          <p:nvPr/>
+        </p:nvSpPr>
+        <p:spPr>
+          <a:xfrm>
+            <a:off x="401902" y="2496131"/>
+            <a:ext cx="722812" cy="174171"/>
+          </a:xfrm>
+          <a:prstGeom prst="rightArrow">
+            <a:avLst/>
+          </a:prstGeom>
+        </p:spPr>
+        <p:style>
+          <a:lnRef idx="0">
+            <a:schemeClr val="accent2"/>
+          </a:lnRef>
+          <a:fillRef idx="3">
+            <a:schemeClr val="accent2"/>
+          </a:fillRef>
+          <a:effectRef idx="3">
+            <a:schemeClr val="accent2"/>
+          </a:effectRef>
+          <a:fontRef idx="minor">
+            <a:schemeClr val="lt1"/>
+          </a:fontRef>
+        </p:style>
+        <p:txBody>
+          <a:bodyPr rtlCol="0" anchor="ctr"/>
+          <a:lstStyle/>
+          <a:p>
+            <a:pPr algn="ctr"/>
+            <a:endParaRPr lang="en-CA"/>
+          </a:p>
+        </p:txBody>
+      </p:sp>
+      <p:sp>
+        <p:nvSpPr>
+          <p:cNvPr id="16" name="Arrow: Right 15">
+            <a:extLst>
+              <a:ext uri="{FF2B5EF4-FFF2-40B4-BE49-F238E27FC236}">
+                <a16:creationId xmlns:a16="http://schemas.microsoft.com/office/drawing/2014/main" id="{ECF084D5-3588-D6B7-9222-B185052BDAD2}"/>
+              </a:ext>
+            </a:extLst>
+          </p:cNvPr>
+          <p:cNvSpPr/>
+          <p:nvPr/>
+        </p:nvSpPr>
+        <p:spPr>
+          <a:xfrm>
+            <a:off x="391047" y="2999727"/>
+            <a:ext cx="722812" cy="174171"/>
+          </a:xfrm>
+          <a:prstGeom prst="rightArrow">
+            <a:avLst/>
+          </a:prstGeom>
+        </p:spPr>
+        <p:style>
+          <a:lnRef idx="0">
+            <a:schemeClr val="accent2"/>
+          </a:lnRef>
+          <a:fillRef idx="3">
+            <a:schemeClr val="accent2"/>
+          </a:fillRef>
+          <a:effectRef idx="3">
+            <a:schemeClr val="accent2"/>
+          </a:effectRef>
+          <a:fontRef idx="minor">
+            <a:schemeClr val="lt1"/>
+          </a:fontRef>
+        </p:style>
+        <p:txBody>
+          <a:bodyPr rtlCol="0" anchor="ctr"/>
+          <a:lstStyle/>
+          <a:p>
+            <a:pPr algn="ctr"/>
+            <a:endParaRPr lang="en-CA"/>
+          </a:p>
+        </p:txBody>
+      </p:sp>
+      <p:sp>
+        <p:nvSpPr>
+          <p:cNvPr id="17" name="Arrow: Right 16">
+            <a:extLst>
+              <a:ext uri="{FF2B5EF4-FFF2-40B4-BE49-F238E27FC236}">
+                <a16:creationId xmlns:a16="http://schemas.microsoft.com/office/drawing/2014/main" id="{E0C00270-5E78-F560-6F71-982A6D71D28D}"/>
+              </a:ext>
+            </a:extLst>
+          </p:cNvPr>
+          <p:cNvSpPr/>
+          <p:nvPr/>
+        </p:nvSpPr>
+        <p:spPr>
+          <a:xfrm>
+            <a:off x="359387" y="1191413"/>
+            <a:ext cx="722812" cy="174171"/>
+          </a:xfrm>
+          <a:prstGeom prst="rightArrow">
+            <a:avLst/>
+          </a:prstGeom>
+        </p:spPr>
+        <p:style>
+          <a:lnRef idx="0">
+            <a:schemeClr val="accent2"/>
+          </a:lnRef>
+          <a:fillRef idx="3">
+            <a:schemeClr val="accent2"/>
+          </a:fillRef>
+          <a:effectRef idx="3">
+            <a:schemeClr val="accent2"/>
+          </a:effectRef>
+          <a:fontRef idx="minor">
+            <a:schemeClr val="lt1"/>
+          </a:fontRef>
+        </p:style>
+        <p:txBody>
+          <a:bodyPr rtlCol="0" anchor="ctr"/>
+          <a:lstStyle/>
+          <a:p>
+            <a:pPr algn="ctr"/>
+            <a:endParaRPr lang="en-CA"/>
+          </a:p>
+        </p:txBody>
+      </p:sp>
+      <p:sp>
+        <p:nvSpPr>
+          <p:cNvPr id="18" name="Arrow: Right 17">
+            <a:extLst>
+              <a:ext uri="{FF2B5EF4-FFF2-40B4-BE49-F238E27FC236}">
+                <a16:creationId xmlns:a16="http://schemas.microsoft.com/office/drawing/2014/main" id="{5CDD2E2A-C2A8-4C17-8DB2-E51047C135E4}"/>
+              </a:ext>
+            </a:extLst>
+          </p:cNvPr>
+          <p:cNvSpPr/>
+          <p:nvPr/>
+        </p:nvSpPr>
+        <p:spPr>
+          <a:xfrm>
+            <a:off x="318053" y="655948"/>
+            <a:ext cx="722812" cy="174171"/>
+          </a:xfrm>
+          <a:prstGeom prst="rightArrow">
+            <a:avLst/>
+          </a:prstGeom>
+        </p:spPr>
+        <p:style>
+          <a:lnRef idx="0">
+            <a:schemeClr val="accent2"/>
+          </a:lnRef>
+          <a:fillRef idx="3">
+            <a:schemeClr val="accent2"/>
+          </a:fillRef>
+          <a:effectRef idx="3">
+            <a:schemeClr val="accent2"/>
+          </a:effectRef>
+          <a:fontRef idx="minor">
+            <a:schemeClr val="lt1"/>
+          </a:fontRef>
+        </p:style>
+        <p:txBody>
+          <a:bodyPr rtlCol="0" anchor="ctr"/>
+          <a:lstStyle/>
+          <a:p>
+            <a:pPr algn="ctr"/>
+            <a:endParaRPr lang="en-CA"/>
+          </a:p>
+        </p:txBody>
+      </p:sp>
+      <p:sp>
+        <p:nvSpPr>
+          <p:cNvPr id="19" name="Arrow: Right 18">
+            <a:extLst>
+              <a:ext uri="{FF2B5EF4-FFF2-40B4-BE49-F238E27FC236}">
+                <a16:creationId xmlns:a16="http://schemas.microsoft.com/office/drawing/2014/main" id="{2D65685C-948F-9A05-B35B-0A73CA4832F0}"/>
+              </a:ext>
+            </a:extLst>
+          </p:cNvPr>
+          <p:cNvSpPr/>
+          <p:nvPr/>
+        </p:nvSpPr>
+        <p:spPr>
+          <a:xfrm>
+            <a:off x="353450" y="1642462"/>
+            <a:ext cx="722812" cy="174171"/>
+          </a:xfrm>
+          <a:prstGeom prst="rightArrow">
+            <a:avLst/>
+          </a:prstGeom>
+        </p:spPr>
+        <p:style>
+          <a:lnRef idx="0">
+            <a:schemeClr val="accent2"/>
+          </a:lnRef>
+          <a:fillRef idx="3">
+            <a:schemeClr val="accent2"/>
+          </a:fillRef>
+          <a:effectRef idx="3">
+            <a:schemeClr val="accent2"/>
+          </a:effectRef>
+          <a:fontRef idx="minor">
+            <a:schemeClr val="lt1"/>
+          </a:fontRef>
+        </p:style>
+        <p:txBody>
+          <a:bodyPr rtlCol="0" anchor="ctr"/>
+          <a:lstStyle/>
+          <a:p>
+            <a:pPr algn="ctr"/>
+            <a:endParaRPr lang="en-CA"/>
+          </a:p>
+        </p:txBody>
+      </p:sp>
+      <p:sp>
+        <p:nvSpPr>
+          <p:cNvPr id="20" name="Arrow: Right 19">
+            <a:extLst>
+              <a:ext uri="{FF2B5EF4-FFF2-40B4-BE49-F238E27FC236}">
+                <a16:creationId xmlns:a16="http://schemas.microsoft.com/office/drawing/2014/main" id="{C6CD3171-50E4-F7EA-A68D-39DCB22C9385}"/>
+              </a:ext>
+            </a:extLst>
+          </p:cNvPr>
+          <p:cNvSpPr/>
+          <p:nvPr/>
+        </p:nvSpPr>
+        <p:spPr>
+          <a:xfrm>
+            <a:off x="401902" y="3327691"/>
+            <a:ext cx="722812" cy="174171"/>
+          </a:xfrm>
+          <a:prstGeom prst="rightArrow">
+            <a:avLst/>
+          </a:prstGeom>
+        </p:spPr>
+        <p:style>
+          <a:lnRef idx="0">
+            <a:schemeClr val="accent2"/>
+          </a:lnRef>
+          <a:fillRef idx="3">
+            <a:schemeClr val="accent2"/>
+          </a:fillRef>
+          <a:effectRef idx="3">
+            <a:schemeClr val="accent2"/>
+          </a:effectRef>
+          <a:fontRef idx="minor">
+            <a:schemeClr val="lt1"/>
+          </a:fontRef>
+        </p:style>
+        <p:txBody>
+          <a:bodyPr rtlCol="0" anchor="ctr"/>
+          <a:lstStyle/>
+          <a:p>
+            <a:pPr algn="ctr"/>
+            <a:endParaRPr lang="en-CA"/>
+          </a:p>
+        </p:txBody>
+      </p:sp>
+      <p:sp>
+        <p:nvSpPr>
+          <p:cNvPr id="21" name="Arrow: Right 20">
+            <a:extLst>
+              <a:ext uri="{FF2B5EF4-FFF2-40B4-BE49-F238E27FC236}">
+                <a16:creationId xmlns:a16="http://schemas.microsoft.com/office/drawing/2014/main" id="{9483439C-1182-FB85-137E-B412B138F066}"/>
+              </a:ext>
+            </a:extLst>
+          </p:cNvPr>
+          <p:cNvSpPr/>
+          <p:nvPr/>
+        </p:nvSpPr>
+        <p:spPr>
+          <a:xfrm>
+            <a:off x="401902" y="3781195"/>
+            <a:ext cx="722812" cy="174171"/>
+          </a:xfrm>
+          <a:prstGeom prst="rightArrow">
+            <a:avLst/>
+          </a:prstGeom>
+        </p:spPr>
+        <p:style>
+          <a:lnRef idx="0">
+            <a:schemeClr val="accent2"/>
+          </a:lnRef>
+          <a:fillRef idx="3">
+            <a:schemeClr val="accent2"/>
+          </a:fillRef>
+          <a:effectRef idx="3">
+            <a:schemeClr val="accent2"/>
+          </a:effectRef>
+          <a:fontRef idx="minor">
+            <a:schemeClr val="lt1"/>
+          </a:fontRef>
+        </p:style>
+        <p:txBody>
+          <a:bodyPr rtlCol="0" anchor="ctr"/>
+          <a:lstStyle/>
+          <a:p>
+            <a:pPr algn="ctr"/>
+            <a:endParaRPr lang="en-CA"/>
+          </a:p>
+        </p:txBody>
+      </p:sp>
+      <p:sp>
+        <p:nvSpPr>
+          <p:cNvPr id="22" name="Arrow: Right 21">
+            <a:extLst>
+              <a:ext uri="{FF2B5EF4-FFF2-40B4-BE49-F238E27FC236}">
+                <a16:creationId xmlns:a16="http://schemas.microsoft.com/office/drawing/2014/main" id="{C0B2D02D-A4A2-CA53-5F22-E7392F7ABC1B}"/>
+              </a:ext>
+            </a:extLst>
+          </p:cNvPr>
+          <p:cNvSpPr/>
+          <p:nvPr/>
+        </p:nvSpPr>
+        <p:spPr>
+          <a:xfrm>
+            <a:off x="401902" y="4298610"/>
+            <a:ext cx="722812" cy="174171"/>
+          </a:xfrm>
+          <a:prstGeom prst="rightArrow">
+            <a:avLst/>
+          </a:prstGeom>
+        </p:spPr>
+        <p:style>
+          <a:lnRef idx="0">
+            <a:schemeClr val="accent2"/>
+          </a:lnRef>
+          <a:fillRef idx="3">
+            <a:schemeClr val="accent2"/>
+          </a:fillRef>
+          <a:effectRef idx="3">
+            <a:schemeClr val="accent2"/>
+          </a:effectRef>
+          <a:fontRef idx="minor">
+            <a:schemeClr val="lt1"/>
+          </a:fontRef>
+        </p:style>
+        <p:txBody>
+          <a:bodyPr rtlCol="0" anchor="ctr"/>
+          <a:lstStyle/>
+          <a:p>
+            <a:pPr algn="ctr"/>
+            <a:endParaRPr lang="en-CA"/>
+          </a:p>
+        </p:txBody>
+      </p:sp>
+    </p:spTree>
+    <p:extLst>
+      <p:ext uri="{BB962C8B-B14F-4D97-AF65-F5344CB8AC3E}">
+        <p14:creationId xmlns:p14="http://schemas.microsoft.com/office/powerpoint/2010/main" val="1981122030"/>
+      </p:ext>
+    </p:extLst>
+  </p:cSld>
+  <p:clrMapOvr>
+    <a:masterClrMapping/>
+  </p:clrMapOvr>
+</p:sld>
+</file>
+
+<file path=ppt/slides/slide6.xml><?xml version="1.0" encoding="utf-8"?>
+<p:sld xmlns:a="http://schemas.openxmlformats.org/drawingml/2006/main" xmlns:r="http://schemas.openxmlformats.org/officeDocument/2006/relationships" xmlns:p="http://schemas.openxmlformats.org/presentationml/2006/main">
+  <p:cSld>
+    <p:spTree>
+      <p:nvGrpSpPr>
+        <p:cNvPr id="1" name=""/>
+        <p:cNvGrpSpPr/>
+        <p:nvPr/>
+      </p:nvGrpSpPr>
+      <p:grpSpPr>
+        <a:xfrm>
+          <a:off x="0" y="0"/>
+          <a:ext cx="0" cy="0"/>
+          <a:chOff x="0" y="0"/>
+          <a:chExt cx="0" cy="0"/>
+        </a:xfrm>
+      </p:grpSpPr>
+      <p:pic>
+        <p:nvPicPr>
+          <p:cNvPr id="5" name="Picture 4">
+            <a:extLst>
+              <a:ext uri="{FF2B5EF4-FFF2-40B4-BE49-F238E27FC236}">
+                <a16:creationId xmlns:a16="http://schemas.microsoft.com/office/drawing/2014/main" id="{FCA5AFC2-75CA-543C-4167-342FAF019F37}"/>
+              </a:ext>
+            </a:extLst>
+          </p:cNvPr>
+          <p:cNvPicPr>
+            <a:picLocks noChangeAspect="1"/>
+          </p:cNvPicPr>
+          <p:nvPr/>
+        </p:nvPicPr>
+        <p:blipFill>
+          <a:blip r:embed="rId2"/>
+          <a:stretch>
+            <a:fillRect/>
+          </a:stretch>
+        </p:blipFill>
+        <p:spPr>
+          <a:xfrm>
+            <a:off x="670561" y="115582"/>
+            <a:ext cx="5425439" cy="6408130"/>
+          </a:xfrm>
+          <a:prstGeom prst="rect">
+            <a:avLst/>
+          </a:prstGeom>
+        </p:spPr>
+      </p:pic>
+      <p:pic>
+        <p:nvPicPr>
+          <p:cNvPr id="7" name="Picture 6">
+            <a:extLst>
+              <a:ext uri="{FF2B5EF4-FFF2-40B4-BE49-F238E27FC236}">
+                <a16:creationId xmlns:a16="http://schemas.microsoft.com/office/drawing/2014/main" id="{F732A356-EBE4-564C-77F1-601E03E35923}"/>
+              </a:ext>
+            </a:extLst>
+          </p:cNvPr>
+          <p:cNvPicPr>
+            <a:picLocks noChangeAspect="1"/>
+          </p:cNvPicPr>
+          <p:nvPr/>
+        </p:nvPicPr>
+        <p:blipFill>
+          <a:blip r:embed="rId3"/>
+          <a:stretch>
+            <a:fillRect/>
+          </a:stretch>
+        </p:blipFill>
+        <p:spPr>
+          <a:xfrm>
+            <a:off x="6571766" y="733890"/>
+            <a:ext cx="5296021" cy="2078979"/>
+          </a:xfrm>
+          <a:prstGeom prst="rect">
+            <a:avLst/>
+          </a:prstGeom>
+        </p:spPr>
+      </p:pic>
+      <p:pic>
+        <p:nvPicPr>
+          <p:cNvPr id="3" name="Graphic 2" descr="Checkbox Checked with solid fill">
+            <a:extLst>
+              <a:ext uri="{FF2B5EF4-FFF2-40B4-BE49-F238E27FC236}">
+                <a16:creationId xmlns:a16="http://schemas.microsoft.com/office/drawing/2014/main" id="{381CE9DD-A295-8B92-10C6-CE9050206B98}"/>
+              </a:ext>
+            </a:extLst>
+          </p:cNvPr>
+          <p:cNvPicPr>
+            <a:picLocks noChangeAspect="1"/>
+          </p:cNvPicPr>
+          <p:nvPr/>
+        </p:nvPicPr>
+        <p:blipFill>
+          <a:blip r:embed="rId4">
+            <a:extLst>
+              <a:ext uri="{28A0092B-C50C-407E-A947-70E740481C1C}">
+                <a14:useLocalDpi xmlns:a14="http://schemas.microsoft.com/office/drawing/2010/main" val="0"/>
+              </a:ext>
+              <a:ext uri="{96DAC541-7B7A-43D3-8B79-37D633B846F1}">
+                <asvg:svgBlip xmlns:asvg="http://schemas.microsoft.com/office/drawing/2016/SVG/main" r:embed="rId5"/>
+              </a:ext>
+            </a:extLst>
+          </a:blip>
+          <a:stretch>
+            <a:fillRect/>
+          </a:stretch>
+        </p:blipFill>
+        <p:spPr>
+          <a:xfrm>
+            <a:off x="886969" y="2102187"/>
+            <a:ext cx="319665" cy="319665"/>
+          </a:xfrm>
+          <a:prstGeom prst="rect">
+            <a:avLst/>
+          </a:prstGeom>
+        </p:spPr>
+      </p:pic>
+      <p:pic>
+        <p:nvPicPr>
+          <p:cNvPr id="4" name="Graphic 3" descr="Checkbox Checked with solid fill">
+            <a:extLst>
+              <a:ext uri="{FF2B5EF4-FFF2-40B4-BE49-F238E27FC236}">
+                <a16:creationId xmlns:a16="http://schemas.microsoft.com/office/drawing/2014/main" id="{D594745D-E419-8403-7783-5F1197E54E30}"/>
+              </a:ext>
+            </a:extLst>
+          </p:cNvPr>
+          <p:cNvPicPr>
+            <a:picLocks noChangeAspect="1"/>
+          </p:cNvPicPr>
+          <p:nvPr/>
+        </p:nvPicPr>
+        <p:blipFill>
+          <a:blip r:embed="rId4">
+            <a:extLst>
+              <a:ext uri="{28A0092B-C50C-407E-A947-70E740481C1C}">
+                <a14:useLocalDpi xmlns:a14="http://schemas.microsoft.com/office/drawing/2010/main" val="0"/>
+              </a:ext>
+              <a:ext uri="{96DAC541-7B7A-43D3-8B79-37D633B846F1}">
+                <asvg:svgBlip xmlns:asvg="http://schemas.microsoft.com/office/drawing/2016/SVG/main" r:embed="rId5"/>
+              </a:ext>
+            </a:extLst>
+          </a:blip>
+          <a:stretch>
+            <a:fillRect/>
+          </a:stretch>
+        </p:blipFill>
+        <p:spPr>
+          <a:xfrm>
+            <a:off x="877826" y="414225"/>
+            <a:ext cx="319665" cy="319665"/>
+          </a:xfrm>
+          <a:prstGeom prst="rect">
+            <a:avLst/>
+          </a:prstGeom>
+        </p:spPr>
+      </p:pic>
+      <p:pic>
+        <p:nvPicPr>
+          <p:cNvPr id="6" name="Graphic 5" descr="Checkbox Checked with solid fill">
+            <a:extLst>
+              <a:ext uri="{FF2B5EF4-FFF2-40B4-BE49-F238E27FC236}">
+                <a16:creationId xmlns:a16="http://schemas.microsoft.com/office/drawing/2014/main" id="{CB2E23FA-4128-4F01-8ED0-17F7D9D5C7CA}"/>
+              </a:ext>
+            </a:extLst>
+          </p:cNvPr>
+          <p:cNvPicPr>
+            <a:picLocks noChangeAspect="1"/>
+          </p:cNvPicPr>
+          <p:nvPr/>
+        </p:nvPicPr>
+        <p:blipFill>
+          <a:blip r:embed="rId4">
+            <a:extLst>
+              <a:ext uri="{28A0092B-C50C-407E-A947-70E740481C1C}">
+                <a14:useLocalDpi xmlns:a14="http://schemas.microsoft.com/office/drawing/2010/main" val="0"/>
+              </a:ext>
+              <a:ext uri="{96DAC541-7B7A-43D3-8B79-37D633B846F1}">
+                <asvg:svgBlip xmlns:asvg="http://schemas.microsoft.com/office/drawing/2016/SVG/main" r:embed="rId5"/>
+              </a:ext>
+            </a:extLst>
+          </a:blip>
+          <a:stretch>
+            <a:fillRect/>
+          </a:stretch>
+        </p:blipFill>
+        <p:spPr>
+          <a:xfrm>
+            <a:off x="877826" y="757312"/>
+            <a:ext cx="319665" cy="319665"/>
+          </a:xfrm>
+          <a:prstGeom prst="rect">
+            <a:avLst/>
+          </a:prstGeom>
+        </p:spPr>
+      </p:pic>
+      <p:pic>
+        <p:nvPicPr>
+          <p:cNvPr id="8" name="Graphic 7" descr="Checkbox Checked with solid fill">
+            <a:extLst>
+              <a:ext uri="{FF2B5EF4-FFF2-40B4-BE49-F238E27FC236}">
+                <a16:creationId xmlns:a16="http://schemas.microsoft.com/office/drawing/2014/main" id="{E63A4A2D-A4EB-EB22-DC9C-6DF0B6E90582}"/>
+              </a:ext>
+            </a:extLst>
+          </p:cNvPr>
+          <p:cNvPicPr>
+            <a:picLocks noChangeAspect="1"/>
+          </p:cNvPicPr>
+          <p:nvPr/>
+        </p:nvPicPr>
+        <p:blipFill>
+          <a:blip r:embed="rId4">
+            <a:extLst>
+              <a:ext uri="{28A0092B-C50C-407E-A947-70E740481C1C}">
+                <a14:useLocalDpi xmlns:a14="http://schemas.microsoft.com/office/drawing/2010/main" val="0"/>
+              </a:ext>
+              <a:ext uri="{96DAC541-7B7A-43D3-8B79-37D633B846F1}">
+                <asvg:svgBlip xmlns:asvg="http://schemas.microsoft.com/office/drawing/2016/SVG/main" r:embed="rId5"/>
+              </a:ext>
+            </a:extLst>
+          </a:blip>
+          <a:stretch>
+            <a:fillRect/>
+          </a:stretch>
+        </p:blipFill>
+        <p:spPr>
+          <a:xfrm>
+            <a:off x="886969" y="1764235"/>
+            <a:ext cx="319665" cy="319665"/>
+          </a:xfrm>
+          <a:prstGeom prst="rect">
+            <a:avLst/>
+          </a:prstGeom>
+        </p:spPr>
+      </p:pic>
+      <p:pic>
+        <p:nvPicPr>
+          <p:cNvPr id="9" name="Graphic 8" descr="Checkbox Checked with solid fill">
+            <a:extLst>
+              <a:ext uri="{FF2B5EF4-FFF2-40B4-BE49-F238E27FC236}">
+                <a16:creationId xmlns:a16="http://schemas.microsoft.com/office/drawing/2014/main" id="{ADBA8383-9868-65B0-FFC4-2077F804DF59}"/>
+              </a:ext>
+            </a:extLst>
+          </p:cNvPr>
+          <p:cNvPicPr>
+            <a:picLocks noChangeAspect="1"/>
+          </p:cNvPicPr>
+          <p:nvPr/>
+        </p:nvPicPr>
+        <p:blipFill>
+          <a:blip r:embed="rId4">
+            <a:extLst>
+              <a:ext uri="{28A0092B-C50C-407E-A947-70E740481C1C}">
+                <a14:useLocalDpi xmlns:a14="http://schemas.microsoft.com/office/drawing/2010/main" val="0"/>
+              </a:ext>
+              <a:ext uri="{96DAC541-7B7A-43D3-8B79-37D633B846F1}">
+                <asvg:svgBlip xmlns:asvg="http://schemas.microsoft.com/office/drawing/2016/SVG/main" r:embed="rId5"/>
+              </a:ext>
+            </a:extLst>
+          </a:blip>
+          <a:stretch>
+            <a:fillRect/>
+          </a:stretch>
+        </p:blipFill>
+        <p:spPr>
+          <a:xfrm>
+            <a:off x="883547" y="1942355"/>
+            <a:ext cx="319665" cy="319665"/>
+          </a:xfrm>
+          <a:prstGeom prst="rect">
+            <a:avLst/>
+          </a:prstGeom>
+        </p:spPr>
+      </p:pic>
+      <p:pic>
+        <p:nvPicPr>
+          <p:cNvPr id="2" name="Graphic 1" descr="Checkbox Checked with solid fill">
+            <a:extLst>
+              <a:ext uri="{FF2B5EF4-FFF2-40B4-BE49-F238E27FC236}">
+                <a16:creationId xmlns:a16="http://schemas.microsoft.com/office/drawing/2014/main" id="{E7ACF4C9-F75A-D2EF-588A-2ECA90657CA1}"/>
+              </a:ext>
+            </a:extLst>
+          </p:cNvPr>
+          <p:cNvPicPr>
+            <a:picLocks noChangeAspect="1"/>
+          </p:cNvPicPr>
+          <p:nvPr/>
+        </p:nvPicPr>
+        <p:blipFill>
+          <a:blip r:embed="rId4">
+            <a:extLst>
+              <a:ext uri="{28A0092B-C50C-407E-A947-70E740481C1C}">
+                <a14:useLocalDpi xmlns:a14="http://schemas.microsoft.com/office/drawing/2010/main" val="0"/>
+              </a:ext>
+              <a:ext uri="{96DAC541-7B7A-43D3-8B79-37D633B846F1}">
+                <asvg:svgBlip xmlns:asvg="http://schemas.microsoft.com/office/drawing/2016/SVG/main" r:embed="rId5"/>
+              </a:ext>
+            </a:extLst>
+          </a:blip>
+          <a:stretch>
+            <a:fillRect/>
+          </a:stretch>
+        </p:blipFill>
+        <p:spPr>
+          <a:xfrm>
+            <a:off x="886968" y="583087"/>
+            <a:ext cx="319665" cy="319665"/>
+          </a:xfrm>
+          <a:prstGeom prst="rect">
+            <a:avLst/>
+          </a:prstGeom>
+        </p:spPr>
+      </p:pic>
+      <p:pic>
+        <p:nvPicPr>
+          <p:cNvPr id="10" name="Graphic 9" descr="Checkbox Checked with solid fill">
+            <a:extLst>
+              <a:ext uri="{FF2B5EF4-FFF2-40B4-BE49-F238E27FC236}">
+                <a16:creationId xmlns:a16="http://schemas.microsoft.com/office/drawing/2014/main" id="{C8406A45-5016-8A66-CBA3-FCBDD76C85BC}"/>
+              </a:ext>
+            </a:extLst>
+          </p:cNvPr>
+          <p:cNvPicPr>
+            <a:picLocks noChangeAspect="1"/>
+          </p:cNvPicPr>
+          <p:nvPr/>
+        </p:nvPicPr>
+        <p:blipFill>
+          <a:blip r:embed="rId4">
+            <a:extLst>
+              <a:ext uri="{28A0092B-C50C-407E-A947-70E740481C1C}">
+                <a14:useLocalDpi xmlns:a14="http://schemas.microsoft.com/office/drawing/2010/main" val="0"/>
+              </a:ext>
+              <a:ext uri="{96DAC541-7B7A-43D3-8B79-37D633B846F1}">
+                <asvg:svgBlip xmlns:asvg="http://schemas.microsoft.com/office/drawing/2016/SVG/main" r:embed="rId5"/>
+              </a:ext>
+            </a:extLst>
+          </a:blip>
+          <a:stretch>
+            <a:fillRect/>
+          </a:stretch>
+        </p:blipFill>
+        <p:spPr>
+          <a:xfrm>
+            <a:off x="882353" y="1060960"/>
+            <a:ext cx="319665" cy="319665"/>
+          </a:xfrm>
+          <a:prstGeom prst="rect">
+            <a:avLst/>
+          </a:prstGeom>
+        </p:spPr>
+      </p:pic>
+      <p:pic>
+        <p:nvPicPr>
+          <p:cNvPr id="11" name="Graphic 10" descr="Checkbox Checked with solid fill">
+            <a:extLst>
+              <a:ext uri="{FF2B5EF4-FFF2-40B4-BE49-F238E27FC236}">
+                <a16:creationId xmlns:a16="http://schemas.microsoft.com/office/drawing/2014/main" id="{23ECFC77-413F-D5C8-EA9F-1470C5EA6DB5}"/>
+              </a:ext>
+            </a:extLst>
+          </p:cNvPr>
+          <p:cNvPicPr>
+            <a:picLocks noChangeAspect="1"/>
+          </p:cNvPicPr>
+          <p:nvPr/>
+        </p:nvPicPr>
+        <p:blipFill>
+          <a:blip r:embed="rId4">
+            <a:extLst>
+              <a:ext uri="{28A0092B-C50C-407E-A947-70E740481C1C}">
+                <a14:useLocalDpi xmlns:a14="http://schemas.microsoft.com/office/drawing/2010/main" val="0"/>
+              </a:ext>
+              <a:ext uri="{96DAC541-7B7A-43D3-8B79-37D633B846F1}">
+                <asvg:svgBlip xmlns:asvg="http://schemas.microsoft.com/office/drawing/2016/SVG/main" r:embed="rId5"/>
+              </a:ext>
+            </a:extLst>
+          </a:blip>
+          <a:stretch>
+            <a:fillRect/>
+          </a:stretch>
+        </p:blipFill>
+        <p:spPr>
+          <a:xfrm>
+            <a:off x="904885" y="1580799"/>
+            <a:ext cx="319665" cy="319665"/>
+          </a:xfrm>
+          <a:prstGeom prst="rect">
+            <a:avLst/>
+          </a:prstGeom>
+        </p:spPr>
+      </p:pic>
+      <p:pic>
+        <p:nvPicPr>
+          <p:cNvPr id="12" name="Graphic 11" descr="Checkbox Checked with solid fill">
+            <a:extLst>
+              <a:ext uri="{FF2B5EF4-FFF2-40B4-BE49-F238E27FC236}">
+                <a16:creationId xmlns:a16="http://schemas.microsoft.com/office/drawing/2014/main" id="{A1CE483E-219F-00A7-FEAB-28E9B2A4CEEC}"/>
+              </a:ext>
+            </a:extLst>
+          </p:cNvPr>
+          <p:cNvPicPr>
+            <a:picLocks noChangeAspect="1"/>
+          </p:cNvPicPr>
+          <p:nvPr/>
+        </p:nvPicPr>
+        <p:blipFill>
+          <a:blip r:embed="rId4">
+            <a:extLst>
+              <a:ext uri="{28A0092B-C50C-407E-A947-70E740481C1C}">
+                <a14:useLocalDpi xmlns:a14="http://schemas.microsoft.com/office/drawing/2010/main" val="0"/>
+              </a:ext>
+              <a:ext uri="{96DAC541-7B7A-43D3-8B79-37D633B846F1}">
+                <asvg:svgBlip xmlns:asvg="http://schemas.microsoft.com/office/drawing/2016/SVG/main" r:embed="rId5"/>
+              </a:ext>
+            </a:extLst>
+          </a:blip>
+          <a:stretch>
+            <a:fillRect/>
+          </a:stretch>
+        </p:blipFill>
+        <p:spPr>
+          <a:xfrm>
+            <a:off x="886591" y="2419319"/>
+            <a:ext cx="319665" cy="319665"/>
+          </a:xfrm>
+          <a:prstGeom prst="rect">
+            <a:avLst/>
+          </a:prstGeom>
+        </p:spPr>
+      </p:pic>
+      <p:pic>
+        <p:nvPicPr>
+          <p:cNvPr id="13" name="Graphic 12" descr="Checkbox Checked with solid fill">
+            <a:extLst>
+              <a:ext uri="{FF2B5EF4-FFF2-40B4-BE49-F238E27FC236}">
+                <a16:creationId xmlns:a16="http://schemas.microsoft.com/office/drawing/2014/main" id="{D71DC850-EA23-9A8B-2F90-93A642878274}"/>
+              </a:ext>
+            </a:extLst>
+          </p:cNvPr>
+          <p:cNvPicPr>
+            <a:picLocks noChangeAspect="1"/>
+          </p:cNvPicPr>
+          <p:nvPr/>
+        </p:nvPicPr>
+        <p:blipFill>
+          <a:blip r:embed="rId4">
+            <a:extLst>
+              <a:ext uri="{28A0092B-C50C-407E-A947-70E740481C1C}">
+                <a14:useLocalDpi xmlns:a14="http://schemas.microsoft.com/office/drawing/2010/main" val="0"/>
+              </a:ext>
+              <a:ext uri="{96DAC541-7B7A-43D3-8B79-37D633B846F1}">
+                <asvg:svgBlip xmlns:asvg="http://schemas.microsoft.com/office/drawing/2016/SVG/main" r:embed="rId5"/>
+              </a:ext>
+            </a:extLst>
+          </a:blip>
+          <a:stretch>
+            <a:fillRect/>
+          </a:stretch>
+        </p:blipFill>
+        <p:spPr>
+          <a:xfrm>
+            <a:off x="877449" y="2940424"/>
+            <a:ext cx="319665" cy="319665"/>
+          </a:xfrm>
+          <a:prstGeom prst="rect">
+            <a:avLst/>
+          </a:prstGeom>
+        </p:spPr>
+      </p:pic>
+      <p:pic>
+        <p:nvPicPr>
+          <p:cNvPr id="14" name="Graphic 13" descr="Checkbox Checked with solid fill">
+            <a:extLst>
+              <a:ext uri="{FF2B5EF4-FFF2-40B4-BE49-F238E27FC236}">
+                <a16:creationId xmlns:a16="http://schemas.microsoft.com/office/drawing/2014/main" id="{A5666D9E-B992-E5C0-3E6C-534C39EF1FD0}"/>
+              </a:ext>
+            </a:extLst>
+          </p:cNvPr>
+          <p:cNvPicPr>
+            <a:picLocks noChangeAspect="1"/>
+          </p:cNvPicPr>
+          <p:nvPr/>
+        </p:nvPicPr>
+        <p:blipFill>
+          <a:blip r:embed="rId4">
+            <a:extLst>
+              <a:ext uri="{28A0092B-C50C-407E-A947-70E740481C1C}">
+                <a14:useLocalDpi xmlns:a14="http://schemas.microsoft.com/office/drawing/2010/main" val="0"/>
+              </a:ext>
+              <a:ext uri="{96DAC541-7B7A-43D3-8B79-37D633B846F1}">
+                <asvg:svgBlip xmlns:asvg="http://schemas.microsoft.com/office/drawing/2016/SVG/main" r:embed="rId5"/>
+              </a:ext>
+            </a:extLst>
+          </a:blip>
+          <a:stretch>
+            <a:fillRect/>
+          </a:stretch>
+        </p:blipFill>
+        <p:spPr>
+          <a:xfrm>
+            <a:off x="885845" y="3247410"/>
+            <a:ext cx="319665" cy="319665"/>
+          </a:xfrm>
+          <a:prstGeom prst="rect">
+            <a:avLst/>
+          </a:prstGeom>
+        </p:spPr>
+      </p:pic>
+      <p:pic>
+        <p:nvPicPr>
+          <p:cNvPr id="23" name="Graphic 22" descr="Checkbox Checked with solid fill">
+            <a:extLst>
+              <a:ext uri="{FF2B5EF4-FFF2-40B4-BE49-F238E27FC236}">
+                <a16:creationId xmlns:a16="http://schemas.microsoft.com/office/drawing/2014/main" id="{8AF18C17-3DE2-0EBE-9590-0BA5C6D20D04}"/>
+              </a:ext>
+            </a:extLst>
+          </p:cNvPr>
+          <p:cNvPicPr>
+            <a:picLocks noChangeAspect="1"/>
+          </p:cNvPicPr>
+          <p:nvPr/>
+        </p:nvPicPr>
+        <p:blipFill>
+          <a:blip r:embed="rId4">
+            <a:extLst>
+              <a:ext uri="{28A0092B-C50C-407E-A947-70E740481C1C}">
+                <a14:useLocalDpi xmlns:a14="http://schemas.microsoft.com/office/drawing/2010/main" val="0"/>
+              </a:ext>
+              <a:ext uri="{96DAC541-7B7A-43D3-8B79-37D633B846F1}">
+                <asvg:svgBlip xmlns:asvg="http://schemas.microsoft.com/office/drawing/2016/SVG/main" r:embed="rId5"/>
+              </a:ext>
+            </a:extLst>
+          </a:blip>
+          <a:stretch>
+            <a:fillRect/>
+          </a:stretch>
+        </p:blipFill>
+        <p:spPr>
+          <a:xfrm>
+            <a:off x="877072" y="3740338"/>
+            <a:ext cx="319665" cy="319665"/>
+          </a:xfrm>
+          <a:prstGeom prst="rect">
+            <a:avLst/>
+          </a:prstGeom>
+        </p:spPr>
+      </p:pic>
+      <p:pic>
+        <p:nvPicPr>
+          <p:cNvPr id="24" name="Graphic 23" descr="Checkbox Checked with solid fill">
+            <a:extLst>
+              <a:ext uri="{FF2B5EF4-FFF2-40B4-BE49-F238E27FC236}">
+                <a16:creationId xmlns:a16="http://schemas.microsoft.com/office/drawing/2014/main" id="{13004C2F-E149-A616-6F2C-443AABA190FE}"/>
+              </a:ext>
+            </a:extLst>
+          </p:cNvPr>
+          <p:cNvPicPr>
+            <a:picLocks noChangeAspect="1"/>
+          </p:cNvPicPr>
+          <p:nvPr/>
+        </p:nvPicPr>
+        <p:blipFill>
+          <a:blip r:embed="rId4">
+            <a:extLst>
+              <a:ext uri="{28A0092B-C50C-407E-A947-70E740481C1C}">
+                <a14:useLocalDpi xmlns:a14="http://schemas.microsoft.com/office/drawing/2010/main" val="0"/>
+              </a:ext>
+              <a:ext uri="{96DAC541-7B7A-43D3-8B79-37D633B846F1}">
+                <asvg:svgBlip xmlns:asvg="http://schemas.microsoft.com/office/drawing/2016/SVG/main" r:embed="rId5"/>
+              </a:ext>
+            </a:extLst>
+          </a:blip>
+          <a:stretch>
+            <a:fillRect/>
+          </a:stretch>
+        </p:blipFill>
+        <p:spPr>
+          <a:xfrm>
+            <a:off x="883547" y="4233266"/>
+            <a:ext cx="319665" cy="319665"/>
+          </a:xfrm>
+          <a:prstGeom prst="rect">
+            <a:avLst/>
+          </a:prstGeom>
+        </p:spPr>
+      </p:pic>
+      <p:sp>
+        <p:nvSpPr>
+          <p:cNvPr id="26" name="Arrow: Right 25">
+            <a:extLst>
+              <a:ext uri="{FF2B5EF4-FFF2-40B4-BE49-F238E27FC236}">
+                <a16:creationId xmlns:a16="http://schemas.microsoft.com/office/drawing/2014/main" id="{273AC6B6-45EF-795F-BFAF-19E2D66C908E}"/>
+              </a:ext>
+            </a:extLst>
+          </p:cNvPr>
+          <p:cNvSpPr/>
+          <p:nvPr/>
+        </p:nvSpPr>
+        <p:spPr>
+          <a:xfrm>
+            <a:off x="424784" y="4630877"/>
+            <a:ext cx="722812" cy="174171"/>
+          </a:xfrm>
+          <a:prstGeom prst="rightArrow">
+            <a:avLst/>
+          </a:prstGeom>
+        </p:spPr>
+        <p:style>
+          <a:lnRef idx="0">
+            <a:schemeClr val="accent2"/>
+          </a:lnRef>
+          <a:fillRef idx="3">
+            <a:schemeClr val="accent2"/>
+          </a:fillRef>
+          <a:effectRef idx="3">
+            <a:schemeClr val="accent2"/>
+          </a:effectRef>
+          <a:fontRef idx="minor">
+            <a:schemeClr val="lt1"/>
+          </a:fontRef>
+        </p:style>
+        <p:txBody>
+          <a:bodyPr rtlCol="0" anchor="ctr"/>
+          <a:lstStyle/>
+          <a:p>
+            <a:pPr algn="ctr"/>
+            <a:endParaRPr lang="en-CA"/>
+          </a:p>
+        </p:txBody>
+      </p:sp>
+      <p:sp>
+        <p:nvSpPr>
+          <p:cNvPr id="27" name="Arrow: Right 26">
+            <a:extLst>
+              <a:ext uri="{FF2B5EF4-FFF2-40B4-BE49-F238E27FC236}">
+                <a16:creationId xmlns:a16="http://schemas.microsoft.com/office/drawing/2014/main" id="{85C38DD6-529C-0C1F-0C72-451C69521DBE}"/>
+              </a:ext>
+            </a:extLst>
+          </p:cNvPr>
+          <p:cNvSpPr/>
+          <p:nvPr/>
+        </p:nvSpPr>
+        <p:spPr>
+          <a:xfrm>
+            <a:off x="421363" y="4950517"/>
+            <a:ext cx="722812" cy="174171"/>
+          </a:xfrm>
+          <a:prstGeom prst="rightArrow">
+            <a:avLst/>
+          </a:prstGeom>
+        </p:spPr>
+        <p:style>
+          <a:lnRef idx="0">
+            <a:schemeClr val="accent2"/>
+          </a:lnRef>
+          <a:fillRef idx="3">
+            <a:schemeClr val="accent2"/>
+          </a:fillRef>
+          <a:effectRef idx="3">
+            <a:schemeClr val="accent2"/>
+          </a:effectRef>
+          <a:fontRef idx="minor">
+            <a:schemeClr val="lt1"/>
+          </a:fontRef>
+        </p:style>
+        <p:txBody>
+          <a:bodyPr rtlCol="0" anchor="ctr"/>
+          <a:lstStyle/>
+          <a:p>
+            <a:pPr algn="ctr"/>
+            <a:endParaRPr lang="en-CA"/>
+          </a:p>
+        </p:txBody>
+      </p:sp>
+      <p:sp>
+        <p:nvSpPr>
+          <p:cNvPr id="28" name="Arrow: Right 27">
+            <a:extLst>
+              <a:ext uri="{FF2B5EF4-FFF2-40B4-BE49-F238E27FC236}">
+                <a16:creationId xmlns:a16="http://schemas.microsoft.com/office/drawing/2014/main" id="{B688A38F-3E0D-5ECF-1D16-86D935CD6B61}"/>
+              </a:ext>
+            </a:extLst>
+          </p:cNvPr>
+          <p:cNvSpPr/>
+          <p:nvPr/>
+        </p:nvSpPr>
+        <p:spPr>
+          <a:xfrm>
+            <a:off x="421363" y="5123284"/>
+            <a:ext cx="722812" cy="174171"/>
+          </a:xfrm>
+          <a:prstGeom prst="rightArrow">
+            <a:avLst/>
+          </a:prstGeom>
+        </p:spPr>
+        <p:style>
+          <a:lnRef idx="0">
+            <a:schemeClr val="accent2"/>
+          </a:lnRef>
+          <a:fillRef idx="3">
+            <a:schemeClr val="accent2"/>
+          </a:fillRef>
+          <a:effectRef idx="3">
+            <a:schemeClr val="accent2"/>
+          </a:effectRef>
+          <a:fontRef idx="minor">
+            <a:schemeClr val="lt1"/>
+          </a:fontRef>
+        </p:style>
+        <p:txBody>
+          <a:bodyPr rtlCol="0" anchor="ctr"/>
+          <a:lstStyle/>
+          <a:p>
+            <a:pPr algn="ctr"/>
+            <a:endParaRPr lang="en-CA"/>
+          </a:p>
+        </p:txBody>
+      </p:sp>
+      <p:sp>
+        <p:nvSpPr>
+          <p:cNvPr id="29" name="Arrow: Right 28">
+            <a:extLst>
+              <a:ext uri="{FF2B5EF4-FFF2-40B4-BE49-F238E27FC236}">
+                <a16:creationId xmlns:a16="http://schemas.microsoft.com/office/drawing/2014/main" id="{E48D9ED2-8D99-CC47-9074-CFBD136375D5}"/>
+              </a:ext>
+            </a:extLst>
+          </p:cNvPr>
+          <p:cNvSpPr/>
+          <p:nvPr/>
+        </p:nvSpPr>
+        <p:spPr>
+          <a:xfrm>
+            <a:off x="421363" y="5297455"/>
+            <a:ext cx="722812" cy="174171"/>
+          </a:xfrm>
+          <a:prstGeom prst="rightArrow">
+            <a:avLst/>
+          </a:prstGeom>
+        </p:spPr>
+        <p:style>
+          <a:lnRef idx="0">
+            <a:schemeClr val="accent2"/>
+          </a:lnRef>
+          <a:fillRef idx="3">
+            <a:schemeClr val="accent2"/>
+          </a:fillRef>
+          <a:effectRef idx="3">
+            <a:schemeClr val="accent2"/>
+          </a:effectRef>
+          <a:fontRef idx="minor">
+            <a:schemeClr val="lt1"/>
+          </a:fontRef>
+        </p:style>
+        <p:txBody>
+          <a:bodyPr rtlCol="0" anchor="ctr"/>
+          <a:lstStyle/>
+          <a:p>
+            <a:pPr algn="ctr"/>
+            <a:endParaRPr lang="en-CA"/>
+          </a:p>
+        </p:txBody>
+      </p:sp>
+      <p:sp>
+        <p:nvSpPr>
+          <p:cNvPr id="30" name="Arrow: Right 29">
+            <a:extLst>
+              <a:ext uri="{FF2B5EF4-FFF2-40B4-BE49-F238E27FC236}">
+                <a16:creationId xmlns:a16="http://schemas.microsoft.com/office/drawing/2014/main" id="{9E042834-E21B-08EC-816A-E47F5F4B11B3}"/>
+              </a:ext>
+            </a:extLst>
+          </p:cNvPr>
+          <p:cNvSpPr/>
+          <p:nvPr/>
+        </p:nvSpPr>
+        <p:spPr>
+          <a:xfrm>
+            <a:off x="417942" y="5621770"/>
+            <a:ext cx="722812" cy="174171"/>
+          </a:xfrm>
+          <a:prstGeom prst="rightArrow">
+            <a:avLst/>
+          </a:prstGeom>
+        </p:spPr>
+        <p:style>
+          <a:lnRef idx="0">
+            <a:schemeClr val="accent2"/>
+          </a:lnRef>
+          <a:fillRef idx="3">
+            <a:schemeClr val="accent2"/>
+          </a:fillRef>
+          <a:effectRef idx="3">
+            <a:schemeClr val="accent2"/>
+          </a:effectRef>
+          <a:fontRef idx="minor">
+            <a:schemeClr val="lt1"/>
+          </a:fontRef>
+        </p:style>
+        <p:txBody>
+          <a:bodyPr rtlCol="0" anchor="ctr"/>
+          <a:lstStyle/>
+          <a:p>
+            <a:pPr algn="ctr"/>
+            <a:endParaRPr lang="en-CA"/>
+          </a:p>
+        </p:txBody>
+      </p:sp>
+      <p:sp>
+        <p:nvSpPr>
+          <p:cNvPr id="31" name="Arrow: Right 30">
+            <a:extLst>
+              <a:ext uri="{FF2B5EF4-FFF2-40B4-BE49-F238E27FC236}">
+                <a16:creationId xmlns:a16="http://schemas.microsoft.com/office/drawing/2014/main" id="{F7B5A85E-5E3C-F0CA-E268-F6D0481F2224}"/>
+              </a:ext>
+            </a:extLst>
+          </p:cNvPr>
+          <p:cNvSpPr/>
+          <p:nvPr/>
+        </p:nvSpPr>
+        <p:spPr>
+          <a:xfrm>
+            <a:off x="424784" y="5955521"/>
+            <a:ext cx="722812" cy="174171"/>
+          </a:xfrm>
+          <a:prstGeom prst="rightArrow">
+            <a:avLst/>
+          </a:prstGeom>
+        </p:spPr>
+        <p:style>
+          <a:lnRef idx="0">
+            <a:schemeClr val="accent2"/>
+          </a:lnRef>
+          <a:fillRef idx="3">
+            <a:schemeClr val="accent2"/>
+          </a:fillRef>
+          <a:effectRef idx="3">
+            <a:schemeClr val="accent2"/>
+          </a:effectRef>
+          <a:fontRef idx="minor">
+            <a:schemeClr val="lt1"/>
+          </a:fontRef>
+        </p:style>
+        <p:txBody>
+          <a:bodyPr rtlCol="0" anchor="ctr"/>
+          <a:lstStyle/>
+          <a:p>
+            <a:pPr algn="ctr"/>
+            <a:endParaRPr lang="en-CA"/>
+          </a:p>
+        </p:txBody>
+      </p:sp>
+      <p:sp>
+        <p:nvSpPr>
+          <p:cNvPr id="32" name="Arrow: Right 31">
+            <a:extLst>
+              <a:ext uri="{FF2B5EF4-FFF2-40B4-BE49-F238E27FC236}">
+                <a16:creationId xmlns:a16="http://schemas.microsoft.com/office/drawing/2014/main" id="{D3F29D0D-122E-B31C-A736-B0C98B3B3638}"/>
+              </a:ext>
+            </a:extLst>
+          </p:cNvPr>
+          <p:cNvSpPr/>
+          <p:nvPr/>
+        </p:nvSpPr>
+        <p:spPr>
+          <a:xfrm>
+            <a:off x="417571" y="6126521"/>
+            <a:ext cx="722812" cy="174171"/>
+          </a:xfrm>
+          <a:prstGeom prst="rightArrow">
+            <a:avLst/>
+          </a:prstGeom>
+        </p:spPr>
+        <p:style>
+          <a:lnRef idx="0">
+            <a:schemeClr val="accent2"/>
+          </a:lnRef>
+          <a:fillRef idx="3">
+            <a:schemeClr val="accent2"/>
+          </a:fillRef>
+          <a:effectRef idx="3">
+            <a:schemeClr val="accent2"/>
+          </a:effectRef>
+          <a:fontRef idx="minor">
+            <a:schemeClr val="lt1"/>
+          </a:fontRef>
+        </p:style>
+        <p:txBody>
+          <a:bodyPr rtlCol="0" anchor="ctr"/>
+          <a:lstStyle/>
+          <a:p>
+            <a:pPr algn="ctr"/>
+            <a:endParaRPr lang="en-CA"/>
+          </a:p>
+        </p:txBody>
+      </p:sp>
+      <p:sp>
+        <p:nvSpPr>
+          <p:cNvPr id="33" name="Arrow: Right 32">
+            <a:extLst>
+              <a:ext uri="{FF2B5EF4-FFF2-40B4-BE49-F238E27FC236}">
+                <a16:creationId xmlns:a16="http://schemas.microsoft.com/office/drawing/2014/main" id="{CE305C91-B2C1-5FB3-ACAD-1BF4B1A6196E}"/>
+              </a:ext>
+            </a:extLst>
+          </p:cNvPr>
+          <p:cNvSpPr/>
+          <p:nvPr/>
+        </p:nvSpPr>
+        <p:spPr>
+          <a:xfrm>
+            <a:off x="5848954" y="761058"/>
+            <a:ext cx="722812" cy="174171"/>
+          </a:xfrm>
+          <a:prstGeom prst="rightArrow">
+            <a:avLst/>
+          </a:prstGeom>
+        </p:spPr>
+        <p:style>
+          <a:lnRef idx="0">
+            <a:schemeClr val="accent2"/>
+          </a:lnRef>
+          <a:fillRef idx="3">
+            <a:schemeClr val="accent2"/>
+          </a:fillRef>
+          <a:effectRef idx="3">
+            <a:schemeClr val="accent2"/>
+          </a:effectRef>
+          <a:fontRef idx="minor">
+            <a:schemeClr val="lt1"/>
+          </a:fontRef>
+        </p:style>
+        <p:txBody>
+          <a:bodyPr rtlCol="0" anchor="ctr"/>
+          <a:lstStyle/>
+          <a:p>
+            <a:pPr algn="ctr"/>
+            <a:endParaRPr lang="en-CA"/>
+          </a:p>
+        </p:txBody>
+      </p:sp>
+      <p:sp>
+        <p:nvSpPr>
+          <p:cNvPr id="34" name="Arrow: Right 33">
+            <a:extLst>
+              <a:ext uri="{FF2B5EF4-FFF2-40B4-BE49-F238E27FC236}">
+                <a16:creationId xmlns:a16="http://schemas.microsoft.com/office/drawing/2014/main" id="{4960E715-B564-FCE8-0D29-8ADFD3EEB472}"/>
+              </a:ext>
+            </a:extLst>
+          </p:cNvPr>
+          <p:cNvSpPr/>
+          <p:nvPr/>
+        </p:nvSpPr>
+        <p:spPr>
+          <a:xfrm>
+            <a:off x="5868979" y="962021"/>
+            <a:ext cx="722812" cy="174171"/>
+          </a:xfrm>
+          <a:prstGeom prst="rightArrow">
+            <a:avLst/>
+          </a:prstGeom>
+        </p:spPr>
+        <p:style>
+          <a:lnRef idx="0">
+            <a:schemeClr val="accent2"/>
+          </a:lnRef>
+          <a:fillRef idx="3">
+            <a:schemeClr val="accent2"/>
+          </a:fillRef>
+          <a:effectRef idx="3">
+            <a:schemeClr val="accent2"/>
+          </a:effectRef>
+          <a:fontRef idx="minor">
+            <a:schemeClr val="lt1"/>
+          </a:fontRef>
+        </p:style>
+        <p:txBody>
+          <a:bodyPr rtlCol="0" anchor="ctr"/>
+          <a:lstStyle/>
+          <a:p>
+            <a:pPr algn="ctr"/>
+            <a:endParaRPr lang="en-CA"/>
+          </a:p>
+        </p:txBody>
+      </p:sp>
+      <p:sp>
+        <p:nvSpPr>
+          <p:cNvPr id="35" name="Arrow: Right 34">
+            <a:extLst>
+              <a:ext uri="{FF2B5EF4-FFF2-40B4-BE49-F238E27FC236}">
+                <a16:creationId xmlns:a16="http://schemas.microsoft.com/office/drawing/2014/main" id="{42C7D7B9-EDFF-BE72-9695-33B2C035255A}"/>
+              </a:ext>
+            </a:extLst>
+          </p:cNvPr>
+          <p:cNvSpPr/>
+          <p:nvPr/>
+        </p:nvSpPr>
+        <p:spPr>
+          <a:xfrm>
+            <a:off x="5898954" y="1311827"/>
+            <a:ext cx="722812" cy="174171"/>
+          </a:xfrm>
+          <a:prstGeom prst="rightArrow">
+            <a:avLst/>
+          </a:prstGeom>
+        </p:spPr>
+        <p:style>
+          <a:lnRef idx="0">
+            <a:schemeClr val="accent2"/>
+          </a:lnRef>
+          <a:fillRef idx="3">
+            <a:schemeClr val="accent2"/>
+          </a:fillRef>
+          <a:effectRef idx="3">
+            <a:schemeClr val="accent2"/>
+          </a:effectRef>
+          <a:fontRef idx="minor">
+            <a:schemeClr val="lt1"/>
+          </a:fontRef>
+        </p:style>
+        <p:txBody>
+          <a:bodyPr rtlCol="0" anchor="ctr"/>
+          <a:lstStyle/>
+          <a:p>
+            <a:pPr algn="ctr"/>
+            <a:endParaRPr lang="en-CA"/>
+          </a:p>
+        </p:txBody>
+      </p:sp>
+      <p:sp>
+        <p:nvSpPr>
+          <p:cNvPr id="36" name="Arrow: Right 35">
+            <a:extLst>
+              <a:ext uri="{FF2B5EF4-FFF2-40B4-BE49-F238E27FC236}">
+                <a16:creationId xmlns:a16="http://schemas.microsoft.com/office/drawing/2014/main" id="{6EA2B2B9-BAB7-208E-EEFA-AA936572D7C3}"/>
+              </a:ext>
+            </a:extLst>
+          </p:cNvPr>
+          <p:cNvSpPr/>
+          <p:nvPr/>
+        </p:nvSpPr>
+        <p:spPr>
+          <a:xfrm>
+            <a:off x="5868979" y="1677149"/>
+            <a:ext cx="722812" cy="174171"/>
+          </a:xfrm>
+          <a:prstGeom prst="rightArrow">
+            <a:avLst/>
+          </a:prstGeom>
+        </p:spPr>
+        <p:style>
+          <a:lnRef idx="0">
+            <a:schemeClr val="accent2"/>
+          </a:lnRef>
+          <a:fillRef idx="3">
+            <a:schemeClr val="accent2"/>
+          </a:fillRef>
+          <a:effectRef idx="3">
+            <a:schemeClr val="accent2"/>
+          </a:effectRef>
+          <a:fontRef idx="minor">
+            <a:schemeClr val="lt1"/>
+          </a:fontRef>
+        </p:style>
+        <p:txBody>
+          <a:bodyPr rtlCol="0" anchor="ctr"/>
+          <a:lstStyle/>
+          <a:p>
+            <a:pPr algn="ctr"/>
+            <a:endParaRPr lang="en-CA"/>
+          </a:p>
+        </p:txBody>
+      </p:sp>
+      <p:sp>
+        <p:nvSpPr>
+          <p:cNvPr id="37" name="Arrow: Right 36">
+            <a:extLst>
+              <a:ext uri="{FF2B5EF4-FFF2-40B4-BE49-F238E27FC236}">
+                <a16:creationId xmlns:a16="http://schemas.microsoft.com/office/drawing/2014/main" id="{39B34E13-63CA-1ED7-930A-7A6BDF1D280A}"/>
+              </a:ext>
+            </a:extLst>
+          </p:cNvPr>
+          <p:cNvSpPr/>
+          <p:nvPr/>
+        </p:nvSpPr>
+        <p:spPr>
+          <a:xfrm>
+            <a:off x="5898954" y="2030068"/>
+            <a:ext cx="722812" cy="174171"/>
+          </a:xfrm>
+          <a:prstGeom prst="rightArrow">
+            <a:avLst/>
+          </a:prstGeom>
+        </p:spPr>
+        <p:style>
+          <a:lnRef idx="0">
+            <a:schemeClr val="accent2"/>
+          </a:lnRef>
+          <a:fillRef idx="3">
+            <a:schemeClr val="accent2"/>
+          </a:fillRef>
+          <a:effectRef idx="3">
+            <a:schemeClr val="accent2"/>
+          </a:effectRef>
+          <a:fontRef idx="minor">
+            <a:schemeClr val="lt1"/>
+          </a:fontRef>
+        </p:style>
+        <p:txBody>
+          <a:bodyPr rtlCol="0" anchor="ctr"/>
+          <a:lstStyle/>
+          <a:p>
+            <a:pPr algn="ctr"/>
+            <a:endParaRPr lang="en-CA"/>
+          </a:p>
+        </p:txBody>
+      </p:sp>
+      <p:sp>
+        <p:nvSpPr>
+          <p:cNvPr id="38" name="Arrow: Right 37">
+            <a:extLst>
+              <a:ext uri="{FF2B5EF4-FFF2-40B4-BE49-F238E27FC236}">
+                <a16:creationId xmlns:a16="http://schemas.microsoft.com/office/drawing/2014/main" id="{8BCA68DF-00A1-1ECB-D1E5-BF78CBF4E4D0}"/>
+              </a:ext>
+            </a:extLst>
+          </p:cNvPr>
+          <p:cNvSpPr/>
+          <p:nvPr/>
+        </p:nvSpPr>
+        <p:spPr>
+          <a:xfrm>
+            <a:off x="5898954" y="2218330"/>
+            <a:ext cx="722812" cy="174171"/>
+          </a:xfrm>
+          <a:prstGeom prst="rightArrow">
+            <a:avLst/>
+          </a:prstGeom>
+        </p:spPr>
+        <p:style>
+          <a:lnRef idx="0">
+            <a:schemeClr val="accent2"/>
+          </a:lnRef>
+          <a:fillRef idx="3">
+            <a:schemeClr val="accent2"/>
+          </a:fillRef>
+          <a:effectRef idx="3">
+            <a:schemeClr val="accent2"/>
+          </a:effectRef>
+          <a:fontRef idx="minor">
+            <a:schemeClr val="lt1"/>
+          </a:fontRef>
+        </p:style>
+        <p:txBody>
+          <a:bodyPr rtlCol="0" anchor="ctr"/>
+          <a:lstStyle/>
+          <a:p>
+            <a:pPr algn="ctr"/>
+            <a:endParaRPr lang="en-CA"/>
+          </a:p>
+        </p:txBody>
+      </p:sp>
+      <p:sp>
+        <p:nvSpPr>
+          <p:cNvPr id="39" name="Arrow: Right 38">
+            <a:extLst>
+              <a:ext uri="{FF2B5EF4-FFF2-40B4-BE49-F238E27FC236}">
+                <a16:creationId xmlns:a16="http://schemas.microsoft.com/office/drawing/2014/main" id="{E17907E4-28B7-28CF-F9E7-38E146E5306B}"/>
+              </a:ext>
+            </a:extLst>
+          </p:cNvPr>
+          <p:cNvSpPr/>
+          <p:nvPr/>
+        </p:nvSpPr>
+        <p:spPr>
+          <a:xfrm>
+            <a:off x="5898954" y="2582351"/>
+            <a:ext cx="722812" cy="174171"/>
+          </a:xfrm>
+          <a:prstGeom prst="rightArrow">
+            <a:avLst/>
+          </a:prstGeom>
+        </p:spPr>
+        <p:style>
+          <a:lnRef idx="0">
+            <a:schemeClr val="accent2"/>
+          </a:lnRef>
+          <a:fillRef idx="3">
+            <a:schemeClr val="accent2"/>
+          </a:fillRef>
+          <a:effectRef idx="3">
+            <a:schemeClr val="accent2"/>
+          </a:effectRef>
+          <a:fontRef idx="minor">
+            <a:schemeClr val="lt1"/>
+          </a:fontRef>
+        </p:style>
+        <p:txBody>
+          <a:bodyPr rtlCol="0" anchor="ctr"/>
+          <a:lstStyle/>
+          <a:p>
+            <a:pPr algn="ctr"/>
+            <a:endParaRPr lang="en-CA"/>
+          </a:p>
+        </p:txBody>
+      </p:sp>
+    </p:spTree>
+    <p:extLst>
+      <p:ext uri="{BB962C8B-B14F-4D97-AF65-F5344CB8AC3E}">
+        <p14:creationId xmlns:p14="http://schemas.microsoft.com/office/powerpoint/2010/main" val="1944992471"/>
+      </p:ext>
+    </p:extLst>
+  </p:cSld>
+  <p:clrMapOvr>
+    <a:masterClrMapping/>
+  </p:clrMapOvr>
+</p:sld>
+</file>
+
+<file path=ppt/slides/slide7.xml><?xml version="1.0" encoding="utf-8"?>
+<p:sld xmlns:a="http://schemas.openxmlformats.org/drawingml/2006/main" xmlns:r="http://schemas.openxmlformats.org/officeDocument/2006/relationships" xmlns:p="http://schemas.openxmlformats.org/presentationml/2006/main">
+  <p:cSld>
+    <p:spTree>
+      <p:nvGrpSpPr>
+        <p:cNvPr id="1" name=""/>
+        <p:cNvGrpSpPr/>
+        <p:nvPr/>
+      </p:nvGrpSpPr>
+      <p:grpSpPr>
+        <a:xfrm>
+          <a:off x="0" y="0"/>
+          <a:ext cx="0" cy="0"/>
+          <a:chOff x="0" y="0"/>
+          <a:chExt cx="0" cy="0"/>
+        </a:xfrm>
+      </p:grpSpPr>
+      <p:pic>
+        <p:nvPicPr>
+          <p:cNvPr id="5" name="Picture 4">
+            <a:extLst>
+              <a:ext uri="{FF2B5EF4-FFF2-40B4-BE49-F238E27FC236}">
+                <a16:creationId xmlns:a16="http://schemas.microsoft.com/office/drawing/2014/main" id="{FCA5AFC2-75CA-543C-4167-342FAF019F37}"/>
+              </a:ext>
+            </a:extLst>
+          </p:cNvPr>
+          <p:cNvPicPr>
+            <a:picLocks noChangeAspect="1"/>
+          </p:cNvPicPr>
+          <p:nvPr/>
+        </p:nvPicPr>
+        <p:blipFill>
+          <a:blip r:embed="rId2"/>
+          <a:stretch>
+            <a:fillRect/>
+          </a:stretch>
+        </p:blipFill>
+        <p:spPr>
+          <a:xfrm>
+            <a:off x="670561" y="115582"/>
+            <a:ext cx="5425439" cy="6408130"/>
+          </a:xfrm>
+          <a:prstGeom prst="rect">
+            <a:avLst/>
+          </a:prstGeom>
+        </p:spPr>
+      </p:pic>
+      <p:pic>
+        <p:nvPicPr>
+          <p:cNvPr id="7" name="Picture 6">
+            <a:extLst>
+              <a:ext uri="{FF2B5EF4-FFF2-40B4-BE49-F238E27FC236}">
+                <a16:creationId xmlns:a16="http://schemas.microsoft.com/office/drawing/2014/main" id="{F732A356-EBE4-564C-77F1-601E03E35923}"/>
+              </a:ext>
+            </a:extLst>
+          </p:cNvPr>
+          <p:cNvPicPr>
+            <a:picLocks noChangeAspect="1"/>
+          </p:cNvPicPr>
+          <p:nvPr/>
+        </p:nvPicPr>
+        <p:blipFill>
+          <a:blip r:embed="rId3"/>
+          <a:stretch>
+            <a:fillRect/>
+          </a:stretch>
+        </p:blipFill>
+        <p:spPr>
+          <a:xfrm>
+            <a:off x="6571766" y="733890"/>
+            <a:ext cx="5296021" cy="2078979"/>
+          </a:xfrm>
+          <a:prstGeom prst="rect">
+            <a:avLst/>
+          </a:prstGeom>
+        </p:spPr>
+      </p:pic>
+      <p:pic>
+        <p:nvPicPr>
+          <p:cNvPr id="3" name="Graphic 2" descr="Checkbox Checked with solid fill">
+            <a:extLst>
+              <a:ext uri="{FF2B5EF4-FFF2-40B4-BE49-F238E27FC236}">
+                <a16:creationId xmlns:a16="http://schemas.microsoft.com/office/drawing/2014/main" id="{381CE9DD-A295-8B92-10C6-CE9050206B98}"/>
+              </a:ext>
+            </a:extLst>
+          </p:cNvPr>
+          <p:cNvPicPr>
+            <a:picLocks noChangeAspect="1"/>
+          </p:cNvPicPr>
+          <p:nvPr/>
+        </p:nvPicPr>
+        <p:blipFill>
+          <a:blip r:embed="rId4">
+            <a:extLst>
+              <a:ext uri="{28A0092B-C50C-407E-A947-70E740481C1C}">
+                <a14:useLocalDpi xmlns:a14="http://schemas.microsoft.com/office/drawing/2010/main" val="0"/>
+              </a:ext>
+              <a:ext uri="{96DAC541-7B7A-43D3-8B79-37D633B846F1}">
+                <asvg:svgBlip xmlns:asvg="http://schemas.microsoft.com/office/drawing/2016/SVG/main" r:embed="rId5"/>
+              </a:ext>
+            </a:extLst>
+          </a:blip>
+          <a:stretch>
+            <a:fillRect/>
+          </a:stretch>
+        </p:blipFill>
+        <p:spPr>
+          <a:xfrm>
+            <a:off x="886969" y="2102187"/>
+            <a:ext cx="319665" cy="319665"/>
+          </a:xfrm>
+          <a:prstGeom prst="rect">
+            <a:avLst/>
+          </a:prstGeom>
+        </p:spPr>
+      </p:pic>
+      <p:pic>
+        <p:nvPicPr>
+          <p:cNvPr id="4" name="Graphic 3" descr="Checkbox Checked with solid fill">
+            <a:extLst>
+              <a:ext uri="{FF2B5EF4-FFF2-40B4-BE49-F238E27FC236}">
+                <a16:creationId xmlns:a16="http://schemas.microsoft.com/office/drawing/2014/main" id="{D594745D-E419-8403-7783-5F1197E54E30}"/>
+              </a:ext>
+            </a:extLst>
+          </p:cNvPr>
+          <p:cNvPicPr>
+            <a:picLocks noChangeAspect="1"/>
+          </p:cNvPicPr>
+          <p:nvPr/>
+        </p:nvPicPr>
+        <p:blipFill>
+          <a:blip r:embed="rId4">
+            <a:extLst>
+              <a:ext uri="{28A0092B-C50C-407E-A947-70E740481C1C}">
+                <a14:useLocalDpi xmlns:a14="http://schemas.microsoft.com/office/drawing/2010/main" val="0"/>
+              </a:ext>
+              <a:ext uri="{96DAC541-7B7A-43D3-8B79-37D633B846F1}">
+                <asvg:svgBlip xmlns:asvg="http://schemas.microsoft.com/office/drawing/2016/SVG/main" r:embed="rId5"/>
+              </a:ext>
+            </a:extLst>
+          </a:blip>
+          <a:stretch>
+            <a:fillRect/>
+          </a:stretch>
+        </p:blipFill>
+        <p:spPr>
+          <a:xfrm>
+            <a:off x="877826" y="414225"/>
+            <a:ext cx="319665" cy="319665"/>
+          </a:xfrm>
+          <a:prstGeom prst="rect">
+            <a:avLst/>
+          </a:prstGeom>
+        </p:spPr>
+      </p:pic>
+      <p:pic>
+        <p:nvPicPr>
+          <p:cNvPr id="6" name="Graphic 5" descr="Checkbox Checked with solid fill">
+            <a:extLst>
+              <a:ext uri="{FF2B5EF4-FFF2-40B4-BE49-F238E27FC236}">
+                <a16:creationId xmlns:a16="http://schemas.microsoft.com/office/drawing/2014/main" id="{CB2E23FA-4128-4F01-8ED0-17F7D9D5C7CA}"/>
+              </a:ext>
+            </a:extLst>
+          </p:cNvPr>
+          <p:cNvPicPr>
+            <a:picLocks noChangeAspect="1"/>
+          </p:cNvPicPr>
+          <p:nvPr/>
+        </p:nvPicPr>
+        <p:blipFill>
+          <a:blip r:embed="rId4">
+            <a:extLst>
+              <a:ext uri="{28A0092B-C50C-407E-A947-70E740481C1C}">
+                <a14:useLocalDpi xmlns:a14="http://schemas.microsoft.com/office/drawing/2010/main" val="0"/>
+              </a:ext>
+              <a:ext uri="{96DAC541-7B7A-43D3-8B79-37D633B846F1}">
+                <asvg:svgBlip xmlns:asvg="http://schemas.microsoft.com/office/drawing/2016/SVG/main" r:embed="rId5"/>
+              </a:ext>
+            </a:extLst>
+          </a:blip>
+          <a:stretch>
+            <a:fillRect/>
+          </a:stretch>
+        </p:blipFill>
+        <p:spPr>
+          <a:xfrm>
+            <a:off x="877826" y="757312"/>
+            <a:ext cx="319665" cy="319665"/>
+          </a:xfrm>
+          <a:prstGeom prst="rect">
+            <a:avLst/>
+          </a:prstGeom>
+        </p:spPr>
+      </p:pic>
+      <p:pic>
+        <p:nvPicPr>
+          <p:cNvPr id="8" name="Graphic 7" descr="Checkbox Checked with solid fill">
+            <a:extLst>
+              <a:ext uri="{FF2B5EF4-FFF2-40B4-BE49-F238E27FC236}">
+                <a16:creationId xmlns:a16="http://schemas.microsoft.com/office/drawing/2014/main" id="{E63A4A2D-A4EB-EB22-DC9C-6DF0B6E90582}"/>
+              </a:ext>
+            </a:extLst>
+          </p:cNvPr>
+          <p:cNvPicPr>
+            <a:picLocks noChangeAspect="1"/>
+          </p:cNvPicPr>
+          <p:nvPr/>
+        </p:nvPicPr>
+        <p:blipFill>
+          <a:blip r:embed="rId4">
+            <a:extLst>
+              <a:ext uri="{28A0092B-C50C-407E-A947-70E740481C1C}">
+                <a14:useLocalDpi xmlns:a14="http://schemas.microsoft.com/office/drawing/2010/main" val="0"/>
+              </a:ext>
+              <a:ext uri="{96DAC541-7B7A-43D3-8B79-37D633B846F1}">
+                <asvg:svgBlip xmlns:asvg="http://schemas.microsoft.com/office/drawing/2016/SVG/main" r:embed="rId5"/>
+              </a:ext>
+            </a:extLst>
+          </a:blip>
+          <a:stretch>
+            <a:fillRect/>
+          </a:stretch>
+        </p:blipFill>
+        <p:spPr>
+          <a:xfrm>
+            <a:off x="886969" y="1764235"/>
+            <a:ext cx="319665" cy="319665"/>
+          </a:xfrm>
+          <a:prstGeom prst="rect">
+            <a:avLst/>
+          </a:prstGeom>
+        </p:spPr>
+      </p:pic>
+      <p:pic>
+        <p:nvPicPr>
+          <p:cNvPr id="9" name="Graphic 8" descr="Checkbox Checked with solid fill">
+            <a:extLst>
+              <a:ext uri="{FF2B5EF4-FFF2-40B4-BE49-F238E27FC236}">
+                <a16:creationId xmlns:a16="http://schemas.microsoft.com/office/drawing/2014/main" id="{ADBA8383-9868-65B0-FFC4-2077F804DF59}"/>
+              </a:ext>
+            </a:extLst>
+          </p:cNvPr>
+          <p:cNvPicPr>
+            <a:picLocks noChangeAspect="1"/>
+          </p:cNvPicPr>
+          <p:nvPr/>
+        </p:nvPicPr>
+        <p:blipFill>
+          <a:blip r:embed="rId4">
+            <a:extLst>
+              <a:ext uri="{28A0092B-C50C-407E-A947-70E740481C1C}">
+                <a14:useLocalDpi xmlns:a14="http://schemas.microsoft.com/office/drawing/2010/main" val="0"/>
+              </a:ext>
+              <a:ext uri="{96DAC541-7B7A-43D3-8B79-37D633B846F1}">
+                <asvg:svgBlip xmlns:asvg="http://schemas.microsoft.com/office/drawing/2016/SVG/main" r:embed="rId5"/>
+              </a:ext>
+            </a:extLst>
+          </a:blip>
+          <a:stretch>
+            <a:fillRect/>
+          </a:stretch>
+        </p:blipFill>
+        <p:spPr>
+          <a:xfrm>
+            <a:off x="883547" y="1942355"/>
+            <a:ext cx="319665" cy="319665"/>
+          </a:xfrm>
+          <a:prstGeom prst="rect">
+            <a:avLst/>
+          </a:prstGeom>
+        </p:spPr>
+      </p:pic>
+      <p:pic>
+        <p:nvPicPr>
+          <p:cNvPr id="2" name="Graphic 1" descr="Checkbox Checked with solid fill">
+            <a:extLst>
+              <a:ext uri="{FF2B5EF4-FFF2-40B4-BE49-F238E27FC236}">
+                <a16:creationId xmlns:a16="http://schemas.microsoft.com/office/drawing/2014/main" id="{E7ACF4C9-F75A-D2EF-588A-2ECA90657CA1}"/>
+              </a:ext>
+            </a:extLst>
+          </p:cNvPr>
+          <p:cNvPicPr>
+            <a:picLocks noChangeAspect="1"/>
+          </p:cNvPicPr>
+          <p:nvPr/>
+        </p:nvPicPr>
+        <p:blipFill>
+          <a:blip r:embed="rId4">
+            <a:extLst>
+              <a:ext uri="{28A0092B-C50C-407E-A947-70E740481C1C}">
+                <a14:useLocalDpi xmlns:a14="http://schemas.microsoft.com/office/drawing/2010/main" val="0"/>
+              </a:ext>
+              <a:ext uri="{96DAC541-7B7A-43D3-8B79-37D633B846F1}">
+                <asvg:svgBlip xmlns:asvg="http://schemas.microsoft.com/office/drawing/2016/SVG/main" r:embed="rId5"/>
+              </a:ext>
+            </a:extLst>
+          </a:blip>
+          <a:stretch>
+            <a:fillRect/>
+          </a:stretch>
+        </p:blipFill>
+        <p:spPr>
+          <a:xfrm>
+            <a:off x="886968" y="583087"/>
+            <a:ext cx="319665" cy="319665"/>
+          </a:xfrm>
+          <a:prstGeom prst="rect">
+            <a:avLst/>
+          </a:prstGeom>
+        </p:spPr>
+      </p:pic>
+      <p:pic>
+        <p:nvPicPr>
+          <p:cNvPr id="10" name="Graphic 9" descr="Checkbox Checked with solid fill">
+            <a:extLst>
+              <a:ext uri="{FF2B5EF4-FFF2-40B4-BE49-F238E27FC236}">
+                <a16:creationId xmlns:a16="http://schemas.microsoft.com/office/drawing/2014/main" id="{C8406A45-5016-8A66-CBA3-FCBDD76C85BC}"/>
+              </a:ext>
+            </a:extLst>
+          </p:cNvPr>
+          <p:cNvPicPr>
+            <a:picLocks noChangeAspect="1"/>
+          </p:cNvPicPr>
+          <p:nvPr/>
+        </p:nvPicPr>
+        <p:blipFill>
+          <a:blip r:embed="rId4">
+            <a:extLst>
+              <a:ext uri="{28A0092B-C50C-407E-A947-70E740481C1C}">
+                <a14:useLocalDpi xmlns:a14="http://schemas.microsoft.com/office/drawing/2010/main" val="0"/>
+              </a:ext>
+              <a:ext uri="{96DAC541-7B7A-43D3-8B79-37D633B846F1}">
+                <asvg:svgBlip xmlns:asvg="http://schemas.microsoft.com/office/drawing/2016/SVG/main" r:embed="rId5"/>
+              </a:ext>
+            </a:extLst>
+          </a:blip>
+          <a:stretch>
+            <a:fillRect/>
+          </a:stretch>
+        </p:blipFill>
+        <p:spPr>
+          <a:xfrm>
+            <a:off x="882353" y="1060960"/>
+            <a:ext cx="319665" cy="319665"/>
+          </a:xfrm>
+          <a:prstGeom prst="rect">
+            <a:avLst/>
+          </a:prstGeom>
+        </p:spPr>
+      </p:pic>
+      <p:pic>
+        <p:nvPicPr>
+          <p:cNvPr id="11" name="Graphic 10" descr="Checkbox Checked with solid fill">
+            <a:extLst>
+              <a:ext uri="{FF2B5EF4-FFF2-40B4-BE49-F238E27FC236}">
+                <a16:creationId xmlns:a16="http://schemas.microsoft.com/office/drawing/2014/main" id="{23ECFC77-413F-D5C8-EA9F-1470C5EA6DB5}"/>
+              </a:ext>
+            </a:extLst>
+          </p:cNvPr>
+          <p:cNvPicPr>
+            <a:picLocks noChangeAspect="1"/>
+          </p:cNvPicPr>
+          <p:nvPr/>
+        </p:nvPicPr>
+        <p:blipFill>
+          <a:blip r:embed="rId4">
+            <a:extLst>
+              <a:ext uri="{28A0092B-C50C-407E-A947-70E740481C1C}">
+                <a14:useLocalDpi xmlns:a14="http://schemas.microsoft.com/office/drawing/2010/main" val="0"/>
+              </a:ext>
+              <a:ext uri="{96DAC541-7B7A-43D3-8B79-37D633B846F1}">
+                <asvg:svgBlip xmlns:asvg="http://schemas.microsoft.com/office/drawing/2016/SVG/main" r:embed="rId5"/>
+              </a:ext>
+            </a:extLst>
+          </a:blip>
+          <a:stretch>
+            <a:fillRect/>
+          </a:stretch>
+        </p:blipFill>
+        <p:spPr>
+          <a:xfrm>
+            <a:off x="904885" y="1580799"/>
+            <a:ext cx="319665" cy="319665"/>
+          </a:xfrm>
+          <a:prstGeom prst="rect">
+            <a:avLst/>
+          </a:prstGeom>
+        </p:spPr>
+      </p:pic>
+      <p:pic>
+        <p:nvPicPr>
+          <p:cNvPr id="12" name="Graphic 11" descr="Checkbox Checked with solid fill">
+            <a:extLst>
+              <a:ext uri="{FF2B5EF4-FFF2-40B4-BE49-F238E27FC236}">
+                <a16:creationId xmlns:a16="http://schemas.microsoft.com/office/drawing/2014/main" id="{A1CE483E-219F-00A7-FEAB-28E9B2A4CEEC}"/>
+              </a:ext>
+            </a:extLst>
+          </p:cNvPr>
+          <p:cNvPicPr>
+            <a:picLocks noChangeAspect="1"/>
+          </p:cNvPicPr>
+          <p:nvPr/>
+        </p:nvPicPr>
+        <p:blipFill>
+          <a:blip r:embed="rId4">
+            <a:extLst>
+              <a:ext uri="{28A0092B-C50C-407E-A947-70E740481C1C}">
+                <a14:useLocalDpi xmlns:a14="http://schemas.microsoft.com/office/drawing/2010/main" val="0"/>
+              </a:ext>
+              <a:ext uri="{96DAC541-7B7A-43D3-8B79-37D633B846F1}">
+                <asvg:svgBlip xmlns:asvg="http://schemas.microsoft.com/office/drawing/2016/SVG/main" r:embed="rId5"/>
+              </a:ext>
+            </a:extLst>
+          </a:blip>
+          <a:stretch>
+            <a:fillRect/>
+          </a:stretch>
+        </p:blipFill>
+        <p:spPr>
+          <a:xfrm>
+            <a:off x="886591" y="2419319"/>
+            <a:ext cx="319665" cy="319665"/>
+          </a:xfrm>
+          <a:prstGeom prst="rect">
+            <a:avLst/>
+          </a:prstGeom>
+        </p:spPr>
+      </p:pic>
+      <p:pic>
+        <p:nvPicPr>
+          <p:cNvPr id="13" name="Graphic 12" descr="Checkbox Checked with solid fill">
+            <a:extLst>
+              <a:ext uri="{FF2B5EF4-FFF2-40B4-BE49-F238E27FC236}">
+                <a16:creationId xmlns:a16="http://schemas.microsoft.com/office/drawing/2014/main" id="{D71DC850-EA23-9A8B-2F90-93A642878274}"/>
+              </a:ext>
+            </a:extLst>
+          </p:cNvPr>
+          <p:cNvPicPr>
+            <a:picLocks noChangeAspect="1"/>
+          </p:cNvPicPr>
+          <p:nvPr/>
+        </p:nvPicPr>
+        <p:blipFill>
+          <a:blip r:embed="rId4">
+            <a:extLst>
+              <a:ext uri="{28A0092B-C50C-407E-A947-70E740481C1C}">
+                <a14:useLocalDpi xmlns:a14="http://schemas.microsoft.com/office/drawing/2010/main" val="0"/>
+              </a:ext>
+              <a:ext uri="{96DAC541-7B7A-43D3-8B79-37D633B846F1}">
+                <asvg:svgBlip xmlns:asvg="http://schemas.microsoft.com/office/drawing/2016/SVG/main" r:embed="rId5"/>
+              </a:ext>
+            </a:extLst>
+          </a:blip>
+          <a:stretch>
+            <a:fillRect/>
+          </a:stretch>
+        </p:blipFill>
+        <p:spPr>
+          <a:xfrm>
+            <a:off x="877449" y="2940424"/>
+            <a:ext cx="319665" cy="319665"/>
+          </a:xfrm>
+          <a:prstGeom prst="rect">
+            <a:avLst/>
+          </a:prstGeom>
+        </p:spPr>
+      </p:pic>
+      <p:pic>
+        <p:nvPicPr>
+          <p:cNvPr id="14" name="Graphic 13" descr="Checkbox Checked with solid fill">
+            <a:extLst>
+              <a:ext uri="{FF2B5EF4-FFF2-40B4-BE49-F238E27FC236}">
+                <a16:creationId xmlns:a16="http://schemas.microsoft.com/office/drawing/2014/main" id="{A5666D9E-B992-E5C0-3E6C-534C39EF1FD0}"/>
+              </a:ext>
+            </a:extLst>
+          </p:cNvPr>
+          <p:cNvPicPr>
+            <a:picLocks noChangeAspect="1"/>
+          </p:cNvPicPr>
+          <p:nvPr/>
+        </p:nvPicPr>
+        <p:blipFill>
+          <a:blip r:embed="rId4">
+            <a:extLst>
+              <a:ext uri="{28A0092B-C50C-407E-A947-70E740481C1C}">
+                <a14:useLocalDpi xmlns:a14="http://schemas.microsoft.com/office/drawing/2010/main" val="0"/>
+              </a:ext>
+              <a:ext uri="{96DAC541-7B7A-43D3-8B79-37D633B846F1}">
+                <asvg:svgBlip xmlns:asvg="http://schemas.microsoft.com/office/drawing/2016/SVG/main" r:embed="rId5"/>
+              </a:ext>
+            </a:extLst>
+          </a:blip>
+          <a:stretch>
+            <a:fillRect/>
+          </a:stretch>
+        </p:blipFill>
+        <p:spPr>
+          <a:xfrm>
+            <a:off x="885845" y="3247410"/>
+            <a:ext cx="319665" cy="319665"/>
+          </a:xfrm>
+          <a:prstGeom prst="rect">
+            <a:avLst/>
+          </a:prstGeom>
+        </p:spPr>
+      </p:pic>
+      <p:pic>
+        <p:nvPicPr>
+          <p:cNvPr id="23" name="Graphic 22" descr="Checkbox Checked with solid fill">
+            <a:extLst>
+              <a:ext uri="{FF2B5EF4-FFF2-40B4-BE49-F238E27FC236}">
+                <a16:creationId xmlns:a16="http://schemas.microsoft.com/office/drawing/2014/main" id="{8AF18C17-3DE2-0EBE-9590-0BA5C6D20D04}"/>
+              </a:ext>
+            </a:extLst>
+          </p:cNvPr>
+          <p:cNvPicPr>
+            <a:picLocks noChangeAspect="1"/>
+          </p:cNvPicPr>
+          <p:nvPr/>
+        </p:nvPicPr>
+        <p:blipFill>
+          <a:blip r:embed="rId4">
+            <a:extLst>
+              <a:ext uri="{28A0092B-C50C-407E-A947-70E740481C1C}">
+                <a14:useLocalDpi xmlns:a14="http://schemas.microsoft.com/office/drawing/2010/main" val="0"/>
+              </a:ext>
+              <a:ext uri="{96DAC541-7B7A-43D3-8B79-37D633B846F1}">
+                <asvg:svgBlip xmlns:asvg="http://schemas.microsoft.com/office/drawing/2016/SVG/main" r:embed="rId5"/>
+              </a:ext>
+            </a:extLst>
+          </a:blip>
+          <a:stretch>
+            <a:fillRect/>
+          </a:stretch>
+        </p:blipFill>
+        <p:spPr>
+          <a:xfrm>
+            <a:off x="877072" y="3740338"/>
+            <a:ext cx="319665" cy="319665"/>
+          </a:xfrm>
+          <a:prstGeom prst="rect">
+            <a:avLst/>
+          </a:prstGeom>
+        </p:spPr>
+      </p:pic>
+      <p:pic>
+        <p:nvPicPr>
+          <p:cNvPr id="24" name="Graphic 23" descr="Checkbox Checked with solid fill">
+            <a:extLst>
+              <a:ext uri="{FF2B5EF4-FFF2-40B4-BE49-F238E27FC236}">
+                <a16:creationId xmlns:a16="http://schemas.microsoft.com/office/drawing/2014/main" id="{13004C2F-E149-A616-6F2C-443AABA190FE}"/>
+              </a:ext>
+            </a:extLst>
+          </p:cNvPr>
+          <p:cNvPicPr>
+            <a:picLocks noChangeAspect="1"/>
+          </p:cNvPicPr>
+          <p:nvPr/>
+        </p:nvPicPr>
+        <p:blipFill>
+          <a:blip r:embed="rId4">
+            <a:extLst>
+              <a:ext uri="{28A0092B-C50C-407E-A947-70E740481C1C}">
+                <a14:useLocalDpi xmlns:a14="http://schemas.microsoft.com/office/drawing/2010/main" val="0"/>
+              </a:ext>
+              <a:ext uri="{96DAC541-7B7A-43D3-8B79-37D633B846F1}">
+                <asvg:svgBlip xmlns:asvg="http://schemas.microsoft.com/office/drawing/2016/SVG/main" r:embed="rId5"/>
+              </a:ext>
+            </a:extLst>
+          </a:blip>
+          <a:stretch>
+            <a:fillRect/>
+          </a:stretch>
+        </p:blipFill>
+        <p:spPr>
+          <a:xfrm>
+            <a:off x="883547" y="4233266"/>
+            <a:ext cx="319665" cy="319665"/>
+          </a:xfrm>
+          <a:prstGeom prst="rect">
+            <a:avLst/>
+          </a:prstGeom>
+        </p:spPr>
+      </p:pic>
+      <p:pic>
+        <p:nvPicPr>
+          <p:cNvPr id="15" name="Graphic 14" descr="Checkbox Checked with solid fill">
+            <a:extLst>
+              <a:ext uri="{FF2B5EF4-FFF2-40B4-BE49-F238E27FC236}">
+                <a16:creationId xmlns:a16="http://schemas.microsoft.com/office/drawing/2014/main" id="{6EEF53F9-8B03-A069-C4F7-02B07593F41E}"/>
+              </a:ext>
+            </a:extLst>
+          </p:cNvPr>
+          <p:cNvPicPr>
+            <a:picLocks noChangeAspect="1"/>
+          </p:cNvPicPr>
+          <p:nvPr/>
+        </p:nvPicPr>
+        <p:blipFill>
+          <a:blip r:embed="rId4">
+            <a:extLst>
+              <a:ext uri="{28A0092B-C50C-407E-A947-70E740481C1C}">
+                <a14:useLocalDpi xmlns:a14="http://schemas.microsoft.com/office/drawing/2010/main" val="0"/>
+              </a:ext>
+              <a:ext uri="{96DAC541-7B7A-43D3-8B79-37D633B846F1}">
+                <asvg:svgBlip xmlns:asvg="http://schemas.microsoft.com/office/drawing/2016/SVG/main" r:embed="rId5"/>
+              </a:ext>
+            </a:extLst>
+          </a:blip>
+          <a:stretch>
+            <a:fillRect/>
+          </a:stretch>
+        </p:blipFill>
+        <p:spPr>
+          <a:xfrm>
+            <a:off x="886969" y="5007412"/>
+            <a:ext cx="319665" cy="319665"/>
+          </a:xfrm>
+          <a:prstGeom prst="rect">
+            <a:avLst/>
+          </a:prstGeom>
+        </p:spPr>
+      </p:pic>
+      <p:pic>
+        <p:nvPicPr>
+          <p:cNvPr id="16" name="Graphic 15" descr="Checkbox Checked with solid fill">
+            <a:extLst>
+              <a:ext uri="{FF2B5EF4-FFF2-40B4-BE49-F238E27FC236}">
+                <a16:creationId xmlns:a16="http://schemas.microsoft.com/office/drawing/2014/main" id="{FD4CFA97-E1D4-2D54-DCDE-C343672E943F}"/>
+              </a:ext>
+            </a:extLst>
+          </p:cNvPr>
+          <p:cNvPicPr>
+            <a:picLocks noChangeAspect="1"/>
+          </p:cNvPicPr>
+          <p:nvPr/>
+        </p:nvPicPr>
+        <p:blipFill>
+          <a:blip r:embed="rId4">
+            <a:extLst>
+              <a:ext uri="{28A0092B-C50C-407E-A947-70E740481C1C}">
+                <a14:useLocalDpi xmlns:a14="http://schemas.microsoft.com/office/drawing/2010/main" val="0"/>
+              </a:ext>
+              <a:ext uri="{96DAC541-7B7A-43D3-8B79-37D633B846F1}">
+                <asvg:svgBlip xmlns:asvg="http://schemas.microsoft.com/office/drawing/2016/SVG/main" r:embed="rId5"/>
+              </a:ext>
+            </a:extLst>
+          </a:blip>
+          <a:stretch>
+            <a:fillRect/>
+          </a:stretch>
+        </p:blipFill>
+        <p:spPr>
+          <a:xfrm>
+            <a:off x="883547" y="5185532"/>
+            <a:ext cx="319665" cy="319665"/>
+          </a:xfrm>
+          <a:prstGeom prst="rect">
+            <a:avLst/>
+          </a:prstGeom>
+        </p:spPr>
+      </p:pic>
+      <p:pic>
+        <p:nvPicPr>
+          <p:cNvPr id="17" name="Graphic 16" descr="Checkbox Checked with solid fill">
+            <a:extLst>
+              <a:ext uri="{FF2B5EF4-FFF2-40B4-BE49-F238E27FC236}">
+                <a16:creationId xmlns:a16="http://schemas.microsoft.com/office/drawing/2014/main" id="{49F41CE0-5A77-E3D3-E41D-9E781619FB20}"/>
+              </a:ext>
+            </a:extLst>
+          </p:cNvPr>
+          <p:cNvPicPr>
+            <a:picLocks noChangeAspect="1"/>
+          </p:cNvPicPr>
+          <p:nvPr/>
+        </p:nvPicPr>
+        <p:blipFill>
+          <a:blip r:embed="rId4">
+            <a:extLst>
+              <a:ext uri="{28A0092B-C50C-407E-A947-70E740481C1C}">
+                <a14:useLocalDpi xmlns:a14="http://schemas.microsoft.com/office/drawing/2010/main" val="0"/>
+              </a:ext>
+              <a:ext uri="{96DAC541-7B7A-43D3-8B79-37D633B846F1}">
+                <asvg:svgBlip xmlns:asvg="http://schemas.microsoft.com/office/drawing/2016/SVG/main" r:embed="rId5"/>
+              </a:ext>
+            </a:extLst>
+          </a:blip>
+          <a:stretch>
+            <a:fillRect/>
+          </a:stretch>
+        </p:blipFill>
+        <p:spPr>
+          <a:xfrm>
+            <a:off x="904885" y="4823976"/>
+            <a:ext cx="319665" cy="319665"/>
+          </a:xfrm>
+          <a:prstGeom prst="rect">
+            <a:avLst/>
+          </a:prstGeom>
+        </p:spPr>
+      </p:pic>
+      <p:pic>
+        <p:nvPicPr>
+          <p:cNvPr id="18" name="Graphic 17" descr="Checkbox Checked with solid fill">
+            <a:extLst>
+              <a:ext uri="{FF2B5EF4-FFF2-40B4-BE49-F238E27FC236}">
+                <a16:creationId xmlns:a16="http://schemas.microsoft.com/office/drawing/2014/main" id="{C4E51BCE-A130-DB08-8C9C-23649477FA2B}"/>
+              </a:ext>
+            </a:extLst>
+          </p:cNvPr>
+          <p:cNvPicPr>
+            <a:picLocks noChangeAspect="1"/>
+          </p:cNvPicPr>
+          <p:nvPr/>
+        </p:nvPicPr>
+        <p:blipFill>
+          <a:blip r:embed="rId4">
+            <a:extLst>
+              <a:ext uri="{28A0092B-C50C-407E-A947-70E740481C1C}">
+                <a14:useLocalDpi xmlns:a14="http://schemas.microsoft.com/office/drawing/2010/main" val="0"/>
+              </a:ext>
+              <a:ext uri="{96DAC541-7B7A-43D3-8B79-37D633B846F1}">
+                <asvg:svgBlip xmlns:asvg="http://schemas.microsoft.com/office/drawing/2016/SVG/main" r:embed="rId5"/>
+              </a:ext>
+            </a:extLst>
+          </a:blip>
+          <a:stretch>
+            <a:fillRect/>
+          </a:stretch>
+        </p:blipFill>
+        <p:spPr>
+          <a:xfrm>
+            <a:off x="852639" y="5820643"/>
+            <a:ext cx="319665" cy="319665"/>
+          </a:xfrm>
+          <a:prstGeom prst="rect">
+            <a:avLst/>
+          </a:prstGeom>
+        </p:spPr>
+      </p:pic>
+      <p:pic>
+        <p:nvPicPr>
+          <p:cNvPr id="19" name="Graphic 18" descr="Checkbox Checked with solid fill">
+            <a:extLst>
+              <a:ext uri="{FF2B5EF4-FFF2-40B4-BE49-F238E27FC236}">
+                <a16:creationId xmlns:a16="http://schemas.microsoft.com/office/drawing/2014/main" id="{8836E40E-5C26-3544-A7CA-340145699D6A}"/>
+              </a:ext>
+            </a:extLst>
+          </p:cNvPr>
+          <p:cNvPicPr>
+            <a:picLocks noChangeAspect="1"/>
+          </p:cNvPicPr>
+          <p:nvPr/>
+        </p:nvPicPr>
+        <p:blipFill>
+          <a:blip r:embed="rId4">
+            <a:extLst>
+              <a:ext uri="{28A0092B-C50C-407E-A947-70E740481C1C}">
+                <a14:useLocalDpi xmlns:a14="http://schemas.microsoft.com/office/drawing/2010/main" val="0"/>
+              </a:ext>
+              <a:ext uri="{96DAC541-7B7A-43D3-8B79-37D633B846F1}">
+                <asvg:svgBlip xmlns:asvg="http://schemas.microsoft.com/office/drawing/2016/SVG/main" r:embed="rId5"/>
+              </a:ext>
+            </a:extLst>
+          </a:blip>
+          <a:stretch>
+            <a:fillRect/>
+          </a:stretch>
+        </p:blipFill>
+        <p:spPr>
+          <a:xfrm>
+            <a:off x="849217" y="5998763"/>
+            <a:ext cx="319665" cy="319665"/>
+          </a:xfrm>
+          <a:prstGeom prst="rect">
+            <a:avLst/>
+          </a:prstGeom>
+        </p:spPr>
+      </p:pic>
+      <p:pic>
+        <p:nvPicPr>
+          <p:cNvPr id="20" name="Graphic 19" descr="Checkbox Checked with solid fill">
+            <a:extLst>
+              <a:ext uri="{FF2B5EF4-FFF2-40B4-BE49-F238E27FC236}">
+                <a16:creationId xmlns:a16="http://schemas.microsoft.com/office/drawing/2014/main" id="{E23AFB16-C228-7A5E-B694-8BEA92CACF83}"/>
+              </a:ext>
+            </a:extLst>
+          </p:cNvPr>
+          <p:cNvPicPr>
+            <a:picLocks noChangeAspect="1"/>
+          </p:cNvPicPr>
+          <p:nvPr/>
+        </p:nvPicPr>
+        <p:blipFill>
+          <a:blip r:embed="rId4">
+            <a:extLst>
+              <a:ext uri="{28A0092B-C50C-407E-A947-70E740481C1C}">
+                <a14:useLocalDpi xmlns:a14="http://schemas.microsoft.com/office/drawing/2010/main" val="0"/>
+              </a:ext>
+              <a:ext uri="{96DAC541-7B7A-43D3-8B79-37D633B846F1}">
+                <asvg:svgBlip xmlns:asvg="http://schemas.microsoft.com/office/drawing/2016/SVG/main" r:embed="rId5"/>
+              </a:ext>
+            </a:extLst>
+          </a:blip>
+          <a:stretch>
+            <a:fillRect/>
+          </a:stretch>
+        </p:blipFill>
+        <p:spPr>
+          <a:xfrm>
+            <a:off x="877072" y="5537066"/>
+            <a:ext cx="319665" cy="319665"/>
+          </a:xfrm>
+          <a:prstGeom prst="rect">
+            <a:avLst/>
+          </a:prstGeom>
+        </p:spPr>
+      </p:pic>
+      <p:pic>
+        <p:nvPicPr>
+          <p:cNvPr id="21" name="Graphic 20" descr="Checkbox Checked with solid fill">
+            <a:extLst>
+              <a:ext uri="{FF2B5EF4-FFF2-40B4-BE49-F238E27FC236}">
+                <a16:creationId xmlns:a16="http://schemas.microsoft.com/office/drawing/2014/main" id="{C601F9EE-2CAB-67E2-0443-656ECCB58751}"/>
+              </a:ext>
+            </a:extLst>
+          </p:cNvPr>
+          <p:cNvPicPr>
+            <a:picLocks noChangeAspect="1"/>
+          </p:cNvPicPr>
+          <p:nvPr/>
+        </p:nvPicPr>
+        <p:blipFill>
+          <a:blip r:embed="rId4">
+            <a:extLst>
+              <a:ext uri="{28A0092B-C50C-407E-A947-70E740481C1C}">
+                <a14:useLocalDpi xmlns:a14="http://schemas.microsoft.com/office/drawing/2010/main" val="0"/>
+              </a:ext>
+              <a:ext uri="{96DAC541-7B7A-43D3-8B79-37D633B846F1}">
+                <asvg:svgBlip xmlns:asvg="http://schemas.microsoft.com/office/drawing/2016/SVG/main" r:embed="rId5"/>
+              </a:ext>
+            </a:extLst>
+          </a:blip>
+          <a:stretch>
+            <a:fillRect/>
+          </a:stretch>
+        </p:blipFill>
+        <p:spPr>
+          <a:xfrm>
+            <a:off x="6360491" y="882840"/>
+            <a:ext cx="319665" cy="319665"/>
+          </a:xfrm>
+          <a:prstGeom prst="rect">
+            <a:avLst/>
+          </a:prstGeom>
+        </p:spPr>
+      </p:pic>
+      <p:pic>
+        <p:nvPicPr>
+          <p:cNvPr id="22" name="Graphic 21" descr="Checkbox Checked with solid fill">
+            <a:extLst>
+              <a:ext uri="{FF2B5EF4-FFF2-40B4-BE49-F238E27FC236}">
+                <a16:creationId xmlns:a16="http://schemas.microsoft.com/office/drawing/2014/main" id="{F747DE8E-C1B8-075F-8212-C8D3150E8165}"/>
+              </a:ext>
+            </a:extLst>
+          </p:cNvPr>
+          <p:cNvPicPr>
+            <a:picLocks noChangeAspect="1"/>
+          </p:cNvPicPr>
+          <p:nvPr/>
+        </p:nvPicPr>
+        <p:blipFill>
+          <a:blip r:embed="rId4">
+            <a:extLst>
+              <a:ext uri="{28A0092B-C50C-407E-A947-70E740481C1C}">
+                <a14:useLocalDpi xmlns:a14="http://schemas.microsoft.com/office/drawing/2010/main" val="0"/>
+              </a:ext>
+              <a:ext uri="{96DAC541-7B7A-43D3-8B79-37D633B846F1}">
+                <asvg:svgBlip xmlns:asvg="http://schemas.microsoft.com/office/drawing/2016/SVG/main" r:embed="rId5"/>
+              </a:ext>
+            </a:extLst>
+          </a:blip>
+          <a:stretch>
+            <a:fillRect/>
+          </a:stretch>
+        </p:blipFill>
+        <p:spPr>
+          <a:xfrm>
+            <a:off x="6357069" y="1191622"/>
+            <a:ext cx="319665" cy="319665"/>
+          </a:xfrm>
+          <a:prstGeom prst="rect">
+            <a:avLst/>
+          </a:prstGeom>
+        </p:spPr>
+      </p:pic>
+      <p:pic>
+        <p:nvPicPr>
+          <p:cNvPr id="25" name="Graphic 24" descr="Checkbox Checked with solid fill">
+            <a:extLst>
+              <a:ext uri="{FF2B5EF4-FFF2-40B4-BE49-F238E27FC236}">
+                <a16:creationId xmlns:a16="http://schemas.microsoft.com/office/drawing/2014/main" id="{2DA9008F-E779-9B61-1B03-97DBDF3CE086}"/>
+              </a:ext>
+            </a:extLst>
+          </p:cNvPr>
+          <p:cNvPicPr>
+            <a:picLocks noChangeAspect="1"/>
+          </p:cNvPicPr>
+          <p:nvPr/>
+        </p:nvPicPr>
+        <p:blipFill>
+          <a:blip r:embed="rId4">
+            <a:extLst>
+              <a:ext uri="{28A0092B-C50C-407E-A947-70E740481C1C}">
+                <a14:useLocalDpi xmlns:a14="http://schemas.microsoft.com/office/drawing/2010/main" val="0"/>
+              </a:ext>
+              <a:ext uri="{96DAC541-7B7A-43D3-8B79-37D633B846F1}">
+                <asvg:svgBlip xmlns:asvg="http://schemas.microsoft.com/office/drawing/2016/SVG/main" r:embed="rId5"/>
+              </a:ext>
+            </a:extLst>
+          </a:blip>
+          <a:stretch>
+            <a:fillRect/>
+          </a:stretch>
+        </p:blipFill>
+        <p:spPr>
+          <a:xfrm>
+            <a:off x="6378407" y="699404"/>
+            <a:ext cx="319665" cy="319665"/>
+          </a:xfrm>
+          <a:prstGeom prst="rect">
+            <a:avLst/>
+          </a:prstGeom>
+        </p:spPr>
+      </p:pic>
+      <p:pic>
+        <p:nvPicPr>
+          <p:cNvPr id="43" name="Graphic 42" descr="Checkbox Checked with solid fill">
+            <a:extLst>
+              <a:ext uri="{FF2B5EF4-FFF2-40B4-BE49-F238E27FC236}">
+                <a16:creationId xmlns:a16="http://schemas.microsoft.com/office/drawing/2014/main" id="{B875AB40-5347-8046-2226-683973B99ED6}"/>
+              </a:ext>
+            </a:extLst>
+          </p:cNvPr>
+          <p:cNvPicPr>
+            <a:picLocks noChangeAspect="1"/>
+          </p:cNvPicPr>
+          <p:nvPr/>
+        </p:nvPicPr>
+        <p:blipFill>
+          <a:blip r:embed="rId4">
+            <a:extLst>
+              <a:ext uri="{28A0092B-C50C-407E-A947-70E740481C1C}">
+                <a14:useLocalDpi xmlns:a14="http://schemas.microsoft.com/office/drawing/2010/main" val="0"/>
+              </a:ext>
+              <a:ext uri="{96DAC541-7B7A-43D3-8B79-37D633B846F1}">
+                <asvg:svgBlip xmlns:asvg="http://schemas.microsoft.com/office/drawing/2016/SVG/main" r:embed="rId5"/>
+              </a:ext>
+            </a:extLst>
+          </a:blip>
+          <a:stretch>
+            <a:fillRect/>
+          </a:stretch>
+        </p:blipFill>
+        <p:spPr>
+          <a:xfrm>
+            <a:off x="6355412" y="1958553"/>
+            <a:ext cx="319665" cy="319665"/>
+          </a:xfrm>
+          <a:prstGeom prst="rect">
+            <a:avLst/>
+          </a:prstGeom>
+        </p:spPr>
+      </p:pic>
+      <p:pic>
+        <p:nvPicPr>
+          <p:cNvPr id="44" name="Graphic 43" descr="Checkbox Checked with solid fill">
+            <a:extLst>
+              <a:ext uri="{FF2B5EF4-FFF2-40B4-BE49-F238E27FC236}">
+                <a16:creationId xmlns:a16="http://schemas.microsoft.com/office/drawing/2014/main" id="{9F36E105-33F6-F085-D8B0-7533C97BF169}"/>
+              </a:ext>
+            </a:extLst>
+          </p:cNvPr>
+          <p:cNvPicPr>
+            <a:picLocks noChangeAspect="1"/>
+          </p:cNvPicPr>
+          <p:nvPr/>
+        </p:nvPicPr>
+        <p:blipFill>
+          <a:blip r:embed="rId4">
+            <a:extLst>
+              <a:ext uri="{28A0092B-C50C-407E-A947-70E740481C1C}">
+                <a14:useLocalDpi xmlns:a14="http://schemas.microsoft.com/office/drawing/2010/main" val="0"/>
+              </a:ext>
+              <a:ext uri="{96DAC541-7B7A-43D3-8B79-37D633B846F1}">
+                <asvg:svgBlip xmlns:asvg="http://schemas.microsoft.com/office/drawing/2016/SVG/main" r:embed="rId5"/>
+              </a:ext>
+            </a:extLst>
+          </a:blip>
+          <a:stretch>
+            <a:fillRect/>
+          </a:stretch>
+        </p:blipFill>
+        <p:spPr>
+          <a:xfrm>
+            <a:off x="6353054" y="2166131"/>
+            <a:ext cx="319665" cy="319665"/>
+          </a:xfrm>
+          <a:prstGeom prst="rect">
+            <a:avLst/>
+          </a:prstGeom>
+        </p:spPr>
+      </p:pic>
+      <p:pic>
+        <p:nvPicPr>
+          <p:cNvPr id="45" name="Graphic 44" descr="Checkbox Checked with solid fill">
+            <a:extLst>
+              <a:ext uri="{FF2B5EF4-FFF2-40B4-BE49-F238E27FC236}">
+                <a16:creationId xmlns:a16="http://schemas.microsoft.com/office/drawing/2014/main" id="{3FA3A9EB-FF13-2C88-6E3A-791DE7A1306A}"/>
+              </a:ext>
+            </a:extLst>
+          </p:cNvPr>
+          <p:cNvPicPr>
+            <a:picLocks noChangeAspect="1"/>
+          </p:cNvPicPr>
+          <p:nvPr/>
+        </p:nvPicPr>
+        <p:blipFill>
+          <a:blip r:embed="rId4">
+            <a:extLst>
+              <a:ext uri="{28A0092B-C50C-407E-A947-70E740481C1C}">
+                <a14:useLocalDpi xmlns:a14="http://schemas.microsoft.com/office/drawing/2010/main" val="0"/>
+              </a:ext>
+              <a:ext uri="{96DAC541-7B7A-43D3-8B79-37D633B846F1}">
+                <asvg:svgBlip xmlns:asvg="http://schemas.microsoft.com/office/drawing/2016/SVG/main" r:embed="rId5"/>
+              </a:ext>
+            </a:extLst>
+          </a:blip>
+          <a:stretch>
+            <a:fillRect/>
+          </a:stretch>
+        </p:blipFill>
+        <p:spPr>
+          <a:xfrm>
+            <a:off x="6332628" y="1604402"/>
+            <a:ext cx="319665" cy="319665"/>
+          </a:xfrm>
+          <a:prstGeom prst="rect">
+            <a:avLst/>
+          </a:prstGeom>
+        </p:spPr>
+      </p:pic>
+      <p:pic>
+        <p:nvPicPr>
+          <p:cNvPr id="46" name="Graphic 45" descr="Checkbox Checked with solid fill">
+            <a:extLst>
+              <a:ext uri="{FF2B5EF4-FFF2-40B4-BE49-F238E27FC236}">
+                <a16:creationId xmlns:a16="http://schemas.microsoft.com/office/drawing/2014/main" id="{21A4B155-20D4-179E-E31F-D1914CACDE2F}"/>
+              </a:ext>
+            </a:extLst>
+          </p:cNvPr>
+          <p:cNvPicPr>
+            <a:picLocks noChangeAspect="1"/>
+          </p:cNvPicPr>
+          <p:nvPr/>
+        </p:nvPicPr>
+        <p:blipFill>
+          <a:blip r:embed="rId4">
+            <a:extLst>
+              <a:ext uri="{28A0092B-C50C-407E-A947-70E740481C1C}">
+                <a14:useLocalDpi xmlns:a14="http://schemas.microsoft.com/office/drawing/2010/main" val="0"/>
+              </a:ext>
+              <a:ext uri="{96DAC541-7B7A-43D3-8B79-37D633B846F1}">
+                <asvg:svgBlip xmlns:asvg="http://schemas.microsoft.com/office/drawing/2016/SVG/main" r:embed="rId5"/>
+              </a:ext>
+            </a:extLst>
+          </a:blip>
+          <a:stretch>
+            <a:fillRect/>
+          </a:stretch>
+        </p:blipFill>
+        <p:spPr>
+          <a:xfrm>
+            <a:off x="6363812" y="2491478"/>
+            <a:ext cx="319665" cy="319665"/>
+          </a:xfrm>
+          <a:prstGeom prst="rect">
+            <a:avLst/>
+          </a:prstGeom>
+        </p:spPr>
+      </p:pic>
+      <p:sp>
+        <p:nvSpPr>
+          <p:cNvPr id="47" name="TextBox 46">
+            <a:extLst>
+              <a:ext uri="{FF2B5EF4-FFF2-40B4-BE49-F238E27FC236}">
+                <a16:creationId xmlns:a16="http://schemas.microsoft.com/office/drawing/2014/main" id="{06008164-73CC-E6F5-6D80-A2405531130F}"/>
+              </a:ext>
+            </a:extLst>
+          </p:cNvPr>
+          <p:cNvSpPr txBox="1"/>
+          <p:nvPr/>
+        </p:nvSpPr>
+        <p:spPr>
+          <a:xfrm>
+            <a:off x="7662215" y="5015775"/>
+            <a:ext cx="3624900" cy="461665"/>
+          </a:xfrm>
+          <a:prstGeom prst="rect">
+            <a:avLst/>
+          </a:prstGeom>
+          <a:noFill/>
+        </p:spPr>
+        <p:txBody>
+          <a:bodyPr wrap="square" rtlCol="0">
+            <a:spAutoFit/>
+          </a:bodyPr>
+          <a:lstStyle/>
+          <a:p>
+            <a:r>
+              <a:rPr lang="en-US" sz="2400" dirty="0">
+                <a:solidFill>
+                  <a:srgbClr val="FF0000"/>
+                </a:solidFill>
+              </a:rPr>
+              <a:t>Thank You For Watching</a:t>
+            </a:r>
+            <a:endParaRPr lang="en-CA" sz="2400" dirty="0">
+              <a:solidFill>
+                <a:srgbClr val="FF0000"/>
+              </a:solidFill>
+            </a:endParaRPr>
+          </a:p>
+        </p:txBody>
+      </p:sp>
+    </p:spTree>
+    <p:extLst>
+      <p:ext uri="{BB962C8B-B14F-4D97-AF65-F5344CB8AC3E}">
+        <p14:creationId xmlns:p14="http://schemas.microsoft.com/office/powerpoint/2010/main" val="857822917"/>
       </p:ext>
     </p:extLst>
   </p:cSld>

--- a/documents/Assignment3_Demo.pptx
+++ b/documents/Assignment3_Demo.pptx
@@ -5,16 +5,11 @@
     <p:sldMasterId id="2147483648" r:id="rId1"/>
   </p:sldMasterIdLst>
   <p:notesMasterIdLst>
-    <p:notesMasterId r:id="rId9"/>
+    <p:notesMasterId r:id="rId4"/>
   </p:notesMasterIdLst>
   <p:sldIdLst>
     <p:sldId id="256" r:id="rId2"/>
     <p:sldId id="257" r:id="rId3"/>
-    <p:sldId id="258" r:id="rId4"/>
-    <p:sldId id="259" r:id="rId5"/>
-    <p:sldId id="260" r:id="rId6"/>
-    <p:sldId id="261" r:id="rId7"/>
-    <p:sldId id="262" r:id="rId8"/>
   </p:sldIdLst>
   <p:sldSz cx="12192000" cy="6858000"/>
   <p:notesSz cx="6858000" cy="9144000"/>
@@ -4021,3957 +4016,6 @@
     <p:extLst>
       <p:ext uri="{BB962C8B-B14F-4D97-AF65-F5344CB8AC3E}">
         <p14:creationId xmlns:p14="http://schemas.microsoft.com/office/powerpoint/2010/main" val="2699618168"/>
-      </p:ext>
-    </p:extLst>
-  </p:cSld>
-  <p:clrMapOvr>
-    <a:masterClrMapping/>
-  </p:clrMapOvr>
-</p:sld>
-</file>
-
-<file path=ppt/slides/slide3.xml><?xml version="1.0" encoding="utf-8"?>
-<p:sld xmlns:a="http://schemas.openxmlformats.org/drawingml/2006/main" xmlns:r="http://schemas.openxmlformats.org/officeDocument/2006/relationships" xmlns:p="http://schemas.openxmlformats.org/presentationml/2006/main">
-  <p:cSld>
-    <p:spTree>
-      <p:nvGrpSpPr>
-        <p:cNvPr id="1" name=""/>
-        <p:cNvGrpSpPr/>
-        <p:nvPr/>
-      </p:nvGrpSpPr>
-      <p:grpSpPr>
-        <a:xfrm>
-          <a:off x="0" y="0"/>
-          <a:ext cx="0" cy="0"/>
-          <a:chOff x="0" y="0"/>
-          <a:chExt cx="0" cy="0"/>
-        </a:xfrm>
-      </p:grpSpPr>
-      <p:pic>
-        <p:nvPicPr>
-          <p:cNvPr id="5" name="Picture 4">
-            <a:extLst>
-              <a:ext uri="{FF2B5EF4-FFF2-40B4-BE49-F238E27FC236}">
-                <a16:creationId xmlns:a16="http://schemas.microsoft.com/office/drawing/2014/main" id="{FCA5AFC2-75CA-543C-4167-342FAF019F37}"/>
-              </a:ext>
-            </a:extLst>
-          </p:cNvPr>
-          <p:cNvPicPr>
-            <a:picLocks noChangeAspect="1"/>
-          </p:cNvPicPr>
-          <p:nvPr/>
-        </p:nvPicPr>
-        <p:blipFill>
-          <a:blip r:embed="rId2"/>
-          <a:stretch>
-            <a:fillRect/>
-          </a:stretch>
-        </p:blipFill>
-        <p:spPr>
-          <a:xfrm>
-            <a:off x="670561" y="115582"/>
-            <a:ext cx="5425439" cy="6408130"/>
-          </a:xfrm>
-          <a:prstGeom prst="rect">
-            <a:avLst/>
-          </a:prstGeom>
-        </p:spPr>
-      </p:pic>
-      <p:pic>
-        <p:nvPicPr>
-          <p:cNvPr id="7" name="Picture 6">
-            <a:extLst>
-              <a:ext uri="{FF2B5EF4-FFF2-40B4-BE49-F238E27FC236}">
-                <a16:creationId xmlns:a16="http://schemas.microsoft.com/office/drawing/2014/main" id="{F732A356-EBE4-564C-77F1-601E03E35923}"/>
-              </a:ext>
-            </a:extLst>
-          </p:cNvPr>
-          <p:cNvPicPr>
-            <a:picLocks noChangeAspect="1"/>
-          </p:cNvPicPr>
-          <p:nvPr/>
-        </p:nvPicPr>
-        <p:blipFill>
-          <a:blip r:embed="rId3"/>
-          <a:stretch>
-            <a:fillRect/>
-          </a:stretch>
-        </p:blipFill>
-        <p:spPr>
-          <a:xfrm>
-            <a:off x="6571766" y="733890"/>
-            <a:ext cx="5296021" cy="2078979"/>
-          </a:xfrm>
-          <a:prstGeom prst="rect">
-            <a:avLst/>
-          </a:prstGeom>
-        </p:spPr>
-      </p:pic>
-      <p:sp>
-        <p:nvSpPr>
-          <p:cNvPr id="10" name="Arrow: Right 9">
-            <a:extLst>
-              <a:ext uri="{FF2B5EF4-FFF2-40B4-BE49-F238E27FC236}">
-                <a16:creationId xmlns:a16="http://schemas.microsoft.com/office/drawing/2014/main" id="{905F5425-2C1E-17B1-AF52-4E960D6EAAD9}"/>
-              </a:ext>
-            </a:extLst>
-          </p:cNvPr>
-          <p:cNvSpPr/>
-          <p:nvPr/>
-        </p:nvSpPr>
-        <p:spPr>
-          <a:xfrm>
-            <a:off x="404950" y="492035"/>
-            <a:ext cx="722812" cy="174171"/>
-          </a:xfrm>
-          <a:prstGeom prst="rightArrow">
-            <a:avLst/>
-          </a:prstGeom>
-        </p:spPr>
-        <p:style>
-          <a:lnRef idx="0">
-            <a:schemeClr val="accent2"/>
-          </a:lnRef>
-          <a:fillRef idx="3">
-            <a:schemeClr val="accent2"/>
-          </a:fillRef>
-          <a:effectRef idx="3">
-            <a:schemeClr val="accent2"/>
-          </a:effectRef>
-          <a:fontRef idx="minor">
-            <a:schemeClr val="lt1"/>
-          </a:fontRef>
-        </p:style>
-        <p:txBody>
-          <a:bodyPr rtlCol="0" anchor="ctr"/>
-          <a:lstStyle/>
-          <a:p>
-            <a:pPr algn="ctr"/>
-            <a:endParaRPr lang="en-CA"/>
-          </a:p>
-        </p:txBody>
-      </p:sp>
-      <p:sp>
-        <p:nvSpPr>
-          <p:cNvPr id="11" name="Arrow: Right 10">
-            <a:extLst>
-              <a:ext uri="{FF2B5EF4-FFF2-40B4-BE49-F238E27FC236}">
-                <a16:creationId xmlns:a16="http://schemas.microsoft.com/office/drawing/2014/main" id="{98EC68BF-18DA-A512-114A-6754EFE107D8}"/>
-              </a:ext>
-            </a:extLst>
-          </p:cNvPr>
-          <p:cNvSpPr/>
-          <p:nvPr/>
-        </p:nvSpPr>
-        <p:spPr>
-          <a:xfrm>
-            <a:off x="411298" y="833652"/>
-            <a:ext cx="722812" cy="174171"/>
-          </a:xfrm>
-          <a:prstGeom prst="rightArrow">
-            <a:avLst/>
-          </a:prstGeom>
-        </p:spPr>
-        <p:style>
-          <a:lnRef idx="0">
-            <a:schemeClr val="accent2"/>
-          </a:lnRef>
-          <a:fillRef idx="3">
-            <a:schemeClr val="accent2"/>
-          </a:fillRef>
-          <a:effectRef idx="3">
-            <a:schemeClr val="accent2"/>
-          </a:effectRef>
-          <a:fontRef idx="minor">
-            <a:schemeClr val="lt1"/>
-          </a:fontRef>
-        </p:style>
-        <p:txBody>
-          <a:bodyPr rtlCol="0" anchor="ctr"/>
-          <a:lstStyle/>
-          <a:p>
-            <a:pPr algn="ctr"/>
-            <a:endParaRPr lang="en-CA"/>
-          </a:p>
-        </p:txBody>
-      </p:sp>
-      <p:sp>
-        <p:nvSpPr>
-          <p:cNvPr id="12" name="Arrow: Right 11">
-            <a:extLst>
-              <a:ext uri="{FF2B5EF4-FFF2-40B4-BE49-F238E27FC236}">
-                <a16:creationId xmlns:a16="http://schemas.microsoft.com/office/drawing/2014/main" id="{A60E3670-BB00-B5D5-1D90-4581B30116ED}"/>
-              </a:ext>
-            </a:extLst>
-          </p:cNvPr>
-          <p:cNvSpPr/>
-          <p:nvPr/>
-        </p:nvSpPr>
-        <p:spPr>
-          <a:xfrm>
-            <a:off x="404950" y="1816924"/>
-            <a:ext cx="722812" cy="174171"/>
-          </a:xfrm>
-          <a:prstGeom prst="rightArrow">
-            <a:avLst/>
-          </a:prstGeom>
-        </p:spPr>
-        <p:style>
-          <a:lnRef idx="0">
-            <a:schemeClr val="accent2"/>
-          </a:lnRef>
-          <a:fillRef idx="3">
-            <a:schemeClr val="accent2"/>
-          </a:fillRef>
-          <a:effectRef idx="3">
-            <a:schemeClr val="accent2"/>
-          </a:effectRef>
-          <a:fontRef idx="minor">
-            <a:schemeClr val="lt1"/>
-          </a:fontRef>
-        </p:style>
-        <p:txBody>
-          <a:bodyPr rtlCol="0" anchor="ctr"/>
-          <a:lstStyle/>
-          <a:p>
-            <a:pPr algn="ctr"/>
-            <a:endParaRPr lang="en-CA"/>
-          </a:p>
-        </p:txBody>
-      </p:sp>
-      <p:sp>
-        <p:nvSpPr>
-          <p:cNvPr id="13" name="Arrow: Right 12">
-            <a:extLst>
-              <a:ext uri="{FF2B5EF4-FFF2-40B4-BE49-F238E27FC236}">
-                <a16:creationId xmlns:a16="http://schemas.microsoft.com/office/drawing/2014/main" id="{CFDA1F8C-9BB3-1CF9-A807-2C5E44837298}"/>
-              </a:ext>
-            </a:extLst>
-          </p:cNvPr>
-          <p:cNvSpPr/>
-          <p:nvPr/>
-        </p:nvSpPr>
-        <p:spPr>
-          <a:xfrm>
-            <a:off x="404950" y="1984370"/>
-            <a:ext cx="722812" cy="174171"/>
-          </a:xfrm>
-          <a:prstGeom prst="rightArrow">
-            <a:avLst/>
-          </a:prstGeom>
-        </p:spPr>
-        <p:style>
-          <a:lnRef idx="0">
-            <a:schemeClr val="accent2"/>
-          </a:lnRef>
-          <a:fillRef idx="3">
-            <a:schemeClr val="accent2"/>
-          </a:fillRef>
-          <a:effectRef idx="3">
-            <a:schemeClr val="accent2"/>
-          </a:effectRef>
-          <a:fontRef idx="minor">
-            <a:schemeClr val="lt1"/>
-          </a:fontRef>
-        </p:style>
-        <p:txBody>
-          <a:bodyPr rtlCol="0" anchor="ctr"/>
-          <a:lstStyle/>
-          <a:p>
-            <a:pPr algn="ctr"/>
-            <a:endParaRPr lang="en-CA"/>
-          </a:p>
-        </p:txBody>
-      </p:sp>
-      <p:sp>
-        <p:nvSpPr>
-          <p:cNvPr id="14" name="Arrow: Right 13">
-            <a:extLst>
-              <a:ext uri="{FF2B5EF4-FFF2-40B4-BE49-F238E27FC236}">
-                <a16:creationId xmlns:a16="http://schemas.microsoft.com/office/drawing/2014/main" id="{D69FA342-30CD-3591-D118-69BF8A558952}"/>
-              </a:ext>
-            </a:extLst>
-          </p:cNvPr>
-          <p:cNvSpPr/>
-          <p:nvPr/>
-        </p:nvSpPr>
-        <p:spPr>
-          <a:xfrm>
-            <a:off x="404950" y="2158541"/>
-            <a:ext cx="722812" cy="174171"/>
-          </a:xfrm>
-          <a:prstGeom prst="rightArrow">
-            <a:avLst/>
-          </a:prstGeom>
-        </p:spPr>
-        <p:style>
-          <a:lnRef idx="0">
-            <a:schemeClr val="accent2"/>
-          </a:lnRef>
-          <a:fillRef idx="3">
-            <a:schemeClr val="accent2"/>
-          </a:fillRef>
-          <a:effectRef idx="3">
-            <a:schemeClr val="accent2"/>
-          </a:effectRef>
-          <a:fontRef idx="minor">
-            <a:schemeClr val="lt1"/>
-          </a:fontRef>
-        </p:style>
-        <p:txBody>
-          <a:bodyPr rtlCol="0" anchor="ctr"/>
-          <a:lstStyle/>
-          <a:p>
-            <a:pPr algn="ctr"/>
-            <a:endParaRPr lang="en-CA"/>
-          </a:p>
-        </p:txBody>
-      </p:sp>
-    </p:spTree>
-    <p:extLst>
-      <p:ext uri="{BB962C8B-B14F-4D97-AF65-F5344CB8AC3E}">
-        <p14:creationId xmlns:p14="http://schemas.microsoft.com/office/powerpoint/2010/main" val="110571273"/>
-      </p:ext>
-    </p:extLst>
-  </p:cSld>
-  <p:clrMapOvr>
-    <a:masterClrMapping/>
-  </p:clrMapOvr>
-</p:sld>
-</file>
-
-<file path=ppt/slides/slide4.xml><?xml version="1.0" encoding="utf-8"?>
-<p:sld xmlns:a="http://schemas.openxmlformats.org/drawingml/2006/main" xmlns:r="http://schemas.openxmlformats.org/officeDocument/2006/relationships" xmlns:p="http://schemas.openxmlformats.org/presentationml/2006/main">
-  <p:cSld>
-    <p:spTree>
-      <p:nvGrpSpPr>
-        <p:cNvPr id="1" name=""/>
-        <p:cNvGrpSpPr/>
-        <p:nvPr/>
-      </p:nvGrpSpPr>
-      <p:grpSpPr>
-        <a:xfrm>
-          <a:off x="0" y="0"/>
-          <a:ext cx="0" cy="0"/>
-          <a:chOff x="0" y="0"/>
-          <a:chExt cx="0" cy="0"/>
-        </a:xfrm>
-      </p:grpSpPr>
-      <p:pic>
-        <p:nvPicPr>
-          <p:cNvPr id="5" name="Graphic 4" descr="User with solid fill">
-            <a:extLst>
-              <a:ext uri="{FF2B5EF4-FFF2-40B4-BE49-F238E27FC236}">
-                <a16:creationId xmlns:a16="http://schemas.microsoft.com/office/drawing/2014/main" id="{70E214F3-578E-0F09-0049-90F1C28F767B}"/>
-              </a:ext>
-            </a:extLst>
-          </p:cNvPr>
-          <p:cNvPicPr>
-            <a:picLocks noChangeAspect="1"/>
-          </p:cNvPicPr>
-          <p:nvPr/>
-        </p:nvPicPr>
-        <p:blipFill>
-          <a:blip r:embed="rId2">
-            <a:extLst>
-              <a:ext uri="{28A0092B-C50C-407E-A947-70E740481C1C}">
-                <a14:useLocalDpi xmlns:a14="http://schemas.microsoft.com/office/drawing/2010/main" val="0"/>
-              </a:ext>
-              <a:ext uri="{96DAC541-7B7A-43D3-8B79-37D633B846F1}">
-                <asvg:svgBlip xmlns:asvg="http://schemas.microsoft.com/office/drawing/2016/SVG/main" r:embed="rId3"/>
-              </a:ext>
-            </a:extLst>
-          </a:blip>
-          <a:stretch>
-            <a:fillRect/>
-          </a:stretch>
-        </p:blipFill>
-        <p:spPr>
-          <a:xfrm>
-            <a:off x="1304917" y="2876628"/>
-            <a:ext cx="914400" cy="914400"/>
-          </a:xfrm>
-          <a:prstGeom prst="rect">
-            <a:avLst/>
-          </a:prstGeom>
-        </p:spPr>
-      </p:pic>
-      <p:sp>
-        <p:nvSpPr>
-          <p:cNvPr id="6" name="TextBox 5">
-            <a:extLst>
-              <a:ext uri="{FF2B5EF4-FFF2-40B4-BE49-F238E27FC236}">
-                <a16:creationId xmlns:a16="http://schemas.microsoft.com/office/drawing/2014/main" id="{102A6B8C-E6E8-74ED-8C88-72FAE3CDDE00}"/>
-              </a:ext>
-            </a:extLst>
-          </p:cNvPr>
-          <p:cNvSpPr txBox="1"/>
-          <p:nvPr/>
-        </p:nvSpPr>
-        <p:spPr>
-          <a:xfrm>
-            <a:off x="1499616" y="3858768"/>
-            <a:ext cx="670376" cy="369332"/>
-          </a:xfrm>
-          <a:prstGeom prst="rect">
-            <a:avLst/>
-          </a:prstGeom>
-          <a:noFill/>
-        </p:spPr>
-        <p:txBody>
-          <a:bodyPr wrap="none" rtlCol="0">
-            <a:spAutoFit/>
-          </a:bodyPr>
-          <a:lstStyle/>
-          <a:p>
-            <a:r>
-              <a:rPr lang="en-US" dirty="0"/>
-              <a:t>User </a:t>
-            </a:r>
-            <a:endParaRPr lang="en-CA" dirty="0"/>
-          </a:p>
-        </p:txBody>
-      </p:sp>
-      <p:sp>
-        <p:nvSpPr>
-          <p:cNvPr id="8" name="Oval 7">
-            <a:extLst>
-              <a:ext uri="{FF2B5EF4-FFF2-40B4-BE49-F238E27FC236}">
-                <a16:creationId xmlns:a16="http://schemas.microsoft.com/office/drawing/2014/main" id="{40E4A88C-9F95-87DF-8FEC-D720ABA048D2}"/>
-              </a:ext>
-            </a:extLst>
-          </p:cNvPr>
-          <p:cNvSpPr/>
-          <p:nvPr/>
-        </p:nvSpPr>
-        <p:spPr>
-          <a:xfrm>
-            <a:off x="4069080" y="2953512"/>
-            <a:ext cx="768096" cy="764364"/>
-          </a:xfrm>
-          <a:prstGeom prst="ellipse">
-            <a:avLst/>
-          </a:prstGeom>
-        </p:spPr>
-        <p:style>
-          <a:lnRef idx="2">
-            <a:schemeClr val="accent1">
-              <a:shade val="50000"/>
-            </a:schemeClr>
-          </a:lnRef>
-          <a:fillRef idx="1">
-            <a:schemeClr val="accent1"/>
-          </a:fillRef>
-          <a:effectRef idx="0">
-            <a:schemeClr val="accent1"/>
-          </a:effectRef>
-          <a:fontRef idx="minor">
-            <a:schemeClr val="lt1"/>
-          </a:fontRef>
-        </p:style>
-        <p:txBody>
-          <a:bodyPr rtlCol="0" anchor="ctr"/>
-          <a:lstStyle/>
-          <a:p>
-            <a:pPr algn="ctr"/>
-            <a:endParaRPr lang="en-CA"/>
-          </a:p>
-        </p:txBody>
-      </p:sp>
-      <p:sp>
-        <p:nvSpPr>
-          <p:cNvPr id="9" name="TextBox 8">
-            <a:extLst>
-              <a:ext uri="{FF2B5EF4-FFF2-40B4-BE49-F238E27FC236}">
-                <a16:creationId xmlns:a16="http://schemas.microsoft.com/office/drawing/2014/main" id="{606D30A4-A5D5-0476-F4E0-7587FB180197}"/>
-              </a:ext>
-            </a:extLst>
-          </p:cNvPr>
-          <p:cNvSpPr txBox="1"/>
-          <p:nvPr/>
-        </p:nvSpPr>
-        <p:spPr>
-          <a:xfrm>
-            <a:off x="3929202" y="3785616"/>
-            <a:ext cx="1047851" cy="369332"/>
-          </a:xfrm>
-          <a:prstGeom prst="rect">
-            <a:avLst/>
-          </a:prstGeom>
-          <a:noFill/>
-        </p:spPr>
-        <p:txBody>
-          <a:bodyPr wrap="none" rtlCol="0">
-            <a:spAutoFit/>
-          </a:bodyPr>
-          <a:lstStyle/>
-          <a:p>
-            <a:r>
-              <a:rPr lang="en-US" dirty="0"/>
-              <a:t>UI Agent </a:t>
-            </a:r>
-            <a:endParaRPr lang="en-CA" dirty="0"/>
-          </a:p>
-        </p:txBody>
-      </p:sp>
-      <p:sp>
-        <p:nvSpPr>
-          <p:cNvPr id="10" name="Oval 9">
-            <a:extLst>
-              <a:ext uri="{FF2B5EF4-FFF2-40B4-BE49-F238E27FC236}">
-                <a16:creationId xmlns:a16="http://schemas.microsoft.com/office/drawing/2014/main" id="{990AEEE4-E520-8DF9-C22E-59D5333FEA23}"/>
-              </a:ext>
-            </a:extLst>
-          </p:cNvPr>
-          <p:cNvSpPr/>
-          <p:nvPr/>
-        </p:nvSpPr>
-        <p:spPr>
-          <a:xfrm>
-            <a:off x="7604760" y="2953512"/>
-            <a:ext cx="768096" cy="764364"/>
-          </a:xfrm>
-          <a:prstGeom prst="ellipse">
-            <a:avLst/>
-          </a:prstGeom>
-        </p:spPr>
-        <p:style>
-          <a:lnRef idx="2">
-            <a:schemeClr val="accent1">
-              <a:shade val="50000"/>
-            </a:schemeClr>
-          </a:lnRef>
-          <a:fillRef idx="1">
-            <a:schemeClr val="accent1"/>
-          </a:fillRef>
-          <a:effectRef idx="0">
-            <a:schemeClr val="accent1"/>
-          </a:effectRef>
-          <a:fontRef idx="minor">
-            <a:schemeClr val="lt1"/>
-          </a:fontRef>
-        </p:style>
-        <p:txBody>
-          <a:bodyPr rtlCol="0" anchor="ctr"/>
-          <a:lstStyle/>
-          <a:p>
-            <a:pPr algn="ctr"/>
-            <a:endParaRPr lang="en-CA"/>
-          </a:p>
-        </p:txBody>
-      </p:sp>
-      <p:sp>
-        <p:nvSpPr>
-          <p:cNvPr id="11" name="TextBox 10">
-            <a:extLst>
-              <a:ext uri="{FF2B5EF4-FFF2-40B4-BE49-F238E27FC236}">
-                <a16:creationId xmlns:a16="http://schemas.microsoft.com/office/drawing/2014/main" id="{9EF3FCF4-3877-F946-5B0A-4AD86DC093DC}"/>
-              </a:ext>
-            </a:extLst>
-          </p:cNvPr>
-          <p:cNvSpPr txBox="1"/>
-          <p:nvPr/>
-        </p:nvSpPr>
-        <p:spPr>
-          <a:xfrm>
-            <a:off x="7327722" y="3785616"/>
-            <a:ext cx="1451295" cy="369332"/>
-          </a:xfrm>
-          <a:prstGeom prst="rect">
-            <a:avLst/>
-          </a:prstGeom>
-          <a:noFill/>
-        </p:spPr>
-        <p:txBody>
-          <a:bodyPr wrap="none" rtlCol="0">
-            <a:spAutoFit/>
-          </a:bodyPr>
-          <a:lstStyle/>
-          <a:p>
-            <a:r>
-              <a:rPr lang="en-US" dirty="0"/>
-              <a:t>Profile Agent </a:t>
-            </a:r>
-            <a:endParaRPr lang="en-CA" dirty="0"/>
-          </a:p>
-        </p:txBody>
-      </p:sp>
-      <p:cxnSp>
-        <p:nvCxnSpPr>
-          <p:cNvPr id="13" name="Connector: Curved 12">
-            <a:extLst>
-              <a:ext uri="{FF2B5EF4-FFF2-40B4-BE49-F238E27FC236}">
-                <a16:creationId xmlns:a16="http://schemas.microsoft.com/office/drawing/2014/main" id="{F74A6DDA-2148-526F-BC23-20354C18E2A4}"/>
-              </a:ext>
-            </a:extLst>
-          </p:cNvPr>
-          <p:cNvCxnSpPr>
-            <a:cxnSpLocks/>
-            <a:stCxn id="8" idx="7"/>
-            <a:endCxn id="10" idx="1"/>
-          </p:cNvCxnSpPr>
-          <p:nvPr/>
-        </p:nvCxnSpPr>
-        <p:spPr>
-          <a:xfrm rot="5400000" flipH="1" flipV="1">
-            <a:off x="6220968" y="1569174"/>
-            <a:ext cx="12700" cy="2992554"/>
-          </a:xfrm>
-          <a:prstGeom prst="curvedConnector3">
-            <a:avLst>
-              <a:gd name="adj1" fmla="val 2681409"/>
-            </a:avLst>
-          </a:prstGeom>
-          <a:ln>
-            <a:tailEnd type="triangle"/>
-          </a:ln>
-        </p:spPr>
-        <p:style>
-          <a:lnRef idx="1">
-            <a:schemeClr val="accent1"/>
-          </a:lnRef>
-          <a:fillRef idx="0">
-            <a:schemeClr val="accent1"/>
-          </a:fillRef>
-          <a:effectRef idx="0">
-            <a:schemeClr val="accent1"/>
-          </a:effectRef>
-          <a:fontRef idx="minor">
-            <a:schemeClr val="tx1"/>
-          </a:fontRef>
-        </p:style>
-      </p:cxnSp>
-      <p:sp>
-        <p:nvSpPr>
-          <p:cNvPr id="19" name="TextBox 18">
-            <a:extLst>
-              <a:ext uri="{FF2B5EF4-FFF2-40B4-BE49-F238E27FC236}">
-                <a16:creationId xmlns:a16="http://schemas.microsoft.com/office/drawing/2014/main" id="{80E718C8-C98D-51B2-66DE-6D223D446E24}"/>
-              </a:ext>
-            </a:extLst>
-          </p:cNvPr>
-          <p:cNvSpPr txBox="1"/>
-          <p:nvPr/>
-        </p:nvSpPr>
-        <p:spPr>
-          <a:xfrm>
-            <a:off x="5805567" y="2346650"/>
-            <a:ext cx="896399" cy="369332"/>
-          </a:xfrm>
-          <a:prstGeom prst="rect">
-            <a:avLst/>
-          </a:prstGeom>
-          <a:noFill/>
-        </p:spPr>
-        <p:txBody>
-          <a:bodyPr wrap="none" rtlCol="0">
-            <a:spAutoFit/>
-          </a:bodyPr>
-          <a:lstStyle/>
-          <a:p>
-            <a:r>
-              <a:rPr lang="en-US" dirty="0"/>
-              <a:t>Sign Up</a:t>
-            </a:r>
-            <a:endParaRPr lang="en-CA" dirty="0"/>
-          </a:p>
-        </p:txBody>
-      </p:sp>
-      <p:sp>
-        <p:nvSpPr>
-          <p:cNvPr id="20" name="Rectangle: Rounded Corners 19">
-            <a:extLst>
-              <a:ext uri="{FF2B5EF4-FFF2-40B4-BE49-F238E27FC236}">
-                <a16:creationId xmlns:a16="http://schemas.microsoft.com/office/drawing/2014/main" id="{339DC56C-6352-10ED-2C5E-A1A10D1942B4}"/>
-              </a:ext>
-            </a:extLst>
-          </p:cNvPr>
-          <p:cNvSpPr/>
-          <p:nvPr/>
-        </p:nvSpPr>
-        <p:spPr>
-          <a:xfrm>
-            <a:off x="9848088" y="2953512"/>
-            <a:ext cx="1463040" cy="764364"/>
-          </a:xfrm>
-          <a:prstGeom prst="roundRect">
-            <a:avLst/>
-          </a:prstGeom>
-          <a:noFill/>
-          <a:ln w="9525" cap="flat" cmpd="sng" algn="ctr">
-            <a:solidFill>
-              <a:schemeClr val="accent1"/>
-            </a:solidFill>
-            <a:prstDash val="solid"/>
-            <a:round/>
-            <a:headEnd type="none" w="med" len="med"/>
-            <a:tailEnd type="none" w="med" len="med"/>
-          </a:ln>
-        </p:spPr>
-        <p:style>
-          <a:lnRef idx="0">
-            <a:scrgbClr r="0" g="0" b="0"/>
-          </a:lnRef>
-          <a:fillRef idx="0">
-            <a:scrgbClr r="0" g="0" b="0"/>
-          </a:fillRef>
-          <a:effectRef idx="0">
-            <a:scrgbClr r="0" g="0" b="0"/>
-          </a:effectRef>
-          <a:fontRef idx="minor">
-            <a:schemeClr val="accent1"/>
-          </a:fontRef>
-        </p:style>
-        <p:txBody>
-          <a:bodyPr rtlCol="0" anchor="ctr"/>
-          <a:lstStyle/>
-          <a:p>
-            <a:pPr algn="ctr"/>
-            <a:endParaRPr lang="en-CA"/>
-          </a:p>
-        </p:txBody>
-      </p:sp>
-      <p:sp>
-        <p:nvSpPr>
-          <p:cNvPr id="21" name="TextBox 20">
-            <a:extLst>
-              <a:ext uri="{FF2B5EF4-FFF2-40B4-BE49-F238E27FC236}">
-                <a16:creationId xmlns:a16="http://schemas.microsoft.com/office/drawing/2014/main" id="{F3814B79-69C7-E5C0-40DC-D7F815E824AB}"/>
-              </a:ext>
-            </a:extLst>
-          </p:cNvPr>
-          <p:cNvSpPr txBox="1"/>
-          <p:nvPr/>
-        </p:nvSpPr>
-        <p:spPr>
-          <a:xfrm>
-            <a:off x="9939849" y="3151028"/>
-            <a:ext cx="1279517" cy="369332"/>
-          </a:xfrm>
-          <a:prstGeom prst="rect">
-            <a:avLst/>
-          </a:prstGeom>
-          <a:noFill/>
-        </p:spPr>
-        <p:txBody>
-          <a:bodyPr wrap="none" rtlCol="0">
-            <a:spAutoFit/>
-          </a:bodyPr>
-          <a:lstStyle/>
-          <a:p>
-            <a:r>
-              <a:rPr lang="en-US" dirty="0"/>
-              <a:t>User Model</a:t>
-            </a:r>
-            <a:endParaRPr lang="en-CA" dirty="0"/>
-          </a:p>
-        </p:txBody>
-      </p:sp>
-      <p:cxnSp>
-        <p:nvCxnSpPr>
-          <p:cNvPr id="23" name="Straight Arrow Connector 22">
-            <a:extLst>
-              <a:ext uri="{FF2B5EF4-FFF2-40B4-BE49-F238E27FC236}">
-                <a16:creationId xmlns:a16="http://schemas.microsoft.com/office/drawing/2014/main" id="{C4538B44-8D01-A62B-E5F5-3575C20491C5}"/>
-              </a:ext>
-            </a:extLst>
-          </p:cNvPr>
-          <p:cNvCxnSpPr>
-            <a:cxnSpLocks/>
-            <a:stCxn id="10" idx="6"/>
-            <a:endCxn id="20" idx="1"/>
-          </p:cNvCxnSpPr>
-          <p:nvPr/>
-        </p:nvCxnSpPr>
-        <p:spPr>
-          <a:xfrm>
-            <a:off x="8372856" y="3335694"/>
-            <a:ext cx="1475232" cy="0"/>
-          </a:xfrm>
-          <a:prstGeom prst="straightConnector1">
-            <a:avLst/>
-          </a:prstGeom>
-          <a:ln>
-            <a:tailEnd type="triangle"/>
-          </a:ln>
-        </p:spPr>
-        <p:style>
-          <a:lnRef idx="1">
-            <a:schemeClr val="accent1"/>
-          </a:lnRef>
-          <a:fillRef idx="0">
-            <a:schemeClr val="accent1"/>
-          </a:fillRef>
-          <a:effectRef idx="0">
-            <a:schemeClr val="accent1"/>
-          </a:effectRef>
-          <a:fontRef idx="minor">
-            <a:schemeClr val="tx1"/>
-          </a:fontRef>
-        </p:style>
-      </p:cxnSp>
-      <p:cxnSp>
-        <p:nvCxnSpPr>
-          <p:cNvPr id="25" name="Straight Arrow Connector 24">
-            <a:extLst>
-              <a:ext uri="{FF2B5EF4-FFF2-40B4-BE49-F238E27FC236}">
-                <a16:creationId xmlns:a16="http://schemas.microsoft.com/office/drawing/2014/main" id="{B86DA005-AD44-98E2-3D95-E74B578E2DD0}"/>
-              </a:ext>
-            </a:extLst>
-          </p:cNvPr>
-          <p:cNvCxnSpPr>
-            <a:cxnSpLocks/>
-            <a:stCxn id="5" idx="3"/>
-            <a:endCxn id="8" idx="2"/>
-          </p:cNvCxnSpPr>
-          <p:nvPr/>
-        </p:nvCxnSpPr>
-        <p:spPr>
-          <a:xfrm>
-            <a:off x="2219317" y="3333828"/>
-            <a:ext cx="1849763" cy="1866"/>
-          </a:xfrm>
-          <a:prstGeom prst="straightConnector1">
-            <a:avLst/>
-          </a:prstGeom>
-          <a:ln>
-            <a:tailEnd type="triangle"/>
-          </a:ln>
-        </p:spPr>
-        <p:style>
-          <a:lnRef idx="1">
-            <a:schemeClr val="accent1"/>
-          </a:lnRef>
-          <a:fillRef idx="0">
-            <a:schemeClr val="accent1"/>
-          </a:fillRef>
-          <a:effectRef idx="0">
-            <a:schemeClr val="accent1"/>
-          </a:effectRef>
-          <a:fontRef idx="minor">
-            <a:schemeClr val="tx1"/>
-          </a:fontRef>
-        </p:style>
-      </p:cxnSp>
-      <p:sp>
-        <p:nvSpPr>
-          <p:cNvPr id="28" name="TextBox 27">
-            <a:extLst>
-              <a:ext uri="{FF2B5EF4-FFF2-40B4-BE49-F238E27FC236}">
-                <a16:creationId xmlns:a16="http://schemas.microsoft.com/office/drawing/2014/main" id="{17CE4B82-D26F-02DA-C181-3205F62C1979}"/>
-              </a:ext>
-            </a:extLst>
-          </p:cNvPr>
-          <p:cNvSpPr txBox="1"/>
-          <p:nvPr/>
-        </p:nvSpPr>
-        <p:spPr>
-          <a:xfrm>
-            <a:off x="2546571" y="2977266"/>
-            <a:ext cx="1243867" cy="369332"/>
-          </a:xfrm>
-          <a:prstGeom prst="rect">
-            <a:avLst/>
-          </a:prstGeom>
-          <a:noFill/>
-        </p:spPr>
-        <p:txBody>
-          <a:bodyPr wrap="none" rtlCol="0">
-            <a:spAutoFit/>
-          </a:bodyPr>
-          <a:lstStyle/>
-          <a:p>
-            <a:r>
-              <a:rPr lang="en-US" dirty="0"/>
-              <a:t>Enters Info </a:t>
-            </a:r>
-            <a:endParaRPr lang="en-CA" dirty="0"/>
-          </a:p>
-        </p:txBody>
-      </p:sp>
-      <p:cxnSp>
-        <p:nvCxnSpPr>
-          <p:cNvPr id="29" name="Connector: Curved 28">
-            <a:extLst>
-              <a:ext uri="{FF2B5EF4-FFF2-40B4-BE49-F238E27FC236}">
-                <a16:creationId xmlns:a16="http://schemas.microsoft.com/office/drawing/2014/main" id="{BB5EB47D-37C3-9818-D757-4501F0C19FA4}"/>
-              </a:ext>
-            </a:extLst>
-          </p:cNvPr>
-          <p:cNvCxnSpPr>
-            <a:cxnSpLocks/>
-            <a:stCxn id="10" idx="3"/>
-            <a:endCxn id="8" idx="5"/>
-          </p:cNvCxnSpPr>
-          <p:nvPr/>
-        </p:nvCxnSpPr>
-        <p:spPr>
-          <a:xfrm rot="5400000">
-            <a:off x="6220968" y="2109660"/>
-            <a:ext cx="12700" cy="2992554"/>
-          </a:xfrm>
-          <a:prstGeom prst="curvedConnector3">
-            <a:avLst>
-              <a:gd name="adj1" fmla="val 2681409"/>
-            </a:avLst>
-          </a:prstGeom>
-          <a:ln>
-            <a:tailEnd type="triangle"/>
-          </a:ln>
-        </p:spPr>
-        <p:style>
-          <a:lnRef idx="1">
-            <a:schemeClr val="accent1"/>
-          </a:lnRef>
-          <a:fillRef idx="0">
-            <a:schemeClr val="accent1"/>
-          </a:fillRef>
-          <a:effectRef idx="0">
-            <a:schemeClr val="accent1"/>
-          </a:effectRef>
-          <a:fontRef idx="minor">
-            <a:schemeClr val="tx1"/>
-          </a:fontRef>
-        </p:style>
-      </p:cxnSp>
-      <p:sp>
-        <p:nvSpPr>
-          <p:cNvPr id="32" name="TextBox 31">
-            <a:extLst>
-              <a:ext uri="{FF2B5EF4-FFF2-40B4-BE49-F238E27FC236}">
-                <a16:creationId xmlns:a16="http://schemas.microsoft.com/office/drawing/2014/main" id="{9AB93A4A-825C-3B58-A7DD-B7521422DD96}"/>
-              </a:ext>
-            </a:extLst>
-          </p:cNvPr>
-          <p:cNvSpPr txBox="1"/>
-          <p:nvPr/>
-        </p:nvSpPr>
-        <p:spPr>
-          <a:xfrm>
-            <a:off x="5790539" y="4021221"/>
-            <a:ext cx="870751" cy="369332"/>
-          </a:xfrm>
-          <a:prstGeom prst="rect">
-            <a:avLst/>
-          </a:prstGeom>
-          <a:noFill/>
-        </p:spPr>
-        <p:txBody>
-          <a:bodyPr wrap="none" rtlCol="0">
-            <a:spAutoFit/>
-          </a:bodyPr>
-          <a:lstStyle/>
-          <a:p>
-            <a:r>
-              <a:rPr lang="en-US" dirty="0"/>
-              <a:t>User ID</a:t>
-            </a:r>
-            <a:endParaRPr lang="en-CA" dirty="0"/>
-          </a:p>
-        </p:txBody>
-      </p:sp>
-    </p:spTree>
-    <p:extLst>
-      <p:ext uri="{BB962C8B-B14F-4D97-AF65-F5344CB8AC3E}">
-        <p14:creationId xmlns:p14="http://schemas.microsoft.com/office/powerpoint/2010/main" val="2318563753"/>
-      </p:ext>
-    </p:extLst>
-  </p:cSld>
-  <p:clrMapOvr>
-    <a:masterClrMapping/>
-  </p:clrMapOvr>
-</p:sld>
-</file>
-
-<file path=ppt/slides/slide5.xml><?xml version="1.0" encoding="utf-8"?>
-<p:sld xmlns:a="http://schemas.openxmlformats.org/drawingml/2006/main" xmlns:r="http://schemas.openxmlformats.org/officeDocument/2006/relationships" xmlns:p="http://schemas.openxmlformats.org/presentationml/2006/main">
-  <p:cSld>
-    <p:spTree>
-      <p:nvGrpSpPr>
-        <p:cNvPr id="1" name=""/>
-        <p:cNvGrpSpPr/>
-        <p:nvPr/>
-      </p:nvGrpSpPr>
-      <p:grpSpPr>
-        <a:xfrm>
-          <a:off x="0" y="0"/>
-          <a:ext cx="0" cy="0"/>
-          <a:chOff x="0" y="0"/>
-          <a:chExt cx="0" cy="0"/>
-        </a:xfrm>
-      </p:grpSpPr>
-      <p:pic>
-        <p:nvPicPr>
-          <p:cNvPr id="5" name="Picture 4">
-            <a:extLst>
-              <a:ext uri="{FF2B5EF4-FFF2-40B4-BE49-F238E27FC236}">
-                <a16:creationId xmlns:a16="http://schemas.microsoft.com/office/drawing/2014/main" id="{FCA5AFC2-75CA-543C-4167-342FAF019F37}"/>
-              </a:ext>
-            </a:extLst>
-          </p:cNvPr>
-          <p:cNvPicPr>
-            <a:picLocks noChangeAspect="1"/>
-          </p:cNvPicPr>
-          <p:nvPr/>
-        </p:nvPicPr>
-        <p:blipFill>
-          <a:blip r:embed="rId2"/>
-          <a:stretch>
-            <a:fillRect/>
-          </a:stretch>
-        </p:blipFill>
-        <p:spPr>
-          <a:xfrm>
-            <a:off x="670561" y="115582"/>
-            <a:ext cx="5425439" cy="6408130"/>
-          </a:xfrm>
-          <a:prstGeom prst="rect">
-            <a:avLst/>
-          </a:prstGeom>
-        </p:spPr>
-      </p:pic>
-      <p:pic>
-        <p:nvPicPr>
-          <p:cNvPr id="7" name="Picture 6">
-            <a:extLst>
-              <a:ext uri="{FF2B5EF4-FFF2-40B4-BE49-F238E27FC236}">
-                <a16:creationId xmlns:a16="http://schemas.microsoft.com/office/drawing/2014/main" id="{F732A356-EBE4-564C-77F1-601E03E35923}"/>
-              </a:ext>
-            </a:extLst>
-          </p:cNvPr>
-          <p:cNvPicPr>
-            <a:picLocks noChangeAspect="1"/>
-          </p:cNvPicPr>
-          <p:nvPr/>
-        </p:nvPicPr>
-        <p:blipFill>
-          <a:blip r:embed="rId3"/>
-          <a:stretch>
-            <a:fillRect/>
-          </a:stretch>
-        </p:blipFill>
-        <p:spPr>
-          <a:xfrm>
-            <a:off x="6571766" y="733890"/>
-            <a:ext cx="5296021" cy="2078979"/>
-          </a:xfrm>
-          <a:prstGeom prst="rect">
-            <a:avLst/>
-          </a:prstGeom>
-        </p:spPr>
-      </p:pic>
-      <p:pic>
-        <p:nvPicPr>
-          <p:cNvPr id="3" name="Graphic 2" descr="Checkbox Checked with solid fill">
-            <a:extLst>
-              <a:ext uri="{FF2B5EF4-FFF2-40B4-BE49-F238E27FC236}">
-                <a16:creationId xmlns:a16="http://schemas.microsoft.com/office/drawing/2014/main" id="{381CE9DD-A295-8B92-10C6-CE9050206B98}"/>
-              </a:ext>
-            </a:extLst>
-          </p:cNvPr>
-          <p:cNvPicPr>
-            <a:picLocks noChangeAspect="1"/>
-          </p:cNvPicPr>
-          <p:nvPr/>
-        </p:nvPicPr>
-        <p:blipFill>
-          <a:blip r:embed="rId4">
-            <a:extLst>
-              <a:ext uri="{28A0092B-C50C-407E-A947-70E740481C1C}">
-                <a14:useLocalDpi xmlns:a14="http://schemas.microsoft.com/office/drawing/2010/main" val="0"/>
-              </a:ext>
-              <a:ext uri="{96DAC541-7B7A-43D3-8B79-37D633B846F1}">
-                <asvg:svgBlip xmlns:asvg="http://schemas.microsoft.com/office/drawing/2016/SVG/main" r:embed="rId5"/>
-              </a:ext>
-            </a:extLst>
-          </a:blip>
-          <a:stretch>
-            <a:fillRect/>
-          </a:stretch>
-        </p:blipFill>
-        <p:spPr>
-          <a:xfrm>
-            <a:off x="886969" y="2102187"/>
-            <a:ext cx="319665" cy="319665"/>
-          </a:xfrm>
-          <a:prstGeom prst="rect">
-            <a:avLst/>
-          </a:prstGeom>
-        </p:spPr>
-      </p:pic>
-      <p:pic>
-        <p:nvPicPr>
-          <p:cNvPr id="4" name="Graphic 3" descr="Checkbox Checked with solid fill">
-            <a:extLst>
-              <a:ext uri="{FF2B5EF4-FFF2-40B4-BE49-F238E27FC236}">
-                <a16:creationId xmlns:a16="http://schemas.microsoft.com/office/drawing/2014/main" id="{D594745D-E419-8403-7783-5F1197E54E30}"/>
-              </a:ext>
-            </a:extLst>
-          </p:cNvPr>
-          <p:cNvPicPr>
-            <a:picLocks noChangeAspect="1"/>
-          </p:cNvPicPr>
-          <p:nvPr/>
-        </p:nvPicPr>
-        <p:blipFill>
-          <a:blip r:embed="rId4">
-            <a:extLst>
-              <a:ext uri="{28A0092B-C50C-407E-A947-70E740481C1C}">
-                <a14:useLocalDpi xmlns:a14="http://schemas.microsoft.com/office/drawing/2010/main" val="0"/>
-              </a:ext>
-              <a:ext uri="{96DAC541-7B7A-43D3-8B79-37D633B846F1}">
-                <asvg:svgBlip xmlns:asvg="http://schemas.microsoft.com/office/drawing/2016/SVG/main" r:embed="rId5"/>
-              </a:ext>
-            </a:extLst>
-          </a:blip>
-          <a:stretch>
-            <a:fillRect/>
-          </a:stretch>
-        </p:blipFill>
-        <p:spPr>
-          <a:xfrm>
-            <a:off x="877826" y="414225"/>
-            <a:ext cx="319665" cy="319665"/>
-          </a:xfrm>
-          <a:prstGeom prst="rect">
-            <a:avLst/>
-          </a:prstGeom>
-        </p:spPr>
-      </p:pic>
-      <p:pic>
-        <p:nvPicPr>
-          <p:cNvPr id="6" name="Graphic 5" descr="Checkbox Checked with solid fill">
-            <a:extLst>
-              <a:ext uri="{FF2B5EF4-FFF2-40B4-BE49-F238E27FC236}">
-                <a16:creationId xmlns:a16="http://schemas.microsoft.com/office/drawing/2014/main" id="{CB2E23FA-4128-4F01-8ED0-17F7D9D5C7CA}"/>
-              </a:ext>
-            </a:extLst>
-          </p:cNvPr>
-          <p:cNvPicPr>
-            <a:picLocks noChangeAspect="1"/>
-          </p:cNvPicPr>
-          <p:nvPr/>
-        </p:nvPicPr>
-        <p:blipFill>
-          <a:blip r:embed="rId4">
-            <a:extLst>
-              <a:ext uri="{28A0092B-C50C-407E-A947-70E740481C1C}">
-                <a14:useLocalDpi xmlns:a14="http://schemas.microsoft.com/office/drawing/2010/main" val="0"/>
-              </a:ext>
-              <a:ext uri="{96DAC541-7B7A-43D3-8B79-37D633B846F1}">
-                <asvg:svgBlip xmlns:asvg="http://schemas.microsoft.com/office/drawing/2016/SVG/main" r:embed="rId5"/>
-              </a:ext>
-            </a:extLst>
-          </a:blip>
-          <a:stretch>
-            <a:fillRect/>
-          </a:stretch>
-        </p:blipFill>
-        <p:spPr>
-          <a:xfrm>
-            <a:off x="877826" y="757312"/>
-            <a:ext cx="319665" cy="319665"/>
-          </a:xfrm>
-          <a:prstGeom prst="rect">
-            <a:avLst/>
-          </a:prstGeom>
-        </p:spPr>
-      </p:pic>
-      <p:pic>
-        <p:nvPicPr>
-          <p:cNvPr id="8" name="Graphic 7" descr="Checkbox Checked with solid fill">
-            <a:extLst>
-              <a:ext uri="{FF2B5EF4-FFF2-40B4-BE49-F238E27FC236}">
-                <a16:creationId xmlns:a16="http://schemas.microsoft.com/office/drawing/2014/main" id="{E63A4A2D-A4EB-EB22-DC9C-6DF0B6E90582}"/>
-              </a:ext>
-            </a:extLst>
-          </p:cNvPr>
-          <p:cNvPicPr>
-            <a:picLocks noChangeAspect="1"/>
-          </p:cNvPicPr>
-          <p:nvPr/>
-        </p:nvPicPr>
-        <p:blipFill>
-          <a:blip r:embed="rId4">
-            <a:extLst>
-              <a:ext uri="{28A0092B-C50C-407E-A947-70E740481C1C}">
-                <a14:useLocalDpi xmlns:a14="http://schemas.microsoft.com/office/drawing/2010/main" val="0"/>
-              </a:ext>
-              <a:ext uri="{96DAC541-7B7A-43D3-8B79-37D633B846F1}">
-                <asvg:svgBlip xmlns:asvg="http://schemas.microsoft.com/office/drawing/2016/SVG/main" r:embed="rId5"/>
-              </a:ext>
-            </a:extLst>
-          </a:blip>
-          <a:stretch>
-            <a:fillRect/>
-          </a:stretch>
-        </p:blipFill>
-        <p:spPr>
-          <a:xfrm>
-            <a:off x="886969" y="1764235"/>
-            <a:ext cx="319665" cy="319665"/>
-          </a:xfrm>
-          <a:prstGeom prst="rect">
-            <a:avLst/>
-          </a:prstGeom>
-        </p:spPr>
-      </p:pic>
-      <p:pic>
-        <p:nvPicPr>
-          <p:cNvPr id="9" name="Graphic 8" descr="Checkbox Checked with solid fill">
-            <a:extLst>
-              <a:ext uri="{FF2B5EF4-FFF2-40B4-BE49-F238E27FC236}">
-                <a16:creationId xmlns:a16="http://schemas.microsoft.com/office/drawing/2014/main" id="{ADBA8383-9868-65B0-FFC4-2077F804DF59}"/>
-              </a:ext>
-            </a:extLst>
-          </p:cNvPr>
-          <p:cNvPicPr>
-            <a:picLocks noChangeAspect="1"/>
-          </p:cNvPicPr>
-          <p:nvPr/>
-        </p:nvPicPr>
-        <p:blipFill>
-          <a:blip r:embed="rId4">
-            <a:extLst>
-              <a:ext uri="{28A0092B-C50C-407E-A947-70E740481C1C}">
-                <a14:useLocalDpi xmlns:a14="http://schemas.microsoft.com/office/drawing/2010/main" val="0"/>
-              </a:ext>
-              <a:ext uri="{96DAC541-7B7A-43D3-8B79-37D633B846F1}">
-                <asvg:svgBlip xmlns:asvg="http://schemas.microsoft.com/office/drawing/2016/SVG/main" r:embed="rId5"/>
-              </a:ext>
-            </a:extLst>
-          </a:blip>
-          <a:stretch>
-            <a:fillRect/>
-          </a:stretch>
-        </p:blipFill>
-        <p:spPr>
-          <a:xfrm>
-            <a:off x="883547" y="1942355"/>
-            <a:ext cx="319665" cy="319665"/>
-          </a:xfrm>
-          <a:prstGeom prst="rect">
-            <a:avLst/>
-          </a:prstGeom>
-        </p:spPr>
-      </p:pic>
-      <p:sp>
-        <p:nvSpPr>
-          <p:cNvPr id="15" name="Arrow: Right 14">
-            <a:extLst>
-              <a:ext uri="{FF2B5EF4-FFF2-40B4-BE49-F238E27FC236}">
-                <a16:creationId xmlns:a16="http://schemas.microsoft.com/office/drawing/2014/main" id="{676E59A6-1AC4-B9D5-14EF-FF76ABE5C41D}"/>
-              </a:ext>
-            </a:extLst>
-          </p:cNvPr>
-          <p:cNvSpPr/>
-          <p:nvPr/>
-        </p:nvSpPr>
-        <p:spPr>
-          <a:xfrm>
-            <a:off x="401902" y="2496131"/>
-            <a:ext cx="722812" cy="174171"/>
-          </a:xfrm>
-          <a:prstGeom prst="rightArrow">
-            <a:avLst/>
-          </a:prstGeom>
-        </p:spPr>
-        <p:style>
-          <a:lnRef idx="0">
-            <a:schemeClr val="accent2"/>
-          </a:lnRef>
-          <a:fillRef idx="3">
-            <a:schemeClr val="accent2"/>
-          </a:fillRef>
-          <a:effectRef idx="3">
-            <a:schemeClr val="accent2"/>
-          </a:effectRef>
-          <a:fontRef idx="minor">
-            <a:schemeClr val="lt1"/>
-          </a:fontRef>
-        </p:style>
-        <p:txBody>
-          <a:bodyPr rtlCol="0" anchor="ctr"/>
-          <a:lstStyle/>
-          <a:p>
-            <a:pPr algn="ctr"/>
-            <a:endParaRPr lang="en-CA"/>
-          </a:p>
-        </p:txBody>
-      </p:sp>
-      <p:sp>
-        <p:nvSpPr>
-          <p:cNvPr id="16" name="Arrow: Right 15">
-            <a:extLst>
-              <a:ext uri="{FF2B5EF4-FFF2-40B4-BE49-F238E27FC236}">
-                <a16:creationId xmlns:a16="http://schemas.microsoft.com/office/drawing/2014/main" id="{ECF084D5-3588-D6B7-9222-B185052BDAD2}"/>
-              </a:ext>
-            </a:extLst>
-          </p:cNvPr>
-          <p:cNvSpPr/>
-          <p:nvPr/>
-        </p:nvSpPr>
-        <p:spPr>
-          <a:xfrm>
-            <a:off x="391047" y="2999727"/>
-            <a:ext cx="722812" cy="174171"/>
-          </a:xfrm>
-          <a:prstGeom prst="rightArrow">
-            <a:avLst/>
-          </a:prstGeom>
-        </p:spPr>
-        <p:style>
-          <a:lnRef idx="0">
-            <a:schemeClr val="accent2"/>
-          </a:lnRef>
-          <a:fillRef idx="3">
-            <a:schemeClr val="accent2"/>
-          </a:fillRef>
-          <a:effectRef idx="3">
-            <a:schemeClr val="accent2"/>
-          </a:effectRef>
-          <a:fontRef idx="minor">
-            <a:schemeClr val="lt1"/>
-          </a:fontRef>
-        </p:style>
-        <p:txBody>
-          <a:bodyPr rtlCol="0" anchor="ctr"/>
-          <a:lstStyle/>
-          <a:p>
-            <a:pPr algn="ctr"/>
-            <a:endParaRPr lang="en-CA"/>
-          </a:p>
-        </p:txBody>
-      </p:sp>
-      <p:sp>
-        <p:nvSpPr>
-          <p:cNvPr id="17" name="Arrow: Right 16">
-            <a:extLst>
-              <a:ext uri="{FF2B5EF4-FFF2-40B4-BE49-F238E27FC236}">
-                <a16:creationId xmlns:a16="http://schemas.microsoft.com/office/drawing/2014/main" id="{E0C00270-5E78-F560-6F71-982A6D71D28D}"/>
-              </a:ext>
-            </a:extLst>
-          </p:cNvPr>
-          <p:cNvSpPr/>
-          <p:nvPr/>
-        </p:nvSpPr>
-        <p:spPr>
-          <a:xfrm>
-            <a:off x="359387" y="1191413"/>
-            <a:ext cx="722812" cy="174171"/>
-          </a:xfrm>
-          <a:prstGeom prst="rightArrow">
-            <a:avLst/>
-          </a:prstGeom>
-        </p:spPr>
-        <p:style>
-          <a:lnRef idx="0">
-            <a:schemeClr val="accent2"/>
-          </a:lnRef>
-          <a:fillRef idx="3">
-            <a:schemeClr val="accent2"/>
-          </a:fillRef>
-          <a:effectRef idx="3">
-            <a:schemeClr val="accent2"/>
-          </a:effectRef>
-          <a:fontRef idx="minor">
-            <a:schemeClr val="lt1"/>
-          </a:fontRef>
-        </p:style>
-        <p:txBody>
-          <a:bodyPr rtlCol="0" anchor="ctr"/>
-          <a:lstStyle/>
-          <a:p>
-            <a:pPr algn="ctr"/>
-            <a:endParaRPr lang="en-CA"/>
-          </a:p>
-        </p:txBody>
-      </p:sp>
-      <p:sp>
-        <p:nvSpPr>
-          <p:cNvPr id="18" name="Arrow: Right 17">
-            <a:extLst>
-              <a:ext uri="{FF2B5EF4-FFF2-40B4-BE49-F238E27FC236}">
-                <a16:creationId xmlns:a16="http://schemas.microsoft.com/office/drawing/2014/main" id="{5CDD2E2A-C2A8-4C17-8DB2-E51047C135E4}"/>
-              </a:ext>
-            </a:extLst>
-          </p:cNvPr>
-          <p:cNvSpPr/>
-          <p:nvPr/>
-        </p:nvSpPr>
-        <p:spPr>
-          <a:xfrm>
-            <a:off x="318053" y="655948"/>
-            <a:ext cx="722812" cy="174171"/>
-          </a:xfrm>
-          <a:prstGeom prst="rightArrow">
-            <a:avLst/>
-          </a:prstGeom>
-        </p:spPr>
-        <p:style>
-          <a:lnRef idx="0">
-            <a:schemeClr val="accent2"/>
-          </a:lnRef>
-          <a:fillRef idx="3">
-            <a:schemeClr val="accent2"/>
-          </a:fillRef>
-          <a:effectRef idx="3">
-            <a:schemeClr val="accent2"/>
-          </a:effectRef>
-          <a:fontRef idx="minor">
-            <a:schemeClr val="lt1"/>
-          </a:fontRef>
-        </p:style>
-        <p:txBody>
-          <a:bodyPr rtlCol="0" anchor="ctr"/>
-          <a:lstStyle/>
-          <a:p>
-            <a:pPr algn="ctr"/>
-            <a:endParaRPr lang="en-CA"/>
-          </a:p>
-        </p:txBody>
-      </p:sp>
-      <p:sp>
-        <p:nvSpPr>
-          <p:cNvPr id="19" name="Arrow: Right 18">
-            <a:extLst>
-              <a:ext uri="{FF2B5EF4-FFF2-40B4-BE49-F238E27FC236}">
-                <a16:creationId xmlns:a16="http://schemas.microsoft.com/office/drawing/2014/main" id="{2D65685C-948F-9A05-B35B-0A73CA4832F0}"/>
-              </a:ext>
-            </a:extLst>
-          </p:cNvPr>
-          <p:cNvSpPr/>
-          <p:nvPr/>
-        </p:nvSpPr>
-        <p:spPr>
-          <a:xfrm>
-            <a:off x="353450" y="1642462"/>
-            <a:ext cx="722812" cy="174171"/>
-          </a:xfrm>
-          <a:prstGeom prst="rightArrow">
-            <a:avLst/>
-          </a:prstGeom>
-        </p:spPr>
-        <p:style>
-          <a:lnRef idx="0">
-            <a:schemeClr val="accent2"/>
-          </a:lnRef>
-          <a:fillRef idx="3">
-            <a:schemeClr val="accent2"/>
-          </a:fillRef>
-          <a:effectRef idx="3">
-            <a:schemeClr val="accent2"/>
-          </a:effectRef>
-          <a:fontRef idx="minor">
-            <a:schemeClr val="lt1"/>
-          </a:fontRef>
-        </p:style>
-        <p:txBody>
-          <a:bodyPr rtlCol="0" anchor="ctr"/>
-          <a:lstStyle/>
-          <a:p>
-            <a:pPr algn="ctr"/>
-            <a:endParaRPr lang="en-CA"/>
-          </a:p>
-        </p:txBody>
-      </p:sp>
-      <p:sp>
-        <p:nvSpPr>
-          <p:cNvPr id="20" name="Arrow: Right 19">
-            <a:extLst>
-              <a:ext uri="{FF2B5EF4-FFF2-40B4-BE49-F238E27FC236}">
-                <a16:creationId xmlns:a16="http://schemas.microsoft.com/office/drawing/2014/main" id="{C6CD3171-50E4-F7EA-A68D-39DCB22C9385}"/>
-              </a:ext>
-            </a:extLst>
-          </p:cNvPr>
-          <p:cNvSpPr/>
-          <p:nvPr/>
-        </p:nvSpPr>
-        <p:spPr>
-          <a:xfrm>
-            <a:off x="401902" y="3327691"/>
-            <a:ext cx="722812" cy="174171"/>
-          </a:xfrm>
-          <a:prstGeom prst="rightArrow">
-            <a:avLst/>
-          </a:prstGeom>
-        </p:spPr>
-        <p:style>
-          <a:lnRef idx="0">
-            <a:schemeClr val="accent2"/>
-          </a:lnRef>
-          <a:fillRef idx="3">
-            <a:schemeClr val="accent2"/>
-          </a:fillRef>
-          <a:effectRef idx="3">
-            <a:schemeClr val="accent2"/>
-          </a:effectRef>
-          <a:fontRef idx="minor">
-            <a:schemeClr val="lt1"/>
-          </a:fontRef>
-        </p:style>
-        <p:txBody>
-          <a:bodyPr rtlCol="0" anchor="ctr"/>
-          <a:lstStyle/>
-          <a:p>
-            <a:pPr algn="ctr"/>
-            <a:endParaRPr lang="en-CA"/>
-          </a:p>
-        </p:txBody>
-      </p:sp>
-      <p:sp>
-        <p:nvSpPr>
-          <p:cNvPr id="21" name="Arrow: Right 20">
-            <a:extLst>
-              <a:ext uri="{FF2B5EF4-FFF2-40B4-BE49-F238E27FC236}">
-                <a16:creationId xmlns:a16="http://schemas.microsoft.com/office/drawing/2014/main" id="{9483439C-1182-FB85-137E-B412B138F066}"/>
-              </a:ext>
-            </a:extLst>
-          </p:cNvPr>
-          <p:cNvSpPr/>
-          <p:nvPr/>
-        </p:nvSpPr>
-        <p:spPr>
-          <a:xfrm>
-            <a:off x="401902" y="3781195"/>
-            <a:ext cx="722812" cy="174171"/>
-          </a:xfrm>
-          <a:prstGeom prst="rightArrow">
-            <a:avLst/>
-          </a:prstGeom>
-        </p:spPr>
-        <p:style>
-          <a:lnRef idx="0">
-            <a:schemeClr val="accent2"/>
-          </a:lnRef>
-          <a:fillRef idx="3">
-            <a:schemeClr val="accent2"/>
-          </a:fillRef>
-          <a:effectRef idx="3">
-            <a:schemeClr val="accent2"/>
-          </a:effectRef>
-          <a:fontRef idx="minor">
-            <a:schemeClr val="lt1"/>
-          </a:fontRef>
-        </p:style>
-        <p:txBody>
-          <a:bodyPr rtlCol="0" anchor="ctr"/>
-          <a:lstStyle/>
-          <a:p>
-            <a:pPr algn="ctr"/>
-            <a:endParaRPr lang="en-CA"/>
-          </a:p>
-        </p:txBody>
-      </p:sp>
-      <p:sp>
-        <p:nvSpPr>
-          <p:cNvPr id="22" name="Arrow: Right 21">
-            <a:extLst>
-              <a:ext uri="{FF2B5EF4-FFF2-40B4-BE49-F238E27FC236}">
-                <a16:creationId xmlns:a16="http://schemas.microsoft.com/office/drawing/2014/main" id="{C0B2D02D-A4A2-CA53-5F22-E7392F7ABC1B}"/>
-              </a:ext>
-            </a:extLst>
-          </p:cNvPr>
-          <p:cNvSpPr/>
-          <p:nvPr/>
-        </p:nvSpPr>
-        <p:spPr>
-          <a:xfrm>
-            <a:off x="401902" y="4298610"/>
-            <a:ext cx="722812" cy="174171"/>
-          </a:xfrm>
-          <a:prstGeom prst="rightArrow">
-            <a:avLst/>
-          </a:prstGeom>
-        </p:spPr>
-        <p:style>
-          <a:lnRef idx="0">
-            <a:schemeClr val="accent2"/>
-          </a:lnRef>
-          <a:fillRef idx="3">
-            <a:schemeClr val="accent2"/>
-          </a:fillRef>
-          <a:effectRef idx="3">
-            <a:schemeClr val="accent2"/>
-          </a:effectRef>
-          <a:fontRef idx="minor">
-            <a:schemeClr val="lt1"/>
-          </a:fontRef>
-        </p:style>
-        <p:txBody>
-          <a:bodyPr rtlCol="0" anchor="ctr"/>
-          <a:lstStyle/>
-          <a:p>
-            <a:pPr algn="ctr"/>
-            <a:endParaRPr lang="en-CA"/>
-          </a:p>
-        </p:txBody>
-      </p:sp>
-    </p:spTree>
-    <p:extLst>
-      <p:ext uri="{BB962C8B-B14F-4D97-AF65-F5344CB8AC3E}">
-        <p14:creationId xmlns:p14="http://schemas.microsoft.com/office/powerpoint/2010/main" val="1981122030"/>
-      </p:ext>
-    </p:extLst>
-  </p:cSld>
-  <p:clrMapOvr>
-    <a:masterClrMapping/>
-  </p:clrMapOvr>
-</p:sld>
-</file>
-
-<file path=ppt/slides/slide6.xml><?xml version="1.0" encoding="utf-8"?>
-<p:sld xmlns:a="http://schemas.openxmlformats.org/drawingml/2006/main" xmlns:r="http://schemas.openxmlformats.org/officeDocument/2006/relationships" xmlns:p="http://schemas.openxmlformats.org/presentationml/2006/main">
-  <p:cSld>
-    <p:spTree>
-      <p:nvGrpSpPr>
-        <p:cNvPr id="1" name=""/>
-        <p:cNvGrpSpPr/>
-        <p:nvPr/>
-      </p:nvGrpSpPr>
-      <p:grpSpPr>
-        <a:xfrm>
-          <a:off x="0" y="0"/>
-          <a:ext cx="0" cy="0"/>
-          <a:chOff x="0" y="0"/>
-          <a:chExt cx="0" cy="0"/>
-        </a:xfrm>
-      </p:grpSpPr>
-      <p:pic>
-        <p:nvPicPr>
-          <p:cNvPr id="5" name="Picture 4">
-            <a:extLst>
-              <a:ext uri="{FF2B5EF4-FFF2-40B4-BE49-F238E27FC236}">
-                <a16:creationId xmlns:a16="http://schemas.microsoft.com/office/drawing/2014/main" id="{FCA5AFC2-75CA-543C-4167-342FAF019F37}"/>
-              </a:ext>
-            </a:extLst>
-          </p:cNvPr>
-          <p:cNvPicPr>
-            <a:picLocks noChangeAspect="1"/>
-          </p:cNvPicPr>
-          <p:nvPr/>
-        </p:nvPicPr>
-        <p:blipFill>
-          <a:blip r:embed="rId2"/>
-          <a:stretch>
-            <a:fillRect/>
-          </a:stretch>
-        </p:blipFill>
-        <p:spPr>
-          <a:xfrm>
-            <a:off x="670561" y="115582"/>
-            <a:ext cx="5425439" cy="6408130"/>
-          </a:xfrm>
-          <a:prstGeom prst="rect">
-            <a:avLst/>
-          </a:prstGeom>
-        </p:spPr>
-      </p:pic>
-      <p:pic>
-        <p:nvPicPr>
-          <p:cNvPr id="7" name="Picture 6">
-            <a:extLst>
-              <a:ext uri="{FF2B5EF4-FFF2-40B4-BE49-F238E27FC236}">
-                <a16:creationId xmlns:a16="http://schemas.microsoft.com/office/drawing/2014/main" id="{F732A356-EBE4-564C-77F1-601E03E35923}"/>
-              </a:ext>
-            </a:extLst>
-          </p:cNvPr>
-          <p:cNvPicPr>
-            <a:picLocks noChangeAspect="1"/>
-          </p:cNvPicPr>
-          <p:nvPr/>
-        </p:nvPicPr>
-        <p:blipFill>
-          <a:blip r:embed="rId3"/>
-          <a:stretch>
-            <a:fillRect/>
-          </a:stretch>
-        </p:blipFill>
-        <p:spPr>
-          <a:xfrm>
-            <a:off x="6571766" y="733890"/>
-            <a:ext cx="5296021" cy="2078979"/>
-          </a:xfrm>
-          <a:prstGeom prst="rect">
-            <a:avLst/>
-          </a:prstGeom>
-        </p:spPr>
-      </p:pic>
-      <p:pic>
-        <p:nvPicPr>
-          <p:cNvPr id="3" name="Graphic 2" descr="Checkbox Checked with solid fill">
-            <a:extLst>
-              <a:ext uri="{FF2B5EF4-FFF2-40B4-BE49-F238E27FC236}">
-                <a16:creationId xmlns:a16="http://schemas.microsoft.com/office/drawing/2014/main" id="{381CE9DD-A295-8B92-10C6-CE9050206B98}"/>
-              </a:ext>
-            </a:extLst>
-          </p:cNvPr>
-          <p:cNvPicPr>
-            <a:picLocks noChangeAspect="1"/>
-          </p:cNvPicPr>
-          <p:nvPr/>
-        </p:nvPicPr>
-        <p:blipFill>
-          <a:blip r:embed="rId4">
-            <a:extLst>
-              <a:ext uri="{28A0092B-C50C-407E-A947-70E740481C1C}">
-                <a14:useLocalDpi xmlns:a14="http://schemas.microsoft.com/office/drawing/2010/main" val="0"/>
-              </a:ext>
-              <a:ext uri="{96DAC541-7B7A-43D3-8B79-37D633B846F1}">
-                <asvg:svgBlip xmlns:asvg="http://schemas.microsoft.com/office/drawing/2016/SVG/main" r:embed="rId5"/>
-              </a:ext>
-            </a:extLst>
-          </a:blip>
-          <a:stretch>
-            <a:fillRect/>
-          </a:stretch>
-        </p:blipFill>
-        <p:spPr>
-          <a:xfrm>
-            <a:off x="886969" y="2102187"/>
-            <a:ext cx="319665" cy="319665"/>
-          </a:xfrm>
-          <a:prstGeom prst="rect">
-            <a:avLst/>
-          </a:prstGeom>
-        </p:spPr>
-      </p:pic>
-      <p:pic>
-        <p:nvPicPr>
-          <p:cNvPr id="4" name="Graphic 3" descr="Checkbox Checked with solid fill">
-            <a:extLst>
-              <a:ext uri="{FF2B5EF4-FFF2-40B4-BE49-F238E27FC236}">
-                <a16:creationId xmlns:a16="http://schemas.microsoft.com/office/drawing/2014/main" id="{D594745D-E419-8403-7783-5F1197E54E30}"/>
-              </a:ext>
-            </a:extLst>
-          </p:cNvPr>
-          <p:cNvPicPr>
-            <a:picLocks noChangeAspect="1"/>
-          </p:cNvPicPr>
-          <p:nvPr/>
-        </p:nvPicPr>
-        <p:blipFill>
-          <a:blip r:embed="rId4">
-            <a:extLst>
-              <a:ext uri="{28A0092B-C50C-407E-A947-70E740481C1C}">
-                <a14:useLocalDpi xmlns:a14="http://schemas.microsoft.com/office/drawing/2010/main" val="0"/>
-              </a:ext>
-              <a:ext uri="{96DAC541-7B7A-43D3-8B79-37D633B846F1}">
-                <asvg:svgBlip xmlns:asvg="http://schemas.microsoft.com/office/drawing/2016/SVG/main" r:embed="rId5"/>
-              </a:ext>
-            </a:extLst>
-          </a:blip>
-          <a:stretch>
-            <a:fillRect/>
-          </a:stretch>
-        </p:blipFill>
-        <p:spPr>
-          <a:xfrm>
-            <a:off x="877826" y="414225"/>
-            <a:ext cx="319665" cy="319665"/>
-          </a:xfrm>
-          <a:prstGeom prst="rect">
-            <a:avLst/>
-          </a:prstGeom>
-        </p:spPr>
-      </p:pic>
-      <p:pic>
-        <p:nvPicPr>
-          <p:cNvPr id="6" name="Graphic 5" descr="Checkbox Checked with solid fill">
-            <a:extLst>
-              <a:ext uri="{FF2B5EF4-FFF2-40B4-BE49-F238E27FC236}">
-                <a16:creationId xmlns:a16="http://schemas.microsoft.com/office/drawing/2014/main" id="{CB2E23FA-4128-4F01-8ED0-17F7D9D5C7CA}"/>
-              </a:ext>
-            </a:extLst>
-          </p:cNvPr>
-          <p:cNvPicPr>
-            <a:picLocks noChangeAspect="1"/>
-          </p:cNvPicPr>
-          <p:nvPr/>
-        </p:nvPicPr>
-        <p:blipFill>
-          <a:blip r:embed="rId4">
-            <a:extLst>
-              <a:ext uri="{28A0092B-C50C-407E-A947-70E740481C1C}">
-                <a14:useLocalDpi xmlns:a14="http://schemas.microsoft.com/office/drawing/2010/main" val="0"/>
-              </a:ext>
-              <a:ext uri="{96DAC541-7B7A-43D3-8B79-37D633B846F1}">
-                <asvg:svgBlip xmlns:asvg="http://schemas.microsoft.com/office/drawing/2016/SVG/main" r:embed="rId5"/>
-              </a:ext>
-            </a:extLst>
-          </a:blip>
-          <a:stretch>
-            <a:fillRect/>
-          </a:stretch>
-        </p:blipFill>
-        <p:spPr>
-          <a:xfrm>
-            <a:off x="877826" y="757312"/>
-            <a:ext cx="319665" cy="319665"/>
-          </a:xfrm>
-          <a:prstGeom prst="rect">
-            <a:avLst/>
-          </a:prstGeom>
-        </p:spPr>
-      </p:pic>
-      <p:pic>
-        <p:nvPicPr>
-          <p:cNvPr id="8" name="Graphic 7" descr="Checkbox Checked with solid fill">
-            <a:extLst>
-              <a:ext uri="{FF2B5EF4-FFF2-40B4-BE49-F238E27FC236}">
-                <a16:creationId xmlns:a16="http://schemas.microsoft.com/office/drawing/2014/main" id="{E63A4A2D-A4EB-EB22-DC9C-6DF0B6E90582}"/>
-              </a:ext>
-            </a:extLst>
-          </p:cNvPr>
-          <p:cNvPicPr>
-            <a:picLocks noChangeAspect="1"/>
-          </p:cNvPicPr>
-          <p:nvPr/>
-        </p:nvPicPr>
-        <p:blipFill>
-          <a:blip r:embed="rId4">
-            <a:extLst>
-              <a:ext uri="{28A0092B-C50C-407E-A947-70E740481C1C}">
-                <a14:useLocalDpi xmlns:a14="http://schemas.microsoft.com/office/drawing/2010/main" val="0"/>
-              </a:ext>
-              <a:ext uri="{96DAC541-7B7A-43D3-8B79-37D633B846F1}">
-                <asvg:svgBlip xmlns:asvg="http://schemas.microsoft.com/office/drawing/2016/SVG/main" r:embed="rId5"/>
-              </a:ext>
-            </a:extLst>
-          </a:blip>
-          <a:stretch>
-            <a:fillRect/>
-          </a:stretch>
-        </p:blipFill>
-        <p:spPr>
-          <a:xfrm>
-            <a:off x="886969" y="1764235"/>
-            <a:ext cx="319665" cy="319665"/>
-          </a:xfrm>
-          <a:prstGeom prst="rect">
-            <a:avLst/>
-          </a:prstGeom>
-        </p:spPr>
-      </p:pic>
-      <p:pic>
-        <p:nvPicPr>
-          <p:cNvPr id="9" name="Graphic 8" descr="Checkbox Checked with solid fill">
-            <a:extLst>
-              <a:ext uri="{FF2B5EF4-FFF2-40B4-BE49-F238E27FC236}">
-                <a16:creationId xmlns:a16="http://schemas.microsoft.com/office/drawing/2014/main" id="{ADBA8383-9868-65B0-FFC4-2077F804DF59}"/>
-              </a:ext>
-            </a:extLst>
-          </p:cNvPr>
-          <p:cNvPicPr>
-            <a:picLocks noChangeAspect="1"/>
-          </p:cNvPicPr>
-          <p:nvPr/>
-        </p:nvPicPr>
-        <p:blipFill>
-          <a:blip r:embed="rId4">
-            <a:extLst>
-              <a:ext uri="{28A0092B-C50C-407E-A947-70E740481C1C}">
-                <a14:useLocalDpi xmlns:a14="http://schemas.microsoft.com/office/drawing/2010/main" val="0"/>
-              </a:ext>
-              <a:ext uri="{96DAC541-7B7A-43D3-8B79-37D633B846F1}">
-                <asvg:svgBlip xmlns:asvg="http://schemas.microsoft.com/office/drawing/2016/SVG/main" r:embed="rId5"/>
-              </a:ext>
-            </a:extLst>
-          </a:blip>
-          <a:stretch>
-            <a:fillRect/>
-          </a:stretch>
-        </p:blipFill>
-        <p:spPr>
-          <a:xfrm>
-            <a:off x="883547" y="1942355"/>
-            <a:ext cx="319665" cy="319665"/>
-          </a:xfrm>
-          <a:prstGeom prst="rect">
-            <a:avLst/>
-          </a:prstGeom>
-        </p:spPr>
-      </p:pic>
-      <p:pic>
-        <p:nvPicPr>
-          <p:cNvPr id="2" name="Graphic 1" descr="Checkbox Checked with solid fill">
-            <a:extLst>
-              <a:ext uri="{FF2B5EF4-FFF2-40B4-BE49-F238E27FC236}">
-                <a16:creationId xmlns:a16="http://schemas.microsoft.com/office/drawing/2014/main" id="{E7ACF4C9-F75A-D2EF-588A-2ECA90657CA1}"/>
-              </a:ext>
-            </a:extLst>
-          </p:cNvPr>
-          <p:cNvPicPr>
-            <a:picLocks noChangeAspect="1"/>
-          </p:cNvPicPr>
-          <p:nvPr/>
-        </p:nvPicPr>
-        <p:blipFill>
-          <a:blip r:embed="rId4">
-            <a:extLst>
-              <a:ext uri="{28A0092B-C50C-407E-A947-70E740481C1C}">
-                <a14:useLocalDpi xmlns:a14="http://schemas.microsoft.com/office/drawing/2010/main" val="0"/>
-              </a:ext>
-              <a:ext uri="{96DAC541-7B7A-43D3-8B79-37D633B846F1}">
-                <asvg:svgBlip xmlns:asvg="http://schemas.microsoft.com/office/drawing/2016/SVG/main" r:embed="rId5"/>
-              </a:ext>
-            </a:extLst>
-          </a:blip>
-          <a:stretch>
-            <a:fillRect/>
-          </a:stretch>
-        </p:blipFill>
-        <p:spPr>
-          <a:xfrm>
-            <a:off x="886968" y="583087"/>
-            <a:ext cx="319665" cy="319665"/>
-          </a:xfrm>
-          <a:prstGeom prst="rect">
-            <a:avLst/>
-          </a:prstGeom>
-        </p:spPr>
-      </p:pic>
-      <p:pic>
-        <p:nvPicPr>
-          <p:cNvPr id="10" name="Graphic 9" descr="Checkbox Checked with solid fill">
-            <a:extLst>
-              <a:ext uri="{FF2B5EF4-FFF2-40B4-BE49-F238E27FC236}">
-                <a16:creationId xmlns:a16="http://schemas.microsoft.com/office/drawing/2014/main" id="{C8406A45-5016-8A66-CBA3-FCBDD76C85BC}"/>
-              </a:ext>
-            </a:extLst>
-          </p:cNvPr>
-          <p:cNvPicPr>
-            <a:picLocks noChangeAspect="1"/>
-          </p:cNvPicPr>
-          <p:nvPr/>
-        </p:nvPicPr>
-        <p:blipFill>
-          <a:blip r:embed="rId4">
-            <a:extLst>
-              <a:ext uri="{28A0092B-C50C-407E-A947-70E740481C1C}">
-                <a14:useLocalDpi xmlns:a14="http://schemas.microsoft.com/office/drawing/2010/main" val="0"/>
-              </a:ext>
-              <a:ext uri="{96DAC541-7B7A-43D3-8B79-37D633B846F1}">
-                <asvg:svgBlip xmlns:asvg="http://schemas.microsoft.com/office/drawing/2016/SVG/main" r:embed="rId5"/>
-              </a:ext>
-            </a:extLst>
-          </a:blip>
-          <a:stretch>
-            <a:fillRect/>
-          </a:stretch>
-        </p:blipFill>
-        <p:spPr>
-          <a:xfrm>
-            <a:off x="882353" y="1060960"/>
-            <a:ext cx="319665" cy="319665"/>
-          </a:xfrm>
-          <a:prstGeom prst="rect">
-            <a:avLst/>
-          </a:prstGeom>
-        </p:spPr>
-      </p:pic>
-      <p:pic>
-        <p:nvPicPr>
-          <p:cNvPr id="11" name="Graphic 10" descr="Checkbox Checked with solid fill">
-            <a:extLst>
-              <a:ext uri="{FF2B5EF4-FFF2-40B4-BE49-F238E27FC236}">
-                <a16:creationId xmlns:a16="http://schemas.microsoft.com/office/drawing/2014/main" id="{23ECFC77-413F-D5C8-EA9F-1470C5EA6DB5}"/>
-              </a:ext>
-            </a:extLst>
-          </p:cNvPr>
-          <p:cNvPicPr>
-            <a:picLocks noChangeAspect="1"/>
-          </p:cNvPicPr>
-          <p:nvPr/>
-        </p:nvPicPr>
-        <p:blipFill>
-          <a:blip r:embed="rId4">
-            <a:extLst>
-              <a:ext uri="{28A0092B-C50C-407E-A947-70E740481C1C}">
-                <a14:useLocalDpi xmlns:a14="http://schemas.microsoft.com/office/drawing/2010/main" val="0"/>
-              </a:ext>
-              <a:ext uri="{96DAC541-7B7A-43D3-8B79-37D633B846F1}">
-                <asvg:svgBlip xmlns:asvg="http://schemas.microsoft.com/office/drawing/2016/SVG/main" r:embed="rId5"/>
-              </a:ext>
-            </a:extLst>
-          </a:blip>
-          <a:stretch>
-            <a:fillRect/>
-          </a:stretch>
-        </p:blipFill>
-        <p:spPr>
-          <a:xfrm>
-            <a:off x="904885" y="1580799"/>
-            <a:ext cx="319665" cy="319665"/>
-          </a:xfrm>
-          <a:prstGeom prst="rect">
-            <a:avLst/>
-          </a:prstGeom>
-        </p:spPr>
-      </p:pic>
-      <p:pic>
-        <p:nvPicPr>
-          <p:cNvPr id="12" name="Graphic 11" descr="Checkbox Checked with solid fill">
-            <a:extLst>
-              <a:ext uri="{FF2B5EF4-FFF2-40B4-BE49-F238E27FC236}">
-                <a16:creationId xmlns:a16="http://schemas.microsoft.com/office/drawing/2014/main" id="{A1CE483E-219F-00A7-FEAB-28E9B2A4CEEC}"/>
-              </a:ext>
-            </a:extLst>
-          </p:cNvPr>
-          <p:cNvPicPr>
-            <a:picLocks noChangeAspect="1"/>
-          </p:cNvPicPr>
-          <p:nvPr/>
-        </p:nvPicPr>
-        <p:blipFill>
-          <a:blip r:embed="rId4">
-            <a:extLst>
-              <a:ext uri="{28A0092B-C50C-407E-A947-70E740481C1C}">
-                <a14:useLocalDpi xmlns:a14="http://schemas.microsoft.com/office/drawing/2010/main" val="0"/>
-              </a:ext>
-              <a:ext uri="{96DAC541-7B7A-43D3-8B79-37D633B846F1}">
-                <asvg:svgBlip xmlns:asvg="http://schemas.microsoft.com/office/drawing/2016/SVG/main" r:embed="rId5"/>
-              </a:ext>
-            </a:extLst>
-          </a:blip>
-          <a:stretch>
-            <a:fillRect/>
-          </a:stretch>
-        </p:blipFill>
-        <p:spPr>
-          <a:xfrm>
-            <a:off x="886591" y="2419319"/>
-            <a:ext cx="319665" cy="319665"/>
-          </a:xfrm>
-          <a:prstGeom prst="rect">
-            <a:avLst/>
-          </a:prstGeom>
-        </p:spPr>
-      </p:pic>
-      <p:pic>
-        <p:nvPicPr>
-          <p:cNvPr id="13" name="Graphic 12" descr="Checkbox Checked with solid fill">
-            <a:extLst>
-              <a:ext uri="{FF2B5EF4-FFF2-40B4-BE49-F238E27FC236}">
-                <a16:creationId xmlns:a16="http://schemas.microsoft.com/office/drawing/2014/main" id="{D71DC850-EA23-9A8B-2F90-93A642878274}"/>
-              </a:ext>
-            </a:extLst>
-          </p:cNvPr>
-          <p:cNvPicPr>
-            <a:picLocks noChangeAspect="1"/>
-          </p:cNvPicPr>
-          <p:nvPr/>
-        </p:nvPicPr>
-        <p:blipFill>
-          <a:blip r:embed="rId4">
-            <a:extLst>
-              <a:ext uri="{28A0092B-C50C-407E-A947-70E740481C1C}">
-                <a14:useLocalDpi xmlns:a14="http://schemas.microsoft.com/office/drawing/2010/main" val="0"/>
-              </a:ext>
-              <a:ext uri="{96DAC541-7B7A-43D3-8B79-37D633B846F1}">
-                <asvg:svgBlip xmlns:asvg="http://schemas.microsoft.com/office/drawing/2016/SVG/main" r:embed="rId5"/>
-              </a:ext>
-            </a:extLst>
-          </a:blip>
-          <a:stretch>
-            <a:fillRect/>
-          </a:stretch>
-        </p:blipFill>
-        <p:spPr>
-          <a:xfrm>
-            <a:off x="877449" y="2940424"/>
-            <a:ext cx="319665" cy="319665"/>
-          </a:xfrm>
-          <a:prstGeom prst="rect">
-            <a:avLst/>
-          </a:prstGeom>
-        </p:spPr>
-      </p:pic>
-      <p:pic>
-        <p:nvPicPr>
-          <p:cNvPr id="14" name="Graphic 13" descr="Checkbox Checked with solid fill">
-            <a:extLst>
-              <a:ext uri="{FF2B5EF4-FFF2-40B4-BE49-F238E27FC236}">
-                <a16:creationId xmlns:a16="http://schemas.microsoft.com/office/drawing/2014/main" id="{A5666D9E-B992-E5C0-3E6C-534C39EF1FD0}"/>
-              </a:ext>
-            </a:extLst>
-          </p:cNvPr>
-          <p:cNvPicPr>
-            <a:picLocks noChangeAspect="1"/>
-          </p:cNvPicPr>
-          <p:nvPr/>
-        </p:nvPicPr>
-        <p:blipFill>
-          <a:blip r:embed="rId4">
-            <a:extLst>
-              <a:ext uri="{28A0092B-C50C-407E-A947-70E740481C1C}">
-                <a14:useLocalDpi xmlns:a14="http://schemas.microsoft.com/office/drawing/2010/main" val="0"/>
-              </a:ext>
-              <a:ext uri="{96DAC541-7B7A-43D3-8B79-37D633B846F1}">
-                <asvg:svgBlip xmlns:asvg="http://schemas.microsoft.com/office/drawing/2016/SVG/main" r:embed="rId5"/>
-              </a:ext>
-            </a:extLst>
-          </a:blip>
-          <a:stretch>
-            <a:fillRect/>
-          </a:stretch>
-        </p:blipFill>
-        <p:spPr>
-          <a:xfrm>
-            <a:off x="885845" y="3247410"/>
-            <a:ext cx="319665" cy="319665"/>
-          </a:xfrm>
-          <a:prstGeom prst="rect">
-            <a:avLst/>
-          </a:prstGeom>
-        </p:spPr>
-      </p:pic>
-      <p:pic>
-        <p:nvPicPr>
-          <p:cNvPr id="23" name="Graphic 22" descr="Checkbox Checked with solid fill">
-            <a:extLst>
-              <a:ext uri="{FF2B5EF4-FFF2-40B4-BE49-F238E27FC236}">
-                <a16:creationId xmlns:a16="http://schemas.microsoft.com/office/drawing/2014/main" id="{8AF18C17-3DE2-0EBE-9590-0BA5C6D20D04}"/>
-              </a:ext>
-            </a:extLst>
-          </p:cNvPr>
-          <p:cNvPicPr>
-            <a:picLocks noChangeAspect="1"/>
-          </p:cNvPicPr>
-          <p:nvPr/>
-        </p:nvPicPr>
-        <p:blipFill>
-          <a:blip r:embed="rId4">
-            <a:extLst>
-              <a:ext uri="{28A0092B-C50C-407E-A947-70E740481C1C}">
-                <a14:useLocalDpi xmlns:a14="http://schemas.microsoft.com/office/drawing/2010/main" val="0"/>
-              </a:ext>
-              <a:ext uri="{96DAC541-7B7A-43D3-8B79-37D633B846F1}">
-                <asvg:svgBlip xmlns:asvg="http://schemas.microsoft.com/office/drawing/2016/SVG/main" r:embed="rId5"/>
-              </a:ext>
-            </a:extLst>
-          </a:blip>
-          <a:stretch>
-            <a:fillRect/>
-          </a:stretch>
-        </p:blipFill>
-        <p:spPr>
-          <a:xfrm>
-            <a:off x="877072" y="3740338"/>
-            <a:ext cx="319665" cy="319665"/>
-          </a:xfrm>
-          <a:prstGeom prst="rect">
-            <a:avLst/>
-          </a:prstGeom>
-        </p:spPr>
-      </p:pic>
-      <p:pic>
-        <p:nvPicPr>
-          <p:cNvPr id="24" name="Graphic 23" descr="Checkbox Checked with solid fill">
-            <a:extLst>
-              <a:ext uri="{FF2B5EF4-FFF2-40B4-BE49-F238E27FC236}">
-                <a16:creationId xmlns:a16="http://schemas.microsoft.com/office/drawing/2014/main" id="{13004C2F-E149-A616-6F2C-443AABA190FE}"/>
-              </a:ext>
-            </a:extLst>
-          </p:cNvPr>
-          <p:cNvPicPr>
-            <a:picLocks noChangeAspect="1"/>
-          </p:cNvPicPr>
-          <p:nvPr/>
-        </p:nvPicPr>
-        <p:blipFill>
-          <a:blip r:embed="rId4">
-            <a:extLst>
-              <a:ext uri="{28A0092B-C50C-407E-A947-70E740481C1C}">
-                <a14:useLocalDpi xmlns:a14="http://schemas.microsoft.com/office/drawing/2010/main" val="0"/>
-              </a:ext>
-              <a:ext uri="{96DAC541-7B7A-43D3-8B79-37D633B846F1}">
-                <asvg:svgBlip xmlns:asvg="http://schemas.microsoft.com/office/drawing/2016/SVG/main" r:embed="rId5"/>
-              </a:ext>
-            </a:extLst>
-          </a:blip>
-          <a:stretch>
-            <a:fillRect/>
-          </a:stretch>
-        </p:blipFill>
-        <p:spPr>
-          <a:xfrm>
-            <a:off x="883547" y="4233266"/>
-            <a:ext cx="319665" cy="319665"/>
-          </a:xfrm>
-          <a:prstGeom prst="rect">
-            <a:avLst/>
-          </a:prstGeom>
-        </p:spPr>
-      </p:pic>
-      <p:sp>
-        <p:nvSpPr>
-          <p:cNvPr id="26" name="Arrow: Right 25">
-            <a:extLst>
-              <a:ext uri="{FF2B5EF4-FFF2-40B4-BE49-F238E27FC236}">
-                <a16:creationId xmlns:a16="http://schemas.microsoft.com/office/drawing/2014/main" id="{273AC6B6-45EF-795F-BFAF-19E2D66C908E}"/>
-              </a:ext>
-            </a:extLst>
-          </p:cNvPr>
-          <p:cNvSpPr/>
-          <p:nvPr/>
-        </p:nvSpPr>
-        <p:spPr>
-          <a:xfrm>
-            <a:off x="424784" y="4630877"/>
-            <a:ext cx="722812" cy="174171"/>
-          </a:xfrm>
-          <a:prstGeom prst="rightArrow">
-            <a:avLst/>
-          </a:prstGeom>
-        </p:spPr>
-        <p:style>
-          <a:lnRef idx="0">
-            <a:schemeClr val="accent2"/>
-          </a:lnRef>
-          <a:fillRef idx="3">
-            <a:schemeClr val="accent2"/>
-          </a:fillRef>
-          <a:effectRef idx="3">
-            <a:schemeClr val="accent2"/>
-          </a:effectRef>
-          <a:fontRef idx="minor">
-            <a:schemeClr val="lt1"/>
-          </a:fontRef>
-        </p:style>
-        <p:txBody>
-          <a:bodyPr rtlCol="0" anchor="ctr"/>
-          <a:lstStyle/>
-          <a:p>
-            <a:pPr algn="ctr"/>
-            <a:endParaRPr lang="en-CA"/>
-          </a:p>
-        </p:txBody>
-      </p:sp>
-      <p:sp>
-        <p:nvSpPr>
-          <p:cNvPr id="27" name="Arrow: Right 26">
-            <a:extLst>
-              <a:ext uri="{FF2B5EF4-FFF2-40B4-BE49-F238E27FC236}">
-                <a16:creationId xmlns:a16="http://schemas.microsoft.com/office/drawing/2014/main" id="{85C38DD6-529C-0C1F-0C72-451C69521DBE}"/>
-              </a:ext>
-            </a:extLst>
-          </p:cNvPr>
-          <p:cNvSpPr/>
-          <p:nvPr/>
-        </p:nvSpPr>
-        <p:spPr>
-          <a:xfrm>
-            <a:off x="421363" y="4950517"/>
-            <a:ext cx="722812" cy="174171"/>
-          </a:xfrm>
-          <a:prstGeom prst="rightArrow">
-            <a:avLst/>
-          </a:prstGeom>
-        </p:spPr>
-        <p:style>
-          <a:lnRef idx="0">
-            <a:schemeClr val="accent2"/>
-          </a:lnRef>
-          <a:fillRef idx="3">
-            <a:schemeClr val="accent2"/>
-          </a:fillRef>
-          <a:effectRef idx="3">
-            <a:schemeClr val="accent2"/>
-          </a:effectRef>
-          <a:fontRef idx="minor">
-            <a:schemeClr val="lt1"/>
-          </a:fontRef>
-        </p:style>
-        <p:txBody>
-          <a:bodyPr rtlCol="0" anchor="ctr"/>
-          <a:lstStyle/>
-          <a:p>
-            <a:pPr algn="ctr"/>
-            <a:endParaRPr lang="en-CA"/>
-          </a:p>
-        </p:txBody>
-      </p:sp>
-      <p:sp>
-        <p:nvSpPr>
-          <p:cNvPr id="28" name="Arrow: Right 27">
-            <a:extLst>
-              <a:ext uri="{FF2B5EF4-FFF2-40B4-BE49-F238E27FC236}">
-                <a16:creationId xmlns:a16="http://schemas.microsoft.com/office/drawing/2014/main" id="{B688A38F-3E0D-5ECF-1D16-86D935CD6B61}"/>
-              </a:ext>
-            </a:extLst>
-          </p:cNvPr>
-          <p:cNvSpPr/>
-          <p:nvPr/>
-        </p:nvSpPr>
-        <p:spPr>
-          <a:xfrm>
-            <a:off x="421363" y="5123284"/>
-            <a:ext cx="722812" cy="174171"/>
-          </a:xfrm>
-          <a:prstGeom prst="rightArrow">
-            <a:avLst/>
-          </a:prstGeom>
-        </p:spPr>
-        <p:style>
-          <a:lnRef idx="0">
-            <a:schemeClr val="accent2"/>
-          </a:lnRef>
-          <a:fillRef idx="3">
-            <a:schemeClr val="accent2"/>
-          </a:fillRef>
-          <a:effectRef idx="3">
-            <a:schemeClr val="accent2"/>
-          </a:effectRef>
-          <a:fontRef idx="minor">
-            <a:schemeClr val="lt1"/>
-          </a:fontRef>
-        </p:style>
-        <p:txBody>
-          <a:bodyPr rtlCol="0" anchor="ctr"/>
-          <a:lstStyle/>
-          <a:p>
-            <a:pPr algn="ctr"/>
-            <a:endParaRPr lang="en-CA"/>
-          </a:p>
-        </p:txBody>
-      </p:sp>
-      <p:sp>
-        <p:nvSpPr>
-          <p:cNvPr id="29" name="Arrow: Right 28">
-            <a:extLst>
-              <a:ext uri="{FF2B5EF4-FFF2-40B4-BE49-F238E27FC236}">
-                <a16:creationId xmlns:a16="http://schemas.microsoft.com/office/drawing/2014/main" id="{E48D9ED2-8D99-CC47-9074-CFBD136375D5}"/>
-              </a:ext>
-            </a:extLst>
-          </p:cNvPr>
-          <p:cNvSpPr/>
-          <p:nvPr/>
-        </p:nvSpPr>
-        <p:spPr>
-          <a:xfrm>
-            <a:off x="421363" y="5297455"/>
-            <a:ext cx="722812" cy="174171"/>
-          </a:xfrm>
-          <a:prstGeom prst="rightArrow">
-            <a:avLst/>
-          </a:prstGeom>
-        </p:spPr>
-        <p:style>
-          <a:lnRef idx="0">
-            <a:schemeClr val="accent2"/>
-          </a:lnRef>
-          <a:fillRef idx="3">
-            <a:schemeClr val="accent2"/>
-          </a:fillRef>
-          <a:effectRef idx="3">
-            <a:schemeClr val="accent2"/>
-          </a:effectRef>
-          <a:fontRef idx="minor">
-            <a:schemeClr val="lt1"/>
-          </a:fontRef>
-        </p:style>
-        <p:txBody>
-          <a:bodyPr rtlCol="0" anchor="ctr"/>
-          <a:lstStyle/>
-          <a:p>
-            <a:pPr algn="ctr"/>
-            <a:endParaRPr lang="en-CA"/>
-          </a:p>
-        </p:txBody>
-      </p:sp>
-      <p:sp>
-        <p:nvSpPr>
-          <p:cNvPr id="30" name="Arrow: Right 29">
-            <a:extLst>
-              <a:ext uri="{FF2B5EF4-FFF2-40B4-BE49-F238E27FC236}">
-                <a16:creationId xmlns:a16="http://schemas.microsoft.com/office/drawing/2014/main" id="{9E042834-E21B-08EC-816A-E47F5F4B11B3}"/>
-              </a:ext>
-            </a:extLst>
-          </p:cNvPr>
-          <p:cNvSpPr/>
-          <p:nvPr/>
-        </p:nvSpPr>
-        <p:spPr>
-          <a:xfrm>
-            <a:off x="417942" y="5621770"/>
-            <a:ext cx="722812" cy="174171"/>
-          </a:xfrm>
-          <a:prstGeom prst="rightArrow">
-            <a:avLst/>
-          </a:prstGeom>
-        </p:spPr>
-        <p:style>
-          <a:lnRef idx="0">
-            <a:schemeClr val="accent2"/>
-          </a:lnRef>
-          <a:fillRef idx="3">
-            <a:schemeClr val="accent2"/>
-          </a:fillRef>
-          <a:effectRef idx="3">
-            <a:schemeClr val="accent2"/>
-          </a:effectRef>
-          <a:fontRef idx="minor">
-            <a:schemeClr val="lt1"/>
-          </a:fontRef>
-        </p:style>
-        <p:txBody>
-          <a:bodyPr rtlCol="0" anchor="ctr"/>
-          <a:lstStyle/>
-          <a:p>
-            <a:pPr algn="ctr"/>
-            <a:endParaRPr lang="en-CA"/>
-          </a:p>
-        </p:txBody>
-      </p:sp>
-      <p:sp>
-        <p:nvSpPr>
-          <p:cNvPr id="31" name="Arrow: Right 30">
-            <a:extLst>
-              <a:ext uri="{FF2B5EF4-FFF2-40B4-BE49-F238E27FC236}">
-                <a16:creationId xmlns:a16="http://schemas.microsoft.com/office/drawing/2014/main" id="{F7B5A85E-5E3C-F0CA-E268-F6D0481F2224}"/>
-              </a:ext>
-            </a:extLst>
-          </p:cNvPr>
-          <p:cNvSpPr/>
-          <p:nvPr/>
-        </p:nvSpPr>
-        <p:spPr>
-          <a:xfrm>
-            <a:off x="424784" y="5955521"/>
-            <a:ext cx="722812" cy="174171"/>
-          </a:xfrm>
-          <a:prstGeom prst="rightArrow">
-            <a:avLst/>
-          </a:prstGeom>
-        </p:spPr>
-        <p:style>
-          <a:lnRef idx="0">
-            <a:schemeClr val="accent2"/>
-          </a:lnRef>
-          <a:fillRef idx="3">
-            <a:schemeClr val="accent2"/>
-          </a:fillRef>
-          <a:effectRef idx="3">
-            <a:schemeClr val="accent2"/>
-          </a:effectRef>
-          <a:fontRef idx="minor">
-            <a:schemeClr val="lt1"/>
-          </a:fontRef>
-        </p:style>
-        <p:txBody>
-          <a:bodyPr rtlCol="0" anchor="ctr"/>
-          <a:lstStyle/>
-          <a:p>
-            <a:pPr algn="ctr"/>
-            <a:endParaRPr lang="en-CA"/>
-          </a:p>
-        </p:txBody>
-      </p:sp>
-      <p:sp>
-        <p:nvSpPr>
-          <p:cNvPr id="32" name="Arrow: Right 31">
-            <a:extLst>
-              <a:ext uri="{FF2B5EF4-FFF2-40B4-BE49-F238E27FC236}">
-                <a16:creationId xmlns:a16="http://schemas.microsoft.com/office/drawing/2014/main" id="{D3F29D0D-122E-B31C-A736-B0C98B3B3638}"/>
-              </a:ext>
-            </a:extLst>
-          </p:cNvPr>
-          <p:cNvSpPr/>
-          <p:nvPr/>
-        </p:nvSpPr>
-        <p:spPr>
-          <a:xfrm>
-            <a:off x="417571" y="6126521"/>
-            <a:ext cx="722812" cy="174171"/>
-          </a:xfrm>
-          <a:prstGeom prst="rightArrow">
-            <a:avLst/>
-          </a:prstGeom>
-        </p:spPr>
-        <p:style>
-          <a:lnRef idx="0">
-            <a:schemeClr val="accent2"/>
-          </a:lnRef>
-          <a:fillRef idx="3">
-            <a:schemeClr val="accent2"/>
-          </a:fillRef>
-          <a:effectRef idx="3">
-            <a:schemeClr val="accent2"/>
-          </a:effectRef>
-          <a:fontRef idx="minor">
-            <a:schemeClr val="lt1"/>
-          </a:fontRef>
-        </p:style>
-        <p:txBody>
-          <a:bodyPr rtlCol="0" anchor="ctr"/>
-          <a:lstStyle/>
-          <a:p>
-            <a:pPr algn="ctr"/>
-            <a:endParaRPr lang="en-CA"/>
-          </a:p>
-        </p:txBody>
-      </p:sp>
-      <p:sp>
-        <p:nvSpPr>
-          <p:cNvPr id="33" name="Arrow: Right 32">
-            <a:extLst>
-              <a:ext uri="{FF2B5EF4-FFF2-40B4-BE49-F238E27FC236}">
-                <a16:creationId xmlns:a16="http://schemas.microsoft.com/office/drawing/2014/main" id="{CE305C91-B2C1-5FB3-ACAD-1BF4B1A6196E}"/>
-              </a:ext>
-            </a:extLst>
-          </p:cNvPr>
-          <p:cNvSpPr/>
-          <p:nvPr/>
-        </p:nvSpPr>
-        <p:spPr>
-          <a:xfrm>
-            <a:off x="5848954" y="761058"/>
-            <a:ext cx="722812" cy="174171"/>
-          </a:xfrm>
-          <a:prstGeom prst="rightArrow">
-            <a:avLst/>
-          </a:prstGeom>
-        </p:spPr>
-        <p:style>
-          <a:lnRef idx="0">
-            <a:schemeClr val="accent2"/>
-          </a:lnRef>
-          <a:fillRef idx="3">
-            <a:schemeClr val="accent2"/>
-          </a:fillRef>
-          <a:effectRef idx="3">
-            <a:schemeClr val="accent2"/>
-          </a:effectRef>
-          <a:fontRef idx="minor">
-            <a:schemeClr val="lt1"/>
-          </a:fontRef>
-        </p:style>
-        <p:txBody>
-          <a:bodyPr rtlCol="0" anchor="ctr"/>
-          <a:lstStyle/>
-          <a:p>
-            <a:pPr algn="ctr"/>
-            <a:endParaRPr lang="en-CA"/>
-          </a:p>
-        </p:txBody>
-      </p:sp>
-      <p:sp>
-        <p:nvSpPr>
-          <p:cNvPr id="34" name="Arrow: Right 33">
-            <a:extLst>
-              <a:ext uri="{FF2B5EF4-FFF2-40B4-BE49-F238E27FC236}">
-                <a16:creationId xmlns:a16="http://schemas.microsoft.com/office/drawing/2014/main" id="{4960E715-B564-FCE8-0D29-8ADFD3EEB472}"/>
-              </a:ext>
-            </a:extLst>
-          </p:cNvPr>
-          <p:cNvSpPr/>
-          <p:nvPr/>
-        </p:nvSpPr>
-        <p:spPr>
-          <a:xfrm>
-            <a:off x="5868979" y="962021"/>
-            <a:ext cx="722812" cy="174171"/>
-          </a:xfrm>
-          <a:prstGeom prst="rightArrow">
-            <a:avLst/>
-          </a:prstGeom>
-        </p:spPr>
-        <p:style>
-          <a:lnRef idx="0">
-            <a:schemeClr val="accent2"/>
-          </a:lnRef>
-          <a:fillRef idx="3">
-            <a:schemeClr val="accent2"/>
-          </a:fillRef>
-          <a:effectRef idx="3">
-            <a:schemeClr val="accent2"/>
-          </a:effectRef>
-          <a:fontRef idx="minor">
-            <a:schemeClr val="lt1"/>
-          </a:fontRef>
-        </p:style>
-        <p:txBody>
-          <a:bodyPr rtlCol="0" anchor="ctr"/>
-          <a:lstStyle/>
-          <a:p>
-            <a:pPr algn="ctr"/>
-            <a:endParaRPr lang="en-CA"/>
-          </a:p>
-        </p:txBody>
-      </p:sp>
-      <p:sp>
-        <p:nvSpPr>
-          <p:cNvPr id="35" name="Arrow: Right 34">
-            <a:extLst>
-              <a:ext uri="{FF2B5EF4-FFF2-40B4-BE49-F238E27FC236}">
-                <a16:creationId xmlns:a16="http://schemas.microsoft.com/office/drawing/2014/main" id="{42C7D7B9-EDFF-BE72-9695-33B2C035255A}"/>
-              </a:ext>
-            </a:extLst>
-          </p:cNvPr>
-          <p:cNvSpPr/>
-          <p:nvPr/>
-        </p:nvSpPr>
-        <p:spPr>
-          <a:xfrm>
-            <a:off x="5898954" y="1311827"/>
-            <a:ext cx="722812" cy="174171"/>
-          </a:xfrm>
-          <a:prstGeom prst="rightArrow">
-            <a:avLst/>
-          </a:prstGeom>
-        </p:spPr>
-        <p:style>
-          <a:lnRef idx="0">
-            <a:schemeClr val="accent2"/>
-          </a:lnRef>
-          <a:fillRef idx="3">
-            <a:schemeClr val="accent2"/>
-          </a:fillRef>
-          <a:effectRef idx="3">
-            <a:schemeClr val="accent2"/>
-          </a:effectRef>
-          <a:fontRef idx="minor">
-            <a:schemeClr val="lt1"/>
-          </a:fontRef>
-        </p:style>
-        <p:txBody>
-          <a:bodyPr rtlCol="0" anchor="ctr"/>
-          <a:lstStyle/>
-          <a:p>
-            <a:pPr algn="ctr"/>
-            <a:endParaRPr lang="en-CA"/>
-          </a:p>
-        </p:txBody>
-      </p:sp>
-      <p:sp>
-        <p:nvSpPr>
-          <p:cNvPr id="36" name="Arrow: Right 35">
-            <a:extLst>
-              <a:ext uri="{FF2B5EF4-FFF2-40B4-BE49-F238E27FC236}">
-                <a16:creationId xmlns:a16="http://schemas.microsoft.com/office/drawing/2014/main" id="{6EA2B2B9-BAB7-208E-EEFA-AA936572D7C3}"/>
-              </a:ext>
-            </a:extLst>
-          </p:cNvPr>
-          <p:cNvSpPr/>
-          <p:nvPr/>
-        </p:nvSpPr>
-        <p:spPr>
-          <a:xfrm>
-            <a:off x="5868979" y="1677149"/>
-            <a:ext cx="722812" cy="174171"/>
-          </a:xfrm>
-          <a:prstGeom prst="rightArrow">
-            <a:avLst/>
-          </a:prstGeom>
-        </p:spPr>
-        <p:style>
-          <a:lnRef idx="0">
-            <a:schemeClr val="accent2"/>
-          </a:lnRef>
-          <a:fillRef idx="3">
-            <a:schemeClr val="accent2"/>
-          </a:fillRef>
-          <a:effectRef idx="3">
-            <a:schemeClr val="accent2"/>
-          </a:effectRef>
-          <a:fontRef idx="minor">
-            <a:schemeClr val="lt1"/>
-          </a:fontRef>
-        </p:style>
-        <p:txBody>
-          <a:bodyPr rtlCol="0" anchor="ctr"/>
-          <a:lstStyle/>
-          <a:p>
-            <a:pPr algn="ctr"/>
-            <a:endParaRPr lang="en-CA"/>
-          </a:p>
-        </p:txBody>
-      </p:sp>
-      <p:sp>
-        <p:nvSpPr>
-          <p:cNvPr id="37" name="Arrow: Right 36">
-            <a:extLst>
-              <a:ext uri="{FF2B5EF4-FFF2-40B4-BE49-F238E27FC236}">
-                <a16:creationId xmlns:a16="http://schemas.microsoft.com/office/drawing/2014/main" id="{39B34E13-63CA-1ED7-930A-7A6BDF1D280A}"/>
-              </a:ext>
-            </a:extLst>
-          </p:cNvPr>
-          <p:cNvSpPr/>
-          <p:nvPr/>
-        </p:nvSpPr>
-        <p:spPr>
-          <a:xfrm>
-            <a:off x="5898954" y="2030068"/>
-            <a:ext cx="722812" cy="174171"/>
-          </a:xfrm>
-          <a:prstGeom prst="rightArrow">
-            <a:avLst/>
-          </a:prstGeom>
-        </p:spPr>
-        <p:style>
-          <a:lnRef idx="0">
-            <a:schemeClr val="accent2"/>
-          </a:lnRef>
-          <a:fillRef idx="3">
-            <a:schemeClr val="accent2"/>
-          </a:fillRef>
-          <a:effectRef idx="3">
-            <a:schemeClr val="accent2"/>
-          </a:effectRef>
-          <a:fontRef idx="minor">
-            <a:schemeClr val="lt1"/>
-          </a:fontRef>
-        </p:style>
-        <p:txBody>
-          <a:bodyPr rtlCol="0" anchor="ctr"/>
-          <a:lstStyle/>
-          <a:p>
-            <a:pPr algn="ctr"/>
-            <a:endParaRPr lang="en-CA"/>
-          </a:p>
-        </p:txBody>
-      </p:sp>
-      <p:sp>
-        <p:nvSpPr>
-          <p:cNvPr id="38" name="Arrow: Right 37">
-            <a:extLst>
-              <a:ext uri="{FF2B5EF4-FFF2-40B4-BE49-F238E27FC236}">
-                <a16:creationId xmlns:a16="http://schemas.microsoft.com/office/drawing/2014/main" id="{8BCA68DF-00A1-1ECB-D1E5-BF78CBF4E4D0}"/>
-              </a:ext>
-            </a:extLst>
-          </p:cNvPr>
-          <p:cNvSpPr/>
-          <p:nvPr/>
-        </p:nvSpPr>
-        <p:spPr>
-          <a:xfrm>
-            <a:off x="5898954" y="2218330"/>
-            <a:ext cx="722812" cy="174171"/>
-          </a:xfrm>
-          <a:prstGeom prst="rightArrow">
-            <a:avLst/>
-          </a:prstGeom>
-        </p:spPr>
-        <p:style>
-          <a:lnRef idx="0">
-            <a:schemeClr val="accent2"/>
-          </a:lnRef>
-          <a:fillRef idx="3">
-            <a:schemeClr val="accent2"/>
-          </a:fillRef>
-          <a:effectRef idx="3">
-            <a:schemeClr val="accent2"/>
-          </a:effectRef>
-          <a:fontRef idx="minor">
-            <a:schemeClr val="lt1"/>
-          </a:fontRef>
-        </p:style>
-        <p:txBody>
-          <a:bodyPr rtlCol="0" anchor="ctr"/>
-          <a:lstStyle/>
-          <a:p>
-            <a:pPr algn="ctr"/>
-            <a:endParaRPr lang="en-CA"/>
-          </a:p>
-        </p:txBody>
-      </p:sp>
-      <p:sp>
-        <p:nvSpPr>
-          <p:cNvPr id="39" name="Arrow: Right 38">
-            <a:extLst>
-              <a:ext uri="{FF2B5EF4-FFF2-40B4-BE49-F238E27FC236}">
-                <a16:creationId xmlns:a16="http://schemas.microsoft.com/office/drawing/2014/main" id="{E17907E4-28B7-28CF-F9E7-38E146E5306B}"/>
-              </a:ext>
-            </a:extLst>
-          </p:cNvPr>
-          <p:cNvSpPr/>
-          <p:nvPr/>
-        </p:nvSpPr>
-        <p:spPr>
-          <a:xfrm>
-            <a:off x="5898954" y="2582351"/>
-            <a:ext cx="722812" cy="174171"/>
-          </a:xfrm>
-          <a:prstGeom prst="rightArrow">
-            <a:avLst/>
-          </a:prstGeom>
-        </p:spPr>
-        <p:style>
-          <a:lnRef idx="0">
-            <a:schemeClr val="accent2"/>
-          </a:lnRef>
-          <a:fillRef idx="3">
-            <a:schemeClr val="accent2"/>
-          </a:fillRef>
-          <a:effectRef idx="3">
-            <a:schemeClr val="accent2"/>
-          </a:effectRef>
-          <a:fontRef idx="minor">
-            <a:schemeClr val="lt1"/>
-          </a:fontRef>
-        </p:style>
-        <p:txBody>
-          <a:bodyPr rtlCol="0" anchor="ctr"/>
-          <a:lstStyle/>
-          <a:p>
-            <a:pPr algn="ctr"/>
-            <a:endParaRPr lang="en-CA"/>
-          </a:p>
-        </p:txBody>
-      </p:sp>
-    </p:spTree>
-    <p:extLst>
-      <p:ext uri="{BB962C8B-B14F-4D97-AF65-F5344CB8AC3E}">
-        <p14:creationId xmlns:p14="http://schemas.microsoft.com/office/powerpoint/2010/main" val="1944992471"/>
-      </p:ext>
-    </p:extLst>
-  </p:cSld>
-  <p:clrMapOvr>
-    <a:masterClrMapping/>
-  </p:clrMapOvr>
-</p:sld>
-</file>
-
-<file path=ppt/slides/slide7.xml><?xml version="1.0" encoding="utf-8"?>
-<p:sld xmlns:a="http://schemas.openxmlformats.org/drawingml/2006/main" xmlns:r="http://schemas.openxmlformats.org/officeDocument/2006/relationships" xmlns:p="http://schemas.openxmlformats.org/presentationml/2006/main">
-  <p:cSld>
-    <p:spTree>
-      <p:nvGrpSpPr>
-        <p:cNvPr id="1" name=""/>
-        <p:cNvGrpSpPr/>
-        <p:nvPr/>
-      </p:nvGrpSpPr>
-      <p:grpSpPr>
-        <a:xfrm>
-          <a:off x="0" y="0"/>
-          <a:ext cx="0" cy="0"/>
-          <a:chOff x="0" y="0"/>
-          <a:chExt cx="0" cy="0"/>
-        </a:xfrm>
-      </p:grpSpPr>
-      <p:pic>
-        <p:nvPicPr>
-          <p:cNvPr id="5" name="Picture 4">
-            <a:extLst>
-              <a:ext uri="{FF2B5EF4-FFF2-40B4-BE49-F238E27FC236}">
-                <a16:creationId xmlns:a16="http://schemas.microsoft.com/office/drawing/2014/main" id="{FCA5AFC2-75CA-543C-4167-342FAF019F37}"/>
-              </a:ext>
-            </a:extLst>
-          </p:cNvPr>
-          <p:cNvPicPr>
-            <a:picLocks noChangeAspect="1"/>
-          </p:cNvPicPr>
-          <p:nvPr/>
-        </p:nvPicPr>
-        <p:blipFill>
-          <a:blip r:embed="rId2"/>
-          <a:stretch>
-            <a:fillRect/>
-          </a:stretch>
-        </p:blipFill>
-        <p:spPr>
-          <a:xfrm>
-            <a:off x="670561" y="115582"/>
-            <a:ext cx="5425439" cy="6408130"/>
-          </a:xfrm>
-          <a:prstGeom prst="rect">
-            <a:avLst/>
-          </a:prstGeom>
-        </p:spPr>
-      </p:pic>
-      <p:pic>
-        <p:nvPicPr>
-          <p:cNvPr id="7" name="Picture 6">
-            <a:extLst>
-              <a:ext uri="{FF2B5EF4-FFF2-40B4-BE49-F238E27FC236}">
-                <a16:creationId xmlns:a16="http://schemas.microsoft.com/office/drawing/2014/main" id="{F732A356-EBE4-564C-77F1-601E03E35923}"/>
-              </a:ext>
-            </a:extLst>
-          </p:cNvPr>
-          <p:cNvPicPr>
-            <a:picLocks noChangeAspect="1"/>
-          </p:cNvPicPr>
-          <p:nvPr/>
-        </p:nvPicPr>
-        <p:blipFill>
-          <a:blip r:embed="rId3"/>
-          <a:stretch>
-            <a:fillRect/>
-          </a:stretch>
-        </p:blipFill>
-        <p:spPr>
-          <a:xfrm>
-            <a:off x="6571766" y="733890"/>
-            <a:ext cx="5296021" cy="2078979"/>
-          </a:xfrm>
-          <a:prstGeom prst="rect">
-            <a:avLst/>
-          </a:prstGeom>
-        </p:spPr>
-      </p:pic>
-      <p:pic>
-        <p:nvPicPr>
-          <p:cNvPr id="3" name="Graphic 2" descr="Checkbox Checked with solid fill">
-            <a:extLst>
-              <a:ext uri="{FF2B5EF4-FFF2-40B4-BE49-F238E27FC236}">
-                <a16:creationId xmlns:a16="http://schemas.microsoft.com/office/drawing/2014/main" id="{381CE9DD-A295-8B92-10C6-CE9050206B98}"/>
-              </a:ext>
-            </a:extLst>
-          </p:cNvPr>
-          <p:cNvPicPr>
-            <a:picLocks noChangeAspect="1"/>
-          </p:cNvPicPr>
-          <p:nvPr/>
-        </p:nvPicPr>
-        <p:blipFill>
-          <a:blip r:embed="rId4">
-            <a:extLst>
-              <a:ext uri="{28A0092B-C50C-407E-A947-70E740481C1C}">
-                <a14:useLocalDpi xmlns:a14="http://schemas.microsoft.com/office/drawing/2010/main" val="0"/>
-              </a:ext>
-              <a:ext uri="{96DAC541-7B7A-43D3-8B79-37D633B846F1}">
-                <asvg:svgBlip xmlns:asvg="http://schemas.microsoft.com/office/drawing/2016/SVG/main" r:embed="rId5"/>
-              </a:ext>
-            </a:extLst>
-          </a:blip>
-          <a:stretch>
-            <a:fillRect/>
-          </a:stretch>
-        </p:blipFill>
-        <p:spPr>
-          <a:xfrm>
-            <a:off x="886969" y="2102187"/>
-            <a:ext cx="319665" cy="319665"/>
-          </a:xfrm>
-          <a:prstGeom prst="rect">
-            <a:avLst/>
-          </a:prstGeom>
-        </p:spPr>
-      </p:pic>
-      <p:pic>
-        <p:nvPicPr>
-          <p:cNvPr id="4" name="Graphic 3" descr="Checkbox Checked with solid fill">
-            <a:extLst>
-              <a:ext uri="{FF2B5EF4-FFF2-40B4-BE49-F238E27FC236}">
-                <a16:creationId xmlns:a16="http://schemas.microsoft.com/office/drawing/2014/main" id="{D594745D-E419-8403-7783-5F1197E54E30}"/>
-              </a:ext>
-            </a:extLst>
-          </p:cNvPr>
-          <p:cNvPicPr>
-            <a:picLocks noChangeAspect="1"/>
-          </p:cNvPicPr>
-          <p:nvPr/>
-        </p:nvPicPr>
-        <p:blipFill>
-          <a:blip r:embed="rId4">
-            <a:extLst>
-              <a:ext uri="{28A0092B-C50C-407E-A947-70E740481C1C}">
-                <a14:useLocalDpi xmlns:a14="http://schemas.microsoft.com/office/drawing/2010/main" val="0"/>
-              </a:ext>
-              <a:ext uri="{96DAC541-7B7A-43D3-8B79-37D633B846F1}">
-                <asvg:svgBlip xmlns:asvg="http://schemas.microsoft.com/office/drawing/2016/SVG/main" r:embed="rId5"/>
-              </a:ext>
-            </a:extLst>
-          </a:blip>
-          <a:stretch>
-            <a:fillRect/>
-          </a:stretch>
-        </p:blipFill>
-        <p:spPr>
-          <a:xfrm>
-            <a:off x="877826" y="414225"/>
-            <a:ext cx="319665" cy="319665"/>
-          </a:xfrm>
-          <a:prstGeom prst="rect">
-            <a:avLst/>
-          </a:prstGeom>
-        </p:spPr>
-      </p:pic>
-      <p:pic>
-        <p:nvPicPr>
-          <p:cNvPr id="6" name="Graphic 5" descr="Checkbox Checked with solid fill">
-            <a:extLst>
-              <a:ext uri="{FF2B5EF4-FFF2-40B4-BE49-F238E27FC236}">
-                <a16:creationId xmlns:a16="http://schemas.microsoft.com/office/drawing/2014/main" id="{CB2E23FA-4128-4F01-8ED0-17F7D9D5C7CA}"/>
-              </a:ext>
-            </a:extLst>
-          </p:cNvPr>
-          <p:cNvPicPr>
-            <a:picLocks noChangeAspect="1"/>
-          </p:cNvPicPr>
-          <p:nvPr/>
-        </p:nvPicPr>
-        <p:blipFill>
-          <a:blip r:embed="rId4">
-            <a:extLst>
-              <a:ext uri="{28A0092B-C50C-407E-A947-70E740481C1C}">
-                <a14:useLocalDpi xmlns:a14="http://schemas.microsoft.com/office/drawing/2010/main" val="0"/>
-              </a:ext>
-              <a:ext uri="{96DAC541-7B7A-43D3-8B79-37D633B846F1}">
-                <asvg:svgBlip xmlns:asvg="http://schemas.microsoft.com/office/drawing/2016/SVG/main" r:embed="rId5"/>
-              </a:ext>
-            </a:extLst>
-          </a:blip>
-          <a:stretch>
-            <a:fillRect/>
-          </a:stretch>
-        </p:blipFill>
-        <p:spPr>
-          <a:xfrm>
-            <a:off x="877826" y="757312"/>
-            <a:ext cx="319665" cy="319665"/>
-          </a:xfrm>
-          <a:prstGeom prst="rect">
-            <a:avLst/>
-          </a:prstGeom>
-        </p:spPr>
-      </p:pic>
-      <p:pic>
-        <p:nvPicPr>
-          <p:cNvPr id="8" name="Graphic 7" descr="Checkbox Checked with solid fill">
-            <a:extLst>
-              <a:ext uri="{FF2B5EF4-FFF2-40B4-BE49-F238E27FC236}">
-                <a16:creationId xmlns:a16="http://schemas.microsoft.com/office/drawing/2014/main" id="{E63A4A2D-A4EB-EB22-DC9C-6DF0B6E90582}"/>
-              </a:ext>
-            </a:extLst>
-          </p:cNvPr>
-          <p:cNvPicPr>
-            <a:picLocks noChangeAspect="1"/>
-          </p:cNvPicPr>
-          <p:nvPr/>
-        </p:nvPicPr>
-        <p:blipFill>
-          <a:blip r:embed="rId4">
-            <a:extLst>
-              <a:ext uri="{28A0092B-C50C-407E-A947-70E740481C1C}">
-                <a14:useLocalDpi xmlns:a14="http://schemas.microsoft.com/office/drawing/2010/main" val="0"/>
-              </a:ext>
-              <a:ext uri="{96DAC541-7B7A-43D3-8B79-37D633B846F1}">
-                <asvg:svgBlip xmlns:asvg="http://schemas.microsoft.com/office/drawing/2016/SVG/main" r:embed="rId5"/>
-              </a:ext>
-            </a:extLst>
-          </a:blip>
-          <a:stretch>
-            <a:fillRect/>
-          </a:stretch>
-        </p:blipFill>
-        <p:spPr>
-          <a:xfrm>
-            <a:off x="886969" y="1764235"/>
-            <a:ext cx="319665" cy="319665"/>
-          </a:xfrm>
-          <a:prstGeom prst="rect">
-            <a:avLst/>
-          </a:prstGeom>
-        </p:spPr>
-      </p:pic>
-      <p:pic>
-        <p:nvPicPr>
-          <p:cNvPr id="9" name="Graphic 8" descr="Checkbox Checked with solid fill">
-            <a:extLst>
-              <a:ext uri="{FF2B5EF4-FFF2-40B4-BE49-F238E27FC236}">
-                <a16:creationId xmlns:a16="http://schemas.microsoft.com/office/drawing/2014/main" id="{ADBA8383-9868-65B0-FFC4-2077F804DF59}"/>
-              </a:ext>
-            </a:extLst>
-          </p:cNvPr>
-          <p:cNvPicPr>
-            <a:picLocks noChangeAspect="1"/>
-          </p:cNvPicPr>
-          <p:nvPr/>
-        </p:nvPicPr>
-        <p:blipFill>
-          <a:blip r:embed="rId4">
-            <a:extLst>
-              <a:ext uri="{28A0092B-C50C-407E-A947-70E740481C1C}">
-                <a14:useLocalDpi xmlns:a14="http://schemas.microsoft.com/office/drawing/2010/main" val="0"/>
-              </a:ext>
-              <a:ext uri="{96DAC541-7B7A-43D3-8B79-37D633B846F1}">
-                <asvg:svgBlip xmlns:asvg="http://schemas.microsoft.com/office/drawing/2016/SVG/main" r:embed="rId5"/>
-              </a:ext>
-            </a:extLst>
-          </a:blip>
-          <a:stretch>
-            <a:fillRect/>
-          </a:stretch>
-        </p:blipFill>
-        <p:spPr>
-          <a:xfrm>
-            <a:off x="883547" y="1942355"/>
-            <a:ext cx="319665" cy="319665"/>
-          </a:xfrm>
-          <a:prstGeom prst="rect">
-            <a:avLst/>
-          </a:prstGeom>
-        </p:spPr>
-      </p:pic>
-      <p:pic>
-        <p:nvPicPr>
-          <p:cNvPr id="2" name="Graphic 1" descr="Checkbox Checked with solid fill">
-            <a:extLst>
-              <a:ext uri="{FF2B5EF4-FFF2-40B4-BE49-F238E27FC236}">
-                <a16:creationId xmlns:a16="http://schemas.microsoft.com/office/drawing/2014/main" id="{E7ACF4C9-F75A-D2EF-588A-2ECA90657CA1}"/>
-              </a:ext>
-            </a:extLst>
-          </p:cNvPr>
-          <p:cNvPicPr>
-            <a:picLocks noChangeAspect="1"/>
-          </p:cNvPicPr>
-          <p:nvPr/>
-        </p:nvPicPr>
-        <p:blipFill>
-          <a:blip r:embed="rId4">
-            <a:extLst>
-              <a:ext uri="{28A0092B-C50C-407E-A947-70E740481C1C}">
-                <a14:useLocalDpi xmlns:a14="http://schemas.microsoft.com/office/drawing/2010/main" val="0"/>
-              </a:ext>
-              <a:ext uri="{96DAC541-7B7A-43D3-8B79-37D633B846F1}">
-                <asvg:svgBlip xmlns:asvg="http://schemas.microsoft.com/office/drawing/2016/SVG/main" r:embed="rId5"/>
-              </a:ext>
-            </a:extLst>
-          </a:blip>
-          <a:stretch>
-            <a:fillRect/>
-          </a:stretch>
-        </p:blipFill>
-        <p:spPr>
-          <a:xfrm>
-            <a:off x="886968" y="583087"/>
-            <a:ext cx="319665" cy="319665"/>
-          </a:xfrm>
-          <a:prstGeom prst="rect">
-            <a:avLst/>
-          </a:prstGeom>
-        </p:spPr>
-      </p:pic>
-      <p:pic>
-        <p:nvPicPr>
-          <p:cNvPr id="10" name="Graphic 9" descr="Checkbox Checked with solid fill">
-            <a:extLst>
-              <a:ext uri="{FF2B5EF4-FFF2-40B4-BE49-F238E27FC236}">
-                <a16:creationId xmlns:a16="http://schemas.microsoft.com/office/drawing/2014/main" id="{C8406A45-5016-8A66-CBA3-FCBDD76C85BC}"/>
-              </a:ext>
-            </a:extLst>
-          </p:cNvPr>
-          <p:cNvPicPr>
-            <a:picLocks noChangeAspect="1"/>
-          </p:cNvPicPr>
-          <p:nvPr/>
-        </p:nvPicPr>
-        <p:blipFill>
-          <a:blip r:embed="rId4">
-            <a:extLst>
-              <a:ext uri="{28A0092B-C50C-407E-A947-70E740481C1C}">
-                <a14:useLocalDpi xmlns:a14="http://schemas.microsoft.com/office/drawing/2010/main" val="0"/>
-              </a:ext>
-              <a:ext uri="{96DAC541-7B7A-43D3-8B79-37D633B846F1}">
-                <asvg:svgBlip xmlns:asvg="http://schemas.microsoft.com/office/drawing/2016/SVG/main" r:embed="rId5"/>
-              </a:ext>
-            </a:extLst>
-          </a:blip>
-          <a:stretch>
-            <a:fillRect/>
-          </a:stretch>
-        </p:blipFill>
-        <p:spPr>
-          <a:xfrm>
-            <a:off x="882353" y="1060960"/>
-            <a:ext cx="319665" cy="319665"/>
-          </a:xfrm>
-          <a:prstGeom prst="rect">
-            <a:avLst/>
-          </a:prstGeom>
-        </p:spPr>
-      </p:pic>
-      <p:pic>
-        <p:nvPicPr>
-          <p:cNvPr id="11" name="Graphic 10" descr="Checkbox Checked with solid fill">
-            <a:extLst>
-              <a:ext uri="{FF2B5EF4-FFF2-40B4-BE49-F238E27FC236}">
-                <a16:creationId xmlns:a16="http://schemas.microsoft.com/office/drawing/2014/main" id="{23ECFC77-413F-D5C8-EA9F-1470C5EA6DB5}"/>
-              </a:ext>
-            </a:extLst>
-          </p:cNvPr>
-          <p:cNvPicPr>
-            <a:picLocks noChangeAspect="1"/>
-          </p:cNvPicPr>
-          <p:nvPr/>
-        </p:nvPicPr>
-        <p:blipFill>
-          <a:blip r:embed="rId4">
-            <a:extLst>
-              <a:ext uri="{28A0092B-C50C-407E-A947-70E740481C1C}">
-                <a14:useLocalDpi xmlns:a14="http://schemas.microsoft.com/office/drawing/2010/main" val="0"/>
-              </a:ext>
-              <a:ext uri="{96DAC541-7B7A-43D3-8B79-37D633B846F1}">
-                <asvg:svgBlip xmlns:asvg="http://schemas.microsoft.com/office/drawing/2016/SVG/main" r:embed="rId5"/>
-              </a:ext>
-            </a:extLst>
-          </a:blip>
-          <a:stretch>
-            <a:fillRect/>
-          </a:stretch>
-        </p:blipFill>
-        <p:spPr>
-          <a:xfrm>
-            <a:off x="904885" y="1580799"/>
-            <a:ext cx="319665" cy="319665"/>
-          </a:xfrm>
-          <a:prstGeom prst="rect">
-            <a:avLst/>
-          </a:prstGeom>
-        </p:spPr>
-      </p:pic>
-      <p:pic>
-        <p:nvPicPr>
-          <p:cNvPr id="12" name="Graphic 11" descr="Checkbox Checked with solid fill">
-            <a:extLst>
-              <a:ext uri="{FF2B5EF4-FFF2-40B4-BE49-F238E27FC236}">
-                <a16:creationId xmlns:a16="http://schemas.microsoft.com/office/drawing/2014/main" id="{A1CE483E-219F-00A7-FEAB-28E9B2A4CEEC}"/>
-              </a:ext>
-            </a:extLst>
-          </p:cNvPr>
-          <p:cNvPicPr>
-            <a:picLocks noChangeAspect="1"/>
-          </p:cNvPicPr>
-          <p:nvPr/>
-        </p:nvPicPr>
-        <p:blipFill>
-          <a:blip r:embed="rId4">
-            <a:extLst>
-              <a:ext uri="{28A0092B-C50C-407E-A947-70E740481C1C}">
-                <a14:useLocalDpi xmlns:a14="http://schemas.microsoft.com/office/drawing/2010/main" val="0"/>
-              </a:ext>
-              <a:ext uri="{96DAC541-7B7A-43D3-8B79-37D633B846F1}">
-                <asvg:svgBlip xmlns:asvg="http://schemas.microsoft.com/office/drawing/2016/SVG/main" r:embed="rId5"/>
-              </a:ext>
-            </a:extLst>
-          </a:blip>
-          <a:stretch>
-            <a:fillRect/>
-          </a:stretch>
-        </p:blipFill>
-        <p:spPr>
-          <a:xfrm>
-            <a:off x="886591" y="2419319"/>
-            <a:ext cx="319665" cy="319665"/>
-          </a:xfrm>
-          <a:prstGeom prst="rect">
-            <a:avLst/>
-          </a:prstGeom>
-        </p:spPr>
-      </p:pic>
-      <p:pic>
-        <p:nvPicPr>
-          <p:cNvPr id="13" name="Graphic 12" descr="Checkbox Checked with solid fill">
-            <a:extLst>
-              <a:ext uri="{FF2B5EF4-FFF2-40B4-BE49-F238E27FC236}">
-                <a16:creationId xmlns:a16="http://schemas.microsoft.com/office/drawing/2014/main" id="{D71DC850-EA23-9A8B-2F90-93A642878274}"/>
-              </a:ext>
-            </a:extLst>
-          </p:cNvPr>
-          <p:cNvPicPr>
-            <a:picLocks noChangeAspect="1"/>
-          </p:cNvPicPr>
-          <p:nvPr/>
-        </p:nvPicPr>
-        <p:blipFill>
-          <a:blip r:embed="rId4">
-            <a:extLst>
-              <a:ext uri="{28A0092B-C50C-407E-A947-70E740481C1C}">
-                <a14:useLocalDpi xmlns:a14="http://schemas.microsoft.com/office/drawing/2010/main" val="0"/>
-              </a:ext>
-              <a:ext uri="{96DAC541-7B7A-43D3-8B79-37D633B846F1}">
-                <asvg:svgBlip xmlns:asvg="http://schemas.microsoft.com/office/drawing/2016/SVG/main" r:embed="rId5"/>
-              </a:ext>
-            </a:extLst>
-          </a:blip>
-          <a:stretch>
-            <a:fillRect/>
-          </a:stretch>
-        </p:blipFill>
-        <p:spPr>
-          <a:xfrm>
-            <a:off x="877449" y="2940424"/>
-            <a:ext cx="319665" cy="319665"/>
-          </a:xfrm>
-          <a:prstGeom prst="rect">
-            <a:avLst/>
-          </a:prstGeom>
-        </p:spPr>
-      </p:pic>
-      <p:pic>
-        <p:nvPicPr>
-          <p:cNvPr id="14" name="Graphic 13" descr="Checkbox Checked with solid fill">
-            <a:extLst>
-              <a:ext uri="{FF2B5EF4-FFF2-40B4-BE49-F238E27FC236}">
-                <a16:creationId xmlns:a16="http://schemas.microsoft.com/office/drawing/2014/main" id="{A5666D9E-B992-E5C0-3E6C-534C39EF1FD0}"/>
-              </a:ext>
-            </a:extLst>
-          </p:cNvPr>
-          <p:cNvPicPr>
-            <a:picLocks noChangeAspect="1"/>
-          </p:cNvPicPr>
-          <p:nvPr/>
-        </p:nvPicPr>
-        <p:blipFill>
-          <a:blip r:embed="rId4">
-            <a:extLst>
-              <a:ext uri="{28A0092B-C50C-407E-A947-70E740481C1C}">
-                <a14:useLocalDpi xmlns:a14="http://schemas.microsoft.com/office/drawing/2010/main" val="0"/>
-              </a:ext>
-              <a:ext uri="{96DAC541-7B7A-43D3-8B79-37D633B846F1}">
-                <asvg:svgBlip xmlns:asvg="http://schemas.microsoft.com/office/drawing/2016/SVG/main" r:embed="rId5"/>
-              </a:ext>
-            </a:extLst>
-          </a:blip>
-          <a:stretch>
-            <a:fillRect/>
-          </a:stretch>
-        </p:blipFill>
-        <p:spPr>
-          <a:xfrm>
-            <a:off x="885845" y="3247410"/>
-            <a:ext cx="319665" cy="319665"/>
-          </a:xfrm>
-          <a:prstGeom prst="rect">
-            <a:avLst/>
-          </a:prstGeom>
-        </p:spPr>
-      </p:pic>
-      <p:pic>
-        <p:nvPicPr>
-          <p:cNvPr id="23" name="Graphic 22" descr="Checkbox Checked with solid fill">
-            <a:extLst>
-              <a:ext uri="{FF2B5EF4-FFF2-40B4-BE49-F238E27FC236}">
-                <a16:creationId xmlns:a16="http://schemas.microsoft.com/office/drawing/2014/main" id="{8AF18C17-3DE2-0EBE-9590-0BA5C6D20D04}"/>
-              </a:ext>
-            </a:extLst>
-          </p:cNvPr>
-          <p:cNvPicPr>
-            <a:picLocks noChangeAspect="1"/>
-          </p:cNvPicPr>
-          <p:nvPr/>
-        </p:nvPicPr>
-        <p:blipFill>
-          <a:blip r:embed="rId4">
-            <a:extLst>
-              <a:ext uri="{28A0092B-C50C-407E-A947-70E740481C1C}">
-                <a14:useLocalDpi xmlns:a14="http://schemas.microsoft.com/office/drawing/2010/main" val="0"/>
-              </a:ext>
-              <a:ext uri="{96DAC541-7B7A-43D3-8B79-37D633B846F1}">
-                <asvg:svgBlip xmlns:asvg="http://schemas.microsoft.com/office/drawing/2016/SVG/main" r:embed="rId5"/>
-              </a:ext>
-            </a:extLst>
-          </a:blip>
-          <a:stretch>
-            <a:fillRect/>
-          </a:stretch>
-        </p:blipFill>
-        <p:spPr>
-          <a:xfrm>
-            <a:off x="877072" y="3740338"/>
-            <a:ext cx="319665" cy="319665"/>
-          </a:xfrm>
-          <a:prstGeom prst="rect">
-            <a:avLst/>
-          </a:prstGeom>
-        </p:spPr>
-      </p:pic>
-      <p:pic>
-        <p:nvPicPr>
-          <p:cNvPr id="24" name="Graphic 23" descr="Checkbox Checked with solid fill">
-            <a:extLst>
-              <a:ext uri="{FF2B5EF4-FFF2-40B4-BE49-F238E27FC236}">
-                <a16:creationId xmlns:a16="http://schemas.microsoft.com/office/drawing/2014/main" id="{13004C2F-E149-A616-6F2C-443AABA190FE}"/>
-              </a:ext>
-            </a:extLst>
-          </p:cNvPr>
-          <p:cNvPicPr>
-            <a:picLocks noChangeAspect="1"/>
-          </p:cNvPicPr>
-          <p:nvPr/>
-        </p:nvPicPr>
-        <p:blipFill>
-          <a:blip r:embed="rId4">
-            <a:extLst>
-              <a:ext uri="{28A0092B-C50C-407E-A947-70E740481C1C}">
-                <a14:useLocalDpi xmlns:a14="http://schemas.microsoft.com/office/drawing/2010/main" val="0"/>
-              </a:ext>
-              <a:ext uri="{96DAC541-7B7A-43D3-8B79-37D633B846F1}">
-                <asvg:svgBlip xmlns:asvg="http://schemas.microsoft.com/office/drawing/2016/SVG/main" r:embed="rId5"/>
-              </a:ext>
-            </a:extLst>
-          </a:blip>
-          <a:stretch>
-            <a:fillRect/>
-          </a:stretch>
-        </p:blipFill>
-        <p:spPr>
-          <a:xfrm>
-            <a:off x="883547" y="4233266"/>
-            <a:ext cx="319665" cy="319665"/>
-          </a:xfrm>
-          <a:prstGeom prst="rect">
-            <a:avLst/>
-          </a:prstGeom>
-        </p:spPr>
-      </p:pic>
-      <p:pic>
-        <p:nvPicPr>
-          <p:cNvPr id="15" name="Graphic 14" descr="Checkbox Checked with solid fill">
-            <a:extLst>
-              <a:ext uri="{FF2B5EF4-FFF2-40B4-BE49-F238E27FC236}">
-                <a16:creationId xmlns:a16="http://schemas.microsoft.com/office/drawing/2014/main" id="{6EEF53F9-8B03-A069-C4F7-02B07593F41E}"/>
-              </a:ext>
-            </a:extLst>
-          </p:cNvPr>
-          <p:cNvPicPr>
-            <a:picLocks noChangeAspect="1"/>
-          </p:cNvPicPr>
-          <p:nvPr/>
-        </p:nvPicPr>
-        <p:blipFill>
-          <a:blip r:embed="rId4">
-            <a:extLst>
-              <a:ext uri="{28A0092B-C50C-407E-A947-70E740481C1C}">
-                <a14:useLocalDpi xmlns:a14="http://schemas.microsoft.com/office/drawing/2010/main" val="0"/>
-              </a:ext>
-              <a:ext uri="{96DAC541-7B7A-43D3-8B79-37D633B846F1}">
-                <asvg:svgBlip xmlns:asvg="http://schemas.microsoft.com/office/drawing/2016/SVG/main" r:embed="rId5"/>
-              </a:ext>
-            </a:extLst>
-          </a:blip>
-          <a:stretch>
-            <a:fillRect/>
-          </a:stretch>
-        </p:blipFill>
-        <p:spPr>
-          <a:xfrm>
-            <a:off x="886969" y="5007412"/>
-            <a:ext cx="319665" cy="319665"/>
-          </a:xfrm>
-          <a:prstGeom prst="rect">
-            <a:avLst/>
-          </a:prstGeom>
-        </p:spPr>
-      </p:pic>
-      <p:pic>
-        <p:nvPicPr>
-          <p:cNvPr id="16" name="Graphic 15" descr="Checkbox Checked with solid fill">
-            <a:extLst>
-              <a:ext uri="{FF2B5EF4-FFF2-40B4-BE49-F238E27FC236}">
-                <a16:creationId xmlns:a16="http://schemas.microsoft.com/office/drawing/2014/main" id="{FD4CFA97-E1D4-2D54-DCDE-C343672E943F}"/>
-              </a:ext>
-            </a:extLst>
-          </p:cNvPr>
-          <p:cNvPicPr>
-            <a:picLocks noChangeAspect="1"/>
-          </p:cNvPicPr>
-          <p:nvPr/>
-        </p:nvPicPr>
-        <p:blipFill>
-          <a:blip r:embed="rId4">
-            <a:extLst>
-              <a:ext uri="{28A0092B-C50C-407E-A947-70E740481C1C}">
-                <a14:useLocalDpi xmlns:a14="http://schemas.microsoft.com/office/drawing/2010/main" val="0"/>
-              </a:ext>
-              <a:ext uri="{96DAC541-7B7A-43D3-8B79-37D633B846F1}">
-                <asvg:svgBlip xmlns:asvg="http://schemas.microsoft.com/office/drawing/2016/SVG/main" r:embed="rId5"/>
-              </a:ext>
-            </a:extLst>
-          </a:blip>
-          <a:stretch>
-            <a:fillRect/>
-          </a:stretch>
-        </p:blipFill>
-        <p:spPr>
-          <a:xfrm>
-            <a:off x="883547" y="5185532"/>
-            <a:ext cx="319665" cy="319665"/>
-          </a:xfrm>
-          <a:prstGeom prst="rect">
-            <a:avLst/>
-          </a:prstGeom>
-        </p:spPr>
-      </p:pic>
-      <p:pic>
-        <p:nvPicPr>
-          <p:cNvPr id="17" name="Graphic 16" descr="Checkbox Checked with solid fill">
-            <a:extLst>
-              <a:ext uri="{FF2B5EF4-FFF2-40B4-BE49-F238E27FC236}">
-                <a16:creationId xmlns:a16="http://schemas.microsoft.com/office/drawing/2014/main" id="{49F41CE0-5A77-E3D3-E41D-9E781619FB20}"/>
-              </a:ext>
-            </a:extLst>
-          </p:cNvPr>
-          <p:cNvPicPr>
-            <a:picLocks noChangeAspect="1"/>
-          </p:cNvPicPr>
-          <p:nvPr/>
-        </p:nvPicPr>
-        <p:blipFill>
-          <a:blip r:embed="rId4">
-            <a:extLst>
-              <a:ext uri="{28A0092B-C50C-407E-A947-70E740481C1C}">
-                <a14:useLocalDpi xmlns:a14="http://schemas.microsoft.com/office/drawing/2010/main" val="0"/>
-              </a:ext>
-              <a:ext uri="{96DAC541-7B7A-43D3-8B79-37D633B846F1}">
-                <asvg:svgBlip xmlns:asvg="http://schemas.microsoft.com/office/drawing/2016/SVG/main" r:embed="rId5"/>
-              </a:ext>
-            </a:extLst>
-          </a:blip>
-          <a:stretch>
-            <a:fillRect/>
-          </a:stretch>
-        </p:blipFill>
-        <p:spPr>
-          <a:xfrm>
-            <a:off x="904885" y="4823976"/>
-            <a:ext cx="319665" cy="319665"/>
-          </a:xfrm>
-          <a:prstGeom prst="rect">
-            <a:avLst/>
-          </a:prstGeom>
-        </p:spPr>
-      </p:pic>
-      <p:pic>
-        <p:nvPicPr>
-          <p:cNvPr id="18" name="Graphic 17" descr="Checkbox Checked with solid fill">
-            <a:extLst>
-              <a:ext uri="{FF2B5EF4-FFF2-40B4-BE49-F238E27FC236}">
-                <a16:creationId xmlns:a16="http://schemas.microsoft.com/office/drawing/2014/main" id="{C4E51BCE-A130-DB08-8C9C-23649477FA2B}"/>
-              </a:ext>
-            </a:extLst>
-          </p:cNvPr>
-          <p:cNvPicPr>
-            <a:picLocks noChangeAspect="1"/>
-          </p:cNvPicPr>
-          <p:nvPr/>
-        </p:nvPicPr>
-        <p:blipFill>
-          <a:blip r:embed="rId4">
-            <a:extLst>
-              <a:ext uri="{28A0092B-C50C-407E-A947-70E740481C1C}">
-                <a14:useLocalDpi xmlns:a14="http://schemas.microsoft.com/office/drawing/2010/main" val="0"/>
-              </a:ext>
-              <a:ext uri="{96DAC541-7B7A-43D3-8B79-37D633B846F1}">
-                <asvg:svgBlip xmlns:asvg="http://schemas.microsoft.com/office/drawing/2016/SVG/main" r:embed="rId5"/>
-              </a:ext>
-            </a:extLst>
-          </a:blip>
-          <a:stretch>
-            <a:fillRect/>
-          </a:stretch>
-        </p:blipFill>
-        <p:spPr>
-          <a:xfrm>
-            <a:off x="852639" y="5820643"/>
-            <a:ext cx="319665" cy="319665"/>
-          </a:xfrm>
-          <a:prstGeom prst="rect">
-            <a:avLst/>
-          </a:prstGeom>
-        </p:spPr>
-      </p:pic>
-      <p:pic>
-        <p:nvPicPr>
-          <p:cNvPr id="19" name="Graphic 18" descr="Checkbox Checked with solid fill">
-            <a:extLst>
-              <a:ext uri="{FF2B5EF4-FFF2-40B4-BE49-F238E27FC236}">
-                <a16:creationId xmlns:a16="http://schemas.microsoft.com/office/drawing/2014/main" id="{8836E40E-5C26-3544-A7CA-340145699D6A}"/>
-              </a:ext>
-            </a:extLst>
-          </p:cNvPr>
-          <p:cNvPicPr>
-            <a:picLocks noChangeAspect="1"/>
-          </p:cNvPicPr>
-          <p:nvPr/>
-        </p:nvPicPr>
-        <p:blipFill>
-          <a:blip r:embed="rId4">
-            <a:extLst>
-              <a:ext uri="{28A0092B-C50C-407E-A947-70E740481C1C}">
-                <a14:useLocalDpi xmlns:a14="http://schemas.microsoft.com/office/drawing/2010/main" val="0"/>
-              </a:ext>
-              <a:ext uri="{96DAC541-7B7A-43D3-8B79-37D633B846F1}">
-                <asvg:svgBlip xmlns:asvg="http://schemas.microsoft.com/office/drawing/2016/SVG/main" r:embed="rId5"/>
-              </a:ext>
-            </a:extLst>
-          </a:blip>
-          <a:stretch>
-            <a:fillRect/>
-          </a:stretch>
-        </p:blipFill>
-        <p:spPr>
-          <a:xfrm>
-            <a:off x="849217" y="5998763"/>
-            <a:ext cx="319665" cy="319665"/>
-          </a:xfrm>
-          <a:prstGeom prst="rect">
-            <a:avLst/>
-          </a:prstGeom>
-        </p:spPr>
-      </p:pic>
-      <p:pic>
-        <p:nvPicPr>
-          <p:cNvPr id="20" name="Graphic 19" descr="Checkbox Checked with solid fill">
-            <a:extLst>
-              <a:ext uri="{FF2B5EF4-FFF2-40B4-BE49-F238E27FC236}">
-                <a16:creationId xmlns:a16="http://schemas.microsoft.com/office/drawing/2014/main" id="{E23AFB16-C228-7A5E-B694-8BEA92CACF83}"/>
-              </a:ext>
-            </a:extLst>
-          </p:cNvPr>
-          <p:cNvPicPr>
-            <a:picLocks noChangeAspect="1"/>
-          </p:cNvPicPr>
-          <p:nvPr/>
-        </p:nvPicPr>
-        <p:blipFill>
-          <a:blip r:embed="rId4">
-            <a:extLst>
-              <a:ext uri="{28A0092B-C50C-407E-A947-70E740481C1C}">
-                <a14:useLocalDpi xmlns:a14="http://schemas.microsoft.com/office/drawing/2010/main" val="0"/>
-              </a:ext>
-              <a:ext uri="{96DAC541-7B7A-43D3-8B79-37D633B846F1}">
-                <asvg:svgBlip xmlns:asvg="http://schemas.microsoft.com/office/drawing/2016/SVG/main" r:embed="rId5"/>
-              </a:ext>
-            </a:extLst>
-          </a:blip>
-          <a:stretch>
-            <a:fillRect/>
-          </a:stretch>
-        </p:blipFill>
-        <p:spPr>
-          <a:xfrm>
-            <a:off x="877072" y="5537066"/>
-            <a:ext cx="319665" cy="319665"/>
-          </a:xfrm>
-          <a:prstGeom prst="rect">
-            <a:avLst/>
-          </a:prstGeom>
-        </p:spPr>
-      </p:pic>
-      <p:pic>
-        <p:nvPicPr>
-          <p:cNvPr id="21" name="Graphic 20" descr="Checkbox Checked with solid fill">
-            <a:extLst>
-              <a:ext uri="{FF2B5EF4-FFF2-40B4-BE49-F238E27FC236}">
-                <a16:creationId xmlns:a16="http://schemas.microsoft.com/office/drawing/2014/main" id="{C601F9EE-2CAB-67E2-0443-656ECCB58751}"/>
-              </a:ext>
-            </a:extLst>
-          </p:cNvPr>
-          <p:cNvPicPr>
-            <a:picLocks noChangeAspect="1"/>
-          </p:cNvPicPr>
-          <p:nvPr/>
-        </p:nvPicPr>
-        <p:blipFill>
-          <a:blip r:embed="rId4">
-            <a:extLst>
-              <a:ext uri="{28A0092B-C50C-407E-A947-70E740481C1C}">
-                <a14:useLocalDpi xmlns:a14="http://schemas.microsoft.com/office/drawing/2010/main" val="0"/>
-              </a:ext>
-              <a:ext uri="{96DAC541-7B7A-43D3-8B79-37D633B846F1}">
-                <asvg:svgBlip xmlns:asvg="http://schemas.microsoft.com/office/drawing/2016/SVG/main" r:embed="rId5"/>
-              </a:ext>
-            </a:extLst>
-          </a:blip>
-          <a:stretch>
-            <a:fillRect/>
-          </a:stretch>
-        </p:blipFill>
-        <p:spPr>
-          <a:xfrm>
-            <a:off x="6360491" y="882840"/>
-            <a:ext cx="319665" cy="319665"/>
-          </a:xfrm>
-          <a:prstGeom prst="rect">
-            <a:avLst/>
-          </a:prstGeom>
-        </p:spPr>
-      </p:pic>
-      <p:pic>
-        <p:nvPicPr>
-          <p:cNvPr id="22" name="Graphic 21" descr="Checkbox Checked with solid fill">
-            <a:extLst>
-              <a:ext uri="{FF2B5EF4-FFF2-40B4-BE49-F238E27FC236}">
-                <a16:creationId xmlns:a16="http://schemas.microsoft.com/office/drawing/2014/main" id="{F747DE8E-C1B8-075F-8212-C8D3150E8165}"/>
-              </a:ext>
-            </a:extLst>
-          </p:cNvPr>
-          <p:cNvPicPr>
-            <a:picLocks noChangeAspect="1"/>
-          </p:cNvPicPr>
-          <p:nvPr/>
-        </p:nvPicPr>
-        <p:blipFill>
-          <a:blip r:embed="rId4">
-            <a:extLst>
-              <a:ext uri="{28A0092B-C50C-407E-A947-70E740481C1C}">
-                <a14:useLocalDpi xmlns:a14="http://schemas.microsoft.com/office/drawing/2010/main" val="0"/>
-              </a:ext>
-              <a:ext uri="{96DAC541-7B7A-43D3-8B79-37D633B846F1}">
-                <asvg:svgBlip xmlns:asvg="http://schemas.microsoft.com/office/drawing/2016/SVG/main" r:embed="rId5"/>
-              </a:ext>
-            </a:extLst>
-          </a:blip>
-          <a:stretch>
-            <a:fillRect/>
-          </a:stretch>
-        </p:blipFill>
-        <p:spPr>
-          <a:xfrm>
-            <a:off x="6357069" y="1191622"/>
-            <a:ext cx="319665" cy="319665"/>
-          </a:xfrm>
-          <a:prstGeom prst="rect">
-            <a:avLst/>
-          </a:prstGeom>
-        </p:spPr>
-      </p:pic>
-      <p:pic>
-        <p:nvPicPr>
-          <p:cNvPr id="25" name="Graphic 24" descr="Checkbox Checked with solid fill">
-            <a:extLst>
-              <a:ext uri="{FF2B5EF4-FFF2-40B4-BE49-F238E27FC236}">
-                <a16:creationId xmlns:a16="http://schemas.microsoft.com/office/drawing/2014/main" id="{2DA9008F-E779-9B61-1B03-97DBDF3CE086}"/>
-              </a:ext>
-            </a:extLst>
-          </p:cNvPr>
-          <p:cNvPicPr>
-            <a:picLocks noChangeAspect="1"/>
-          </p:cNvPicPr>
-          <p:nvPr/>
-        </p:nvPicPr>
-        <p:blipFill>
-          <a:blip r:embed="rId4">
-            <a:extLst>
-              <a:ext uri="{28A0092B-C50C-407E-A947-70E740481C1C}">
-                <a14:useLocalDpi xmlns:a14="http://schemas.microsoft.com/office/drawing/2010/main" val="0"/>
-              </a:ext>
-              <a:ext uri="{96DAC541-7B7A-43D3-8B79-37D633B846F1}">
-                <asvg:svgBlip xmlns:asvg="http://schemas.microsoft.com/office/drawing/2016/SVG/main" r:embed="rId5"/>
-              </a:ext>
-            </a:extLst>
-          </a:blip>
-          <a:stretch>
-            <a:fillRect/>
-          </a:stretch>
-        </p:blipFill>
-        <p:spPr>
-          <a:xfrm>
-            <a:off x="6378407" y="699404"/>
-            <a:ext cx="319665" cy="319665"/>
-          </a:xfrm>
-          <a:prstGeom prst="rect">
-            <a:avLst/>
-          </a:prstGeom>
-        </p:spPr>
-      </p:pic>
-      <p:pic>
-        <p:nvPicPr>
-          <p:cNvPr id="43" name="Graphic 42" descr="Checkbox Checked with solid fill">
-            <a:extLst>
-              <a:ext uri="{FF2B5EF4-FFF2-40B4-BE49-F238E27FC236}">
-                <a16:creationId xmlns:a16="http://schemas.microsoft.com/office/drawing/2014/main" id="{B875AB40-5347-8046-2226-683973B99ED6}"/>
-              </a:ext>
-            </a:extLst>
-          </p:cNvPr>
-          <p:cNvPicPr>
-            <a:picLocks noChangeAspect="1"/>
-          </p:cNvPicPr>
-          <p:nvPr/>
-        </p:nvPicPr>
-        <p:blipFill>
-          <a:blip r:embed="rId4">
-            <a:extLst>
-              <a:ext uri="{28A0092B-C50C-407E-A947-70E740481C1C}">
-                <a14:useLocalDpi xmlns:a14="http://schemas.microsoft.com/office/drawing/2010/main" val="0"/>
-              </a:ext>
-              <a:ext uri="{96DAC541-7B7A-43D3-8B79-37D633B846F1}">
-                <asvg:svgBlip xmlns:asvg="http://schemas.microsoft.com/office/drawing/2016/SVG/main" r:embed="rId5"/>
-              </a:ext>
-            </a:extLst>
-          </a:blip>
-          <a:stretch>
-            <a:fillRect/>
-          </a:stretch>
-        </p:blipFill>
-        <p:spPr>
-          <a:xfrm>
-            <a:off x="6355412" y="1958553"/>
-            <a:ext cx="319665" cy="319665"/>
-          </a:xfrm>
-          <a:prstGeom prst="rect">
-            <a:avLst/>
-          </a:prstGeom>
-        </p:spPr>
-      </p:pic>
-      <p:pic>
-        <p:nvPicPr>
-          <p:cNvPr id="44" name="Graphic 43" descr="Checkbox Checked with solid fill">
-            <a:extLst>
-              <a:ext uri="{FF2B5EF4-FFF2-40B4-BE49-F238E27FC236}">
-                <a16:creationId xmlns:a16="http://schemas.microsoft.com/office/drawing/2014/main" id="{9F36E105-33F6-F085-D8B0-7533C97BF169}"/>
-              </a:ext>
-            </a:extLst>
-          </p:cNvPr>
-          <p:cNvPicPr>
-            <a:picLocks noChangeAspect="1"/>
-          </p:cNvPicPr>
-          <p:nvPr/>
-        </p:nvPicPr>
-        <p:blipFill>
-          <a:blip r:embed="rId4">
-            <a:extLst>
-              <a:ext uri="{28A0092B-C50C-407E-A947-70E740481C1C}">
-                <a14:useLocalDpi xmlns:a14="http://schemas.microsoft.com/office/drawing/2010/main" val="0"/>
-              </a:ext>
-              <a:ext uri="{96DAC541-7B7A-43D3-8B79-37D633B846F1}">
-                <asvg:svgBlip xmlns:asvg="http://schemas.microsoft.com/office/drawing/2016/SVG/main" r:embed="rId5"/>
-              </a:ext>
-            </a:extLst>
-          </a:blip>
-          <a:stretch>
-            <a:fillRect/>
-          </a:stretch>
-        </p:blipFill>
-        <p:spPr>
-          <a:xfrm>
-            <a:off x="6353054" y="2166131"/>
-            <a:ext cx="319665" cy="319665"/>
-          </a:xfrm>
-          <a:prstGeom prst="rect">
-            <a:avLst/>
-          </a:prstGeom>
-        </p:spPr>
-      </p:pic>
-      <p:pic>
-        <p:nvPicPr>
-          <p:cNvPr id="45" name="Graphic 44" descr="Checkbox Checked with solid fill">
-            <a:extLst>
-              <a:ext uri="{FF2B5EF4-FFF2-40B4-BE49-F238E27FC236}">
-                <a16:creationId xmlns:a16="http://schemas.microsoft.com/office/drawing/2014/main" id="{3FA3A9EB-FF13-2C88-6E3A-791DE7A1306A}"/>
-              </a:ext>
-            </a:extLst>
-          </p:cNvPr>
-          <p:cNvPicPr>
-            <a:picLocks noChangeAspect="1"/>
-          </p:cNvPicPr>
-          <p:nvPr/>
-        </p:nvPicPr>
-        <p:blipFill>
-          <a:blip r:embed="rId4">
-            <a:extLst>
-              <a:ext uri="{28A0092B-C50C-407E-A947-70E740481C1C}">
-                <a14:useLocalDpi xmlns:a14="http://schemas.microsoft.com/office/drawing/2010/main" val="0"/>
-              </a:ext>
-              <a:ext uri="{96DAC541-7B7A-43D3-8B79-37D633B846F1}">
-                <asvg:svgBlip xmlns:asvg="http://schemas.microsoft.com/office/drawing/2016/SVG/main" r:embed="rId5"/>
-              </a:ext>
-            </a:extLst>
-          </a:blip>
-          <a:stretch>
-            <a:fillRect/>
-          </a:stretch>
-        </p:blipFill>
-        <p:spPr>
-          <a:xfrm>
-            <a:off x="6332628" y="1604402"/>
-            <a:ext cx="319665" cy="319665"/>
-          </a:xfrm>
-          <a:prstGeom prst="rect">
-            <a:avLst/>
-          </a:prstGeom>
-        </p:spPr>
-      </p:pic>
-      <p:pic>
-        <p:nvPicPr>
-          <p:cNvPr id="46" name="Graphic 45" descr="Checkbox Checked with solid fill">
-            <a:extLst>
-              <a:ext uri="{FF2B5EF4-FFF2-40B4-BE49-F238E27FC236}">
-                <a16:creationId xmlns:a16="http://schemas.microsoft.com/office/drawing/2014/main" id="{21A4B155-20D4-179E-E31F-D1914CACDE2F}"/>
-              </a:ext>
-            </a:extLst>
-          </p:cNvPr>
-          <p:cNvPicPr>
-            <a:picLocks noChangeAspect="1"/>
-          </p:cNvPicPr>
-          <p:nvPr/>
-        </p:nvPicPr>
-        <p:blipFill>
-          <a:blip r:embed="rId4">
-            <a:extLst>
-              <a:ext uri="{28A0092B-C50C-407E-A947-70E740481C1C}">
-                <a14:useLocalDpi xmlns:a14="http://schemas.microsoft.com/office/drawing/2010/main" val="0"/>
-              </a:ext>
-              <a:ext uri="{96DAC541-7B7A-43D3-8B79-37D633B846F1}">
-                <asvg:svgBlip xmlns:asvg="http://schemas.microsoft.com/office/drawing/2016/SVG/main" r:embed="rId5"/>
-              </a:ext>
-            </a:extLst>
-          </a:blip>
-          <a:stretch>
-            <a:fillRect/>
-          </a:stretch>
-        </p:blipFill>
-        <p:spPr>
-          <a:xfrm>
-            <a:off x="6363812" y="2491478"/>
-            <a:ext cx="319665" cy="319665"/>
-          </a:xfrm>
-          <a:prstGeom prst="rect">
-            <a:avLst/>
-          </a:prstGeom>
-        </p:spPr>
-      </p:pic>
-      <p:sp>
-        <p:nvSpPr>
-          <p:cNvPr id="47" name="TextBox 46">
-            <a:extLst>
-              <a:ext uri="{FF2B5EF4-FFF2-40B4-BE49-F238E27FC236}">
-                <a16:creationId xmlns:a16="http://schemas.microsoft.com/office/drawing/2014/main" id="{06008164-73CC-E6F5-6D80-A2405531130F}"/>
-              </a:ext>
-            </a:extLst>
-          </p:cNvPr>
-          <p:cNvSpPr txBox="1"/>
-          <p:nvPr/>
-        </p:nvSpPr>
-        <p:spPr>
-          <a:xfrm>
-            <a:off x="7662215" y="5015775"/>
-            <a:ext cx="3624900" cy="461665"/>
-          </a:xfrm>
-          <a:prstGeom prst="rect">
-            <a:avLst/>
-          </a:prstGeom>
-          <a:noFill/>
-        </p:spPr>
-        <p:txBody>
-          <a:bodyPr wrap="square" rtlCol="0">
-            <a:spAutoFit/>
-          </a:bodyPr>
-          <a:lstStyle/>
-          <a:p>
-            <a:r>
-              <a:rPr lang="en-US" sz="2400" dirty="0">
-                <a:solidFill>
-                  <a:srgbClr val="FF0000"/>
-                </a:solidFill>
-              </a:rPr>
-              <a:t>Thank You For Watching</a:t>
-            </a:r>
-            <a:endParaRPr lang="en-CA" sz="2400" dirty="0">
-              <a:solidFill>
-                <a:srgbClr val="FF0000"/>
-              </a:solidFill>
-            </a:endParaRPr>
-          </a:p>
-        </p:txBody>
-      </p:sp>
-    </p:spTree>
-    <p:extLst>
-      <p:ext uri="{BB962C8B-B14F-4D97-AF65-F5344CB8AC3E}">
-        <p14:creationId xmlns:p14="http://schemas.microsoft.com/office/powerpoint/2010/main" val="857822917"/>
       </p:ext>
     </p:extLst>
   </p:cSld>
